--- a/PROPOSAL.pptx
+++ b/PROPOSAL.pptx
@@ -83,7 +83,7 @@
         <p:txBody>
           <a:bodyPr/>
           <a:p>
-            <a:fld id="{06E5C038-C196-4E58-A614-BD5209DDA547}" type="slidenum">
+            <a:fld id="{C636E468-3DE3-4FDD-AC23-D5623F05A5D3}" type="slidenum">
               <a:t>&lt;#&gt;</a:t>
             </a:fld>
           </a:p>
@@ -256,7 +256,7 @@
         <p:txBody>
           <a:bodyPr/>
           <a:p>
-            <a:fld id="{859D518E-674B-40E0-9CE8-CEE713CFCD7A}" type="slidenum">
+            <a:fld id="{B1DAC042-A3E1-4093-AD54-8FA9976FDBF5}" type="slidenum">
               <a:t>&lt;#&gt;</a:t>
             </a:fld>
           </a:p>
@@ -503,7 +503,7 @@
         <p:txBody>
           <a:bodyPr/>
           <a:p>
-            <a:fld id="{7C886117-0BFF-4D23-A0B5-85055D93CE5C}" type="slidenum">
+            <a:fld id="{9AA5876F-2684-46C0-A07F-6BCD20A49A34}" type="slidenum">
               <a:t>&lt;#&gt;</a:t>
             </a:fld>
           </a:p>
@@ -824,7 +824,7 @@
         <p:txBody>
           <a:bodyPr/>
           <a:p>
-            <a:fld id="{F8752CF4-F1C5-4227-B6A4-FD58E810831D}" type="slidenum">
+            <a:fld id="{2225E695-60BA-4FF9-80D7-A0225C68BB9C}" type="slidenum">
               <a:t>&lt;#&gt;</a:t>
             </a:fld>
           </a:p>
@@ -886,7 +886,7 @@
         <p:txBody>
           <a:bodyPr/>
           <a:p>
-            <a:fld id="{9EF3465D-223C-4348-8EF3-351D0E3AF3CE}" type="slidenum">
+            <a:fld id="{5E62F414-056B-4B86-A8F2-C70B3DF2BC3C}" type="slidenum">
               <a:t>&lt;#&gt;</a:t>
             </a:fld>
           </a:p>
@@ -1022,7 +1022,7 @@
         <p:txBody>
           <a:bodyPr/>
           <a:p>
-            <a:fld id="{CD952F15-8235-4633-8066-FDCF7CBAFCAE}" type="slidenum">
+            <a:fld id="{D52745D9-7C52-439F-896A-DF37A8058D14}" type="slidenum">
               <a:t>&lt;#&gt;</a:t>
             </a:fld>
           </a:p>
@@ -1158,7 +1158,7 @@
         <p:txBody>
           <a:bodyPr/>
           <a:p>
-            <a:fld id="{CCDEB544-EF3F-4697-B4CF-4354410EEB7C}" type="slidenum">
+            <a:fld id="{67ADFCAC-98AC-4B8B-B106-A7ED77439CA6}" type="slidenum">
               <a:t>&lt;#&gt;</a:t>
             </a:fld>
           </a:p>
@@ -1331,7 +1331,7 @@
         <p:txBody>
           <a:bodyPr/>
           <a:p>
-            <a:fld id="{CF923950-37FE-4BE1-B256-FB596DB838A5}" type="slidenum">
+            <a:fld id="{9C3E159D-D246-4975-958C-2453EAE43D0A}" type="slidenum">
               <a:t>&lt;#&gt;</a:t>
             </a:fld>
           </a:p>
@@ -1430,7 +1430,7 @@
         <p:txBody>
           <a:bodyPr/>
           <a:p>
-            <a:fld id="{6954E27B-FC14-4C46-AC94-DB9F19C3C390}" type="slidenum">
+            <a:fld id="{D443B784-C66A-4807-8DF5-A4B2ABD20CCC}" type="slidenum">
               <a:t>&lt;#&gt;</a:t>
             </a:fld>
           </a:p>
@@ -1529,7 +1529,7 @@
         <p:txBody>
           <a:bodyPr/>
           <a:p>
-            <a:fld id="{37A5215A-5A6F-45E5-B41E-73F639335842}" type="slidenum">
+            <a:fld id="{D15A834D-06A5-4B3E-BEE0-6CF6AB4D31EF}" type="slidenum">
               <a:t>&lt;#&gt;</a:t>
             </a:fld>
           </a:p>
@@ -1739,7 +1739,7 @@
         <p:txBody>
           <a:bodyPr/>
           <a:p>
-            <a:fld id="{B7B2431D-EECA-4B9F-AEDA-7C7CF4AD8E07}" type="slidenum">
+            <a:fld id="{539F432D-7A64-4F09-BA73-85D4F85F40F8}" type="slidenum">
               <a:t>&lt;#&gt;</a:t>
             </a:fld>
           </a:p>
@@ -1875,7 +1875,7 @@
         <p:txBody>
           <a:bodyPr/>
           <a:p>
-            <a:fld id="{51D7EFC6-171A-4D73-BC56-3408C398E6E0}" type="slidenum">
+            <a:fld id="{6DEEF206-B757-4B1B-8A23-A5DDF6FBC2E0}" type="slidenum">
               <a:t>&lt;#&gt;</a:t>
             </a:fld>
           </a:p>
@@ -2085,7 +2085,7 @@
         <p:txBody>
           <a:bodyPr/>
           <a:p>
-            <a:fld id="{92528751-5634-4E84-8AC4-FCD90B3F2D62}" type="slidenum">
+            <a:fld id="{C02B9C42-AB10-4726-9071-FBDD8BA4150C}" type="slidenum">
               <a:t>&lt;#&gt;</a:t>
             </a:fld>
           </a:p>
@@ -2295,7 +2295,7 @@
         <p:txBody>
           <a:bodyPr/>
           <a:p>
-            <a:fld id="{909FE3EE-D56E-41F0-B81A-EA8575294931}" type="slidenum">
+            <a:fld id="{99B0F480-EF5A-4EEF-B8C6-A9F6378867F9}" type="slidenum">
               <a:t>&lt;#&gt;</a:t>
             </a:fld>
           </a:p>
@@ -2468,7 +2468,7 @@
         <p:txBody>
           <a:bodyPr/>
           <a:p>
-            <a:fld id="{1C0C3174-937D-49B4-AC6B-60AAC2B60C7D}" type="slidenum">
+            <a:fld id="{D66B5D08-F4CD-4FA7-A2C2-684C11BCB866}" type="slidenum">
               <a:t>&lt;#&gt;</a:t>
             </a:fld>
           </a:p>
@@ -2715,7 +2715,7 @@
         <p:txBody>
           <a:bodyPr/>
           <a:p>
-            <a:fld id="{DB3AB35F-3DE7-408F-ACF7-712B0F8E6A6C}" type="slidenum">
+            <a:fld id="{CF37B6DD-1797-4A81-8F52-A9114A4582BF}" type="slidenum">
               <a:t>&lt;#&gt;</a:t>
             </a:fld>
           </a:p>
@@ -3036,7 +3036,7 @@
         <p:txBody>
           <a:bodyPr/>
           <a:p>
-            <a:fld id="{B2118A2A-EA1D-4EC5-AF3D-7F3802CA953B}" type="slidenum">
+            <a:fld id="{EA6A973B-52D6-494A-B1CF-6159FF0162A9}" type="slidenum">
               <a:t>&lt;#&gt;</a:t>
             </a:fld>
           </a:p>
@@ -3078,7 +3078,7 @@
         <p:txBody>
           <a:bodyPr/>
           <a:p>
-            <a:fld id="{90A62D85-0FFF-4E5E-8880-DDF393EE07A1}" type="slidenum">
+            <a:fld id="{4ED0FA6E-F281-43AB-8188-0EA8C095ED36}" type="slidenum">
               <a:t>&lt;#&gt;</a:t>
             </a:fld>
           </a:p>
@@ -3194,7 +3194,7 @@
         <p:txBody>
           <a:bodyPr/>
           <a:p>
-            <a:fld id="{70A74548-5FFA-4098-9383-F759FF93AED5}" type="slidenum">
+            <a:fld id="{AA44877F-C0A4-4B78-8D59-78588FCE0891}" type="slidenum">
               <a:t>&lt;#&gt;</a:t>
             </a:fld>
           </a:p>
@@ -3310,7 +3310,7 @@
         <p:txBody>
           <a:bodyPr/>
           <a:p>
-            <a:fld id="{DBAC54F4-CD8A-4E35-B24A-321B547A7B49}" type="slidenum">
+            <a:fld id="{CD5B689D-6D69-42B5-8280-E4897CBAC2C4}" type="slidenum">
               <a:t>&lt;#&gt;</a:t>
             </a:fld>
           </a:p>
@@ -3463,7 +3463,7 @@
         <p:txBody>
           <a:bodyPr/>
           <a:p>
-            <a:fld id="{FCD19D0C-86F6-48A5-83C8-3888FF5F896C}" type="slidenum">
+            <a:fld id="{22E2350A-367A-4186-96EA-2EB2E2CB4D52}" type="slidenum">
               <a:t>&lt;#&gt;</a:t>
             </a:fld>
           </a:p>
@@ -3542,7 +3542,7 @@
         <p:txBody>
           <a:bodyPr/>
           <a:p>
-            <a:fld id="{73D7BB58-CE9B-4CC5-9A50-BA0AE1D45F63}" type="slidenum">
+            <a:fld id="{913FD8E9-FEAC-4130-856C-DB86C600846F}" type="slidenum">
               <a:t>&lt;#&gt;</a:t>
             </a:fld>
           </a:p>
@@ -3678,7 +3678,7 @@
         <p:txBody>
           <a:bodyPr/>
           <a:p>
-            <a:fld id="{F51C01EE-B530-49E9-BD5D-AE37BB595E05}" type="slidenum">
+            <a:fld id="{A58E1CFC-ACDA-42AF-ABDB-3FE622329439}" type="slidenum">
               <a:t>&lt;#&gt;</a:t>
             </a:fld>
           </a:p>
@@ -3757,7 +3757,7 @@
         <p:txBody>
           <a:bodyPr/>
           <a:p>
-            <a:fld id="{D969104C-F697-40D4-826A-B9227633E3D0}" type="slidenum">
+            <a:fld id="{6676A66C-69CA-4A71-92A0-07E917443772}" type="slidenum">
               <a:t>&lt;#&gt;</a:t>
             </a:fld>
           </a:p>
@@ -3947,7 +3947,7 @@
         <p:txBody>
           <a:bodyPr/>
           <a:p>
-            <a:fld id="{1A452A2C-1888-4CE5-9CF8-FED6CCAAA114}" type="slidenum">
+            <a:fld id="{706B9FBA-3734-40BC-B349-C84C11B0401E}" type="slidenum">
               <a:t>&lt;#&gt;</a:t>
             </a:fld>
           </a:p>
@@ -4137,7 +4137,7 @@
         <p:txBody>
           <a:bodyPr/>
           <a:p>
-            <a:fld id="{2C529AEE-0690-4040-82EC-990BCA9C017F}" type="slidenum">
+            <a:fld id="{B4DE7E02-36D7-47A1-BD5C-AF07AF34AEC6}" type="slidenum">
               <a:t>&lt;#&gt;</a:t>
             </a:fld>
           </a:p>
@@ -4327,7 +4327,7 @@
         <p:txBody>
           <a:bodyPr/>
           <a:p>
-            <a:fld id="{4B9C0CBC-A1A4-489A-B2F1-2BE359EC7FE9}" type="slidenum">
+            <a:fld id="{E4034CFD-E2BC-4041-9D5F-46787E0E0D3F}" type="slidenum">
               <a:t>&lt;#&gt;</a:t>
             </a:fld>
           </a:p>
@@ -4480,7 +4480,7 @@
         <p:txBody>
           <a:bodyPr/>
           <a:p>
-            <a:fld id="{0C59DCDE-B251-4C89-A84A-D248E496698E}" type="slidenum">
+            <a:fld id="{0053D5CF-CD4A-482C-9FD7-43C30097AA84}" type="slidenum">
               <a:t>&lt;#&gt;</a:t>
             </a:fld>
           </a:p>
@@ -4707,7 +4707,7 @@
         <p:txBody>
           <a:bodyPr/>
           <a:p>
-            <a:fld id="{28FEDD7F-347B-49EB-A141-8B069BB22FBA}" type="slidenum">
+            <a:fld id="{A9AC7581-8A6F-4A30-9198-E27C99623956}" type="slidenum">
               <a:t>&lt;#&gt;</a:t>
             </a:fld>
           </a:p>
@@ -5008,7 +5008,7 @@
         <p:txBody>
           <a:bodyPr/>
           <a:p>
-            <a:fld id="{485214EE-B471-44E3-A866-2498C996670D}" type="slidenum">
+            <a:fld id="{985E6B12-A79D-4EC9-991D-FF2E0BE82EE2}" type="slidenum">
               <a:t>&lt;#&gt;</a:t>
             </a:fld>
           </a:p>
@@ -5181,7 +5181,7 @@
         <p:txBody>
           <a:bodyPr/>
           <a:p>
-            <a:fld id="{96E22354-8157-4D8D-B0C4-39DE8C5E881F}" type="slidenum">
+            <a:fld id="{EBC049A6-E2DD-4B91-B3A6-391CC7C92F29}" type="slidenum">
               <a:t>&lt;#&gt;</a:t>
             </a:fld>
           </a:p>
@@ -5280,7 +5280,7 @@
         <p:txBody>
           <a:bodyPr/>
           <a:p>
-            <a:fld id="{50994E18-FA1D-48A6-A2E4-F5DE92E83ECF}" type="slidenum">
+            <a:fld id="{92CB3558-CBA7-4DB1-AF81-2C73C6ABC058}" type="slidenum">
               <a:t>&lt;#&gt;</a:t>
             </a:fld>
           </a:p>
@@ -5379,7 +5379,7 @@
         <p:txBody>
           <a:bodyPr/>
           <a:p>
-            <a:fld id="{887EE0A3-ADD2-4AEB-9C28-9DDB42064257}" type="slidenum">
+            <a:fld id="{6B8C0103-6A8F-4A95-BE0A-881B6FD37429}" type="slidenum">
               <a:t>&lt;#&gt;</a:t>
             </a:fld>
           </a:p>
@@ -5589,7 +5589,7 @@
         <p:txBody>
           <a:bodyPr/>
           <a:p>
-            <a:fld id="{BB9E8430-2A41-490B-B981-4ECE96ED375E}" type="slidenum">
+            <a:fld id="{CECC2A81-2503-4AA6-A4D3-1961A3EE033C}" type="slidenum">
               <a:t>&lt;#&gt;</a:t>
             </a:fld>
           </a:p>
@@ -5799,7 +5799,7 @@
         <p:txBody>
           <a:bodyPr/>
           <a:p>
-            <a:fld id="{32122956-71A0-46E6-8850-707362FD36D3}" type="slidenum">
+            <a:fld id="{9CAF535A-1731-4C20-A031-9872BEDA717D}" type="slidenum">
               <a:t>&lt;#&gt;</a:t>
             </a:fld>
           </a:p>
@@ -6009,7 +6009,7 @@
         <p:txBody>
           <a:bodyPr/>
           <a:p>
-            <a:fld id="{9DE8C5E5-3742-476A-9518-0F8886D4623E}" type="slidenum">
+            <a:fld id="{5E0E14F3-A646-4E58-A35E-279A851C8605}" type="slidenum">
               <a:t>&lt;#&gt;</a:t>
             </a:fld>
           </a:p>
@@ -7617,7 +7617,7 @@
                 <a:tab algn="l" pos="0"/>
               </a:tabLst>
             </a:pPr>
-            <a:fld id="{57D46E8C-71A3-44A8-83C1-EB98E2D81948}" type="slidenum">
+            <a:fld id="{F87DF1CF-0B11-4E59-AEBC-5F315EAA14A6}" type="slidenum">
               <a:rPr b="0" lang="en-GB" sz="1500" spc="-1" strike="noStrike">
                 <a:solidFill>
                   <a:srgbClr val="ffffff"/>

--- a/PROPOSAL.pptx
+++ b/PROPOSAL.pptx
@@ -28,7 +28,7 @@
     <p:sldId id="274" r:id="rId23"/>
   </p:sldIdLst>
   <p:sldSz cx="9144000" cy="5143500"/>
-  <p:notesSz cx="6858000" cy="9144000"/>
+  <p:notesSz cx="7772400" cy="10058400"/>
 </p:presentation>
 </file>
 
@@ -83,7 +83,7 @@
         <p:txBody>
           <a:bodyPr/>
           <a:p>
-            <a:fld id="{C636E468-3DE3-4FDD-AC23-D5623F05A5D3}" type="slidenum">
+            <a:fld id="{8933713E-981F-4AD5-A6C8-192D19E3DB70}" type="slidenum">
               <a:t>&lt;#&gt;</a:t>
             </a:fld>
           </a:p>
@@ -124,7 +124,7 @@
         <p:spPr>
           <a:xfrm>
             <a:off x="388080" y="457920"/>
-            <a:ext cx="8367840" cy="685800"/>
+            <a:ext cx="8367480" cy="685440"/>
           </a:xfrm>
           <a:prstGeom prst="rect">
             <a:avLst/>
@@ -139,10 +139,10 @@
             <a:noAutofit/>
           </a:bodyPr>
           <a:p>
-            <a:endParaRPr b="0" lang="en-US" sz="1400" spc="-1" strike="noStrike">
-              <a:solidFill>
-                <a:srgbClr val="000000"/>
-              </a:solidFill>
+            <a:pPr algn="ctr">
+              <a:buNone/>
+            </a:pPr>
+            <a:endParaRPr b="0" lang="en-US" sz="4400" spc="-1" strike="noStrike">
               <a:latin typeface="Arial"/>
             </a:endParaRPr>
           </a:p>
@@ -161,7 +161,7 @@
         <p:spPr>
           <a:xfrm>
             <a:off x="388080" y="1489680"/>
-            <a:ext cx="8367840" cy="1468440"/>
+            <a:ext cx="8367480" cy="1468080"/>
           </a:xfrm>
           <a:prstGeom prst="rect">
             <a:avLst/>
@@ -176,10 +176,7 @@
             <a:normAutofit/>
           </a:bodyPr>
           <a:p>
-            <a:endParaRPr b="0" lang="en-US" sz="1400" spc="-1" strike="noStrike">
-              <a:solidFill>
-                <a:srgbClr val="000000"/>
-              </a:solidFill>
+            <a:endParaRPr b="0" lang="en-US" sz="3200" spc="-1" strike="noStrike">
               <a:latin typeface="Arial"/>
             </a:endParaRPr>
           </a:p>
@@ -197,8 +194,8 @@
         </p:nvSpPr>
         <p:spPr>
           <a:xfrm>
-            <a:off x="388080" y="3098160"/>
-            <a:ext cx="8367840" cy="1468440"/>
+            <a:off x="388080" y="3097800"/>
+            <a:ext cx="8367480" cy="1468080"/>
           </a:xfrm>
           <a:prstGeom prst="rect">
             <a:avLst/>
@@ -213,10 +210,7 @@
             <a:normAutofit/>
           </a:bodyPr>
           <a:p>
-            <a:endParaRPr b="0" lang="en-US" sz="1400" spc="-1" strike="noStrike">
-              <a:solidFill>
-                <a:srgbClr val="000000"/>
-              </a:solidFill>
+            <a:endParaRPr b="0" lang="en-US" sz="3200" spc="-1" strike="noStrike">
               <a:latin typeface="Arial"/>
             </a:endParaRPr>
           </a:p>
@@ -256,7 +250,7 @@
         <p:txBody>
           <a:bodyPr/>
           <a:p>
-            <a:fld id="{B1DAC042-A3E1-4093-AD54-8FA9976FDBF5}" type="slidenum">
+            <a:fld id="{156C59B4-C66E-42D3-899D-5CA569364983}" type="slidenum">
               <a:t>&lt;#&gt;</a:t>
             </a:fld>
           </a:p>
@@ -297,7 +291,7 @@
         <p:spPr>
           <a:xfrm>
             <a:off x="388080" y="457920"/>
-            <a:ext cx="8367840" cy="685800"/>
+            <a:ext cx="8367480" cy="685440"/>
           </a:xfrm>
           <a:prstGeom prst="rect">
             <a:avLst/>
@@ -312,10 +306,10 @@
             <a:noAutofit/>
           </a:bodyPr>
           <a:p>
-            <a:endParaRPr b="0" lang="en-US" sz="1400" spc="-1" strike="noStrike">
-              <a:solidFill>
-                <a:srgbClr val="000000"/>
-              </a:solidFill>
+            <a:pPr algn="ctr">
+              <a:buNone/>
+            </a:pPr>
+            <a:endParaRPr b="0" lang="en-US" sz="4400" spc="-1" strike="noStrike">
               <a:latin typeface="Arial"/>
             </a:endParaRPr>
           </a:p>
@@ -334,7 +328,7 @@
         <p:spPr>
           <a:xfrm>
             <a:off x="388080" y="1489680"/>
-            <a:ext cx="4083480" cy="1468440"/>
+            <a:ext cx="4083120" cy="1468080"/>
           </a:xfrm>
           <a:prstGeom prst="rect">
             <a:avLst/>
@@ -349,10 +343,7 @@
             <a:normAutofit/>
           </a:bodyPr>
           <a:p>
-            <a:endParaRPr b="0" lang="en-US" sz="1400" spc="-1" strike="noStrike">
-              <a:solidFill>
-                <a:srgbClr val="000000"/>
-              </a:solidFill>
+            <a:endParaRPr b="0" lang="en-US" sz="3200" spc="-1" strike="noStrike">
               <a:latin typeface="Arial"/>
             </a:endParaRPr>
           </a:p>
@@ -370,8 +361,8 @@
         </p:nvSpPr>
         <p:spPr>
           <a:xfrm>
-            <a:off x="4676040" y="1489680"/>
-            <a:ext cx="4083480" cy="1468440"/>
+            <a:off x="4675680" y="1489680"/>
+            <a:ext cx="4083120" cy="1468080"/>
           </a:xfrm>
           <a:prstGeom prst="rect">
             <a:avLst/>
@@ -386,10 +377,7 @@
             <a:normAutofit/>
           </a:bodyPr>
           <a:p>
-            <a:endParaRPr b="0" lang="en-US" sz="1400" spc="-1" strike="noStrike">
-              <a:solidFill>
-                <a:srgbClr val="000000"/>
-              </a:solidFill>
+            <a:endParaRPr b="0" lang="en-US" sz="3200" spc="-1" strike="noStrike">
               <a:latin typeface="Arial"/>
             </a:endParaRPr>
           </a:p>
@@ -407,8 +395,8 @@
         </p:nvSpPr>
         <p:spPr>
           <a:xfrm>
-            <a:off x="388080" y="3098160"/>
-            <a:ext cx="4083480" cy="1468440"/>
+            <a:off x="388080" y="3097800"/>
+            <a:ext cx="4083120" cy="1468080"/>
           </a:xfrm>
           <a:prstGeom prst="rect">
             <a:avLst/>
@@ -423,10 +411,7 @@
             <a:normAutofit/>
           </a:bodyPr>
           <a:p>
-            <a:endParaRPr b="0" lang="en-US" sz="1400" spc="-1" strike="noStrike">
-              <a:solidFill>
-                <a:srgbClr val="000000"/>
-              </a:solidFill>
+            <a:endParaRPr b="0" lang="en-US" sz="3200" spc="-1" strike="noStrike">
               <a:latin typeface="Arial"/>
             </a:endParaRPr>
           </a:p>
@@ -444,8 +429,8 @@
         </p:nvSpPr>
         <p:spPr>
           <a:xfrm>
-            <a:off x="4676040" y="3098160"/>
-            <a:ext cx="4083480" cy="1468440"/>
+            <a:off x="4675680" y="3097800"/>
+            <a:ext cx="4083120" cy="1468080"/>
           </a:xfrm>
           <a:prstGeom prst="rect">
             <a:avLst/>
@@ -460,10 +445,7 @@
             <a:normAutofit/>
           </a:bodyPr>
           <a:p>
-            <a:endParaRPr b="0" lang="en-US" sz="1400" spc="-1" strike="noStrike">
-              <a:solidFill>
-                <a:srgbClr val="000000"/>
-              </a:solidFill>
+            <a:endParaRPr b="0" lang="en-US" sz="3200" spc="-1" strike="noStrike">
               <a:latin typeface="Arial"/>
             </a:endParaRPr>
           </a:p>
@@ -503,7 +485,7 @@
         <p:txBody>
           <a:bodyPr/>
           <a:p>
-            <a:fld id="{9AA5876F-2684-46C0-A07F-6BCD20A49A34}" type="slidenum">
+            <a:fld id="{2D951D20-AE29-4720-821F-1DF99E1936FF}" type="slidenum">
               <a:t>&lt;#&gt;</a:t>
             </a:fld>
           </a:p>
@@ -544,7 +526,7 @@
         <p:spPr>
           <a:xfrm>
             <a:off x="388080" y="457920"/>
-            <a:ext cx="8367840" cy="685800"/>
+            <a:ext cx="8367480" cy="685440"/>
           </a:xfrm>
           <a:prstGeom prst="rect">
             <a:avLst/>
@@ -559,10 +541,10 @@
             <a:noAutofit/>
           </a:bodyPr>
           <a:p>
-            <a:endParaRPr b="0" lang="en-US" sz="1400" spc="-1" strike="noStrike">
-              <a:solidFill>
-                <a:srgbClr val="000000"/>
-              </a:solidFill>
+            <a:pPr algn="ctr">
+              <a:buNone/>
+            </a:pPr>
+            <a:endParaRPr b="0" lang="en-US" sz="4400" spc="-1" strike="noStrike">
               <a:latin typeface="Arial"/>
             </a:endParaRPr>
           </a:p>
@@ -581,7 +563,7 @@
         <p:spPr>
           <a:xfrm>
             <a:off x="388080" y="1489680"/>
-            <a:ext cx="2694240" cy="1468440"/>
+            <a:ext cx="2694240" cy="1468080"/>
           </a:xfrm>
           <a:prstGeom prst="rect">
             <a:avLst/>
@@ -596,10 +578,7 @@
             <a:normAutofit/>
           </a:bodyPr>
           <a:p>
-            <a:endParaRPr b="0" lang="en-US" sz="1400" spc="-1" strike="noStrike">
-              <a:solidFill>
-                <a:srgbClr val="000000"/>
-              </a:solidFill>
+            <a:endParaRPr b="0" lang="en-US" sz="3200" spc="-1" strike="noStrike">
               <a:latin typeface="Arial"/>
             </a:endParaRPr>
           </a:p>
@@ -618,7 +597,7 @@
         <p:spPr>
           <a:xfrm>
             <a:off x="3217320" y="1489680"/>
-            <a:ext cx="2694240" cy="1468440"/>
+            <a:ext cx="2694240" cy="1468080"/>
           </a:xfrm>
           <a:prstGeom prst="rect">
             <a:avLst/>
@@ -633,10 +612,7 @@
             <a:normAutofit/>
           </a:bodyPr>
           <a:p>
-            <a:endParaRPr b="0" lang="en-US" sz="1400" spc="-1" strike="noStrike">
-              <a:solidFill>
-                <a:srgbClr val="000000"/>
-              </a:solidFill>
+            <a:endParaRPr b="0" lang="en-US" sz="3200" spc="-1" strike="noStrike">
               <a:latin typeface="Arial"/>
             </a:endParaRPr>
           </a:p>
@@ -655,7 +631,7 @@
         <p:spPr>
           <a:xfrm>
             <a:off x="6046920" y="1489680"/>
-            <a:ext cx="2694240" cy="1468440"/>
+            <a:ext cx="2694240" cy="1468080"/>
           </a:xfrm>
           <a:prstGeom prst="rect">
             <a:avLst/>
@@ -670,10 +646,7 @@
             <a:normAutofit/>
           </a:bodyPr>
           <a:p>
-            <a:endParaRPr b="0" lang="en-US" sz="1400" spc="-1" strike="noStrike">
-              <a:solidFill>
-                <a:srgbClr val="000000"/>
-              </a:solidFill>
+            <a:endParaRPr b="0" lang="en-US" sz="3200" spc="-1" strike="noStrike">
               <a:latin typeface="Arial"/>
             </a:endParaRPr>
           </a:p>
@@ -691,8 +664,8 @@
         </p:nvSpPr>
         <p:spPr>
           <a:xfrm>
-            <a:off x="388080" y="3098160"/>
-            <a:ext cx="2694240" cy="1468440"/>
+            <a:off x="388080" y="3097800"/>
+            <a:ext cx="2694240" cy="1468080"/>
           </a:xfrm>
           <a:prstGeom prst="rect">
             <a:avLst/>
@@ -707,10 +680,7 @@
             <a:normAutofit/>
           </a:bodyPr>
           <a:p>
-            <a:endParaRPr b="0" lang="en-US" sz="1400" spc="-1" strike="noStrike">
-              <a:solidFill>
-                <a:srgbClr val="000000"/>
-              </a:solidFill>
+            <a:endParaRPr b="0" lang="en-US" sz="3200" spc="-1" strike="noStrike">
               <a:latin typeface="Arial"/>
             </a:endParaRPr>
           </a:p>
@@ -728,8 +698,8 @@
         </p:nvSpPr>
         <p:spPr>
           <a:xfrm>
-            <a:off x="3217320" y="3098160"/>
-            <a:ext cx="2694240" cy="1468440"/>
+            <a:off x="3217320" y="3097800"/>
+            <a:ext cx="2694240" cy="1468080"/>
           </a:xfrm>
           <a:prstGeom prst="rect">
             <a:avLst/>
@@ -744,10 +714,7 @@
             <a:normAutofit/>
           </a:bodyPr>
           <a:p>
-            <a:endParaRPr b="0" lang="en-US" sz="1400" spc="-1" strike="noStrike">
-              <a:solidFill>
-                <a:srgbClr val="000000"/>
-              </a:solidFill>
+            <a:endParaRPr b="0" lang="en-US" sz="3200" spc="-1" strike="noStrike">
               <a:latin typeface="Arial"/>
             </a:endParaRPr>
           </a:p>
@@ -765,8 +732,8 @@
         </p:nvSpPr>
         <p:spPr>
           <a:xfrm>
-            <a:off x="6046920" y="3098160"/>
-            <a:ext cx="2694240" cy="1468440"/>
+            <a:off x="6046920" y="3097800"/>
+            <a:ext cx="2694240" cy="1468080"/>
           </a:xfrm>
           <a:prstGeom prst="rect">
             <a:avLst/>
@@ -781,10 +748,7 @@
             <a:normAutofit/>
           </a:bodyPr>
           <a:p>
-            <a:endParaRPr b="0" lang="en-US" sz="1400" spc="-1" strike="noStrike">
-              <a:solidFill>
-                <a:srgbClr val="000000"/>
-              </a:solidFill>
+            <a:endParaRPr b="0" lang="en-US" sz="3200" spc="-1" strike="noStrike">
               <a:latin typeface="Arial"/>
             </a:endParaRPr>
           </a:p>
@@ -824,7 +788,7 @@
         <p:txBody>
           <a:bodyPr/>
           <a:p>
-            <a:fld id="{2225E695-60BA-4FF9-80D7-A0225C68BB9C}" type="slidenum">
+            <a:fld id="{85649E0E-A4CE-4DD3-A5F4-7D591E7E0D1C}" type="slidenum">
               <a:t>&lt;#&gt;</a:t>
             </a:fld>
           </a:p>
@@ -886,7 +850,7 @@
         <p:txBody>
           <a:bodyPr/>
           <a:p>
-            <a:fld id="{5E62F414-056B-4B86-A8F2-C70B3DF2BC3C}" type="slidenum">
+            <a:fld id="{191851A3-B269-4A45-9DB1-C7A302F1142E}" type="slidenum">
               <a:t>&lt;#&gt;</a:t>
             </a:fld>
           </a:p>
@@ -927,7 +891,7 @@
         <p:spPr>
           <a:xfrm>
             <a:off x="388080" y="457920"/>
-            <a:ext cx="8367840" cy="685800"/>
+            <a:ext cx="8367480" cy="685440"/>
           </a:xfrm>
           <a:prstGeom prst="rect">
             <a:avLst/>
@@ -942,10 +906,10 @@
             <a:noAutofit/>
           </a:bodyPr>
           <a:p>
-            <a:endParaRPr b="0" lang="en-US" sz="1400" spc="-1" strike="noStrike">
-              <a:solidFill>
-                <a:srgbClr val="000000"/>
-              </a:solidFill>
+            <a:pPr algn="ctr">
+              <a:buNone/>
+            </a:pPr>
+            <a:endParaRPr b="0" lang="en-US" sz="4400" spc="-1" strike="noStrike">
               <a:latin typeface="Arial"/>
             </a:endParaRPr>
           </a:p>
@@ -964,7 +928,7 @@
         <p:spPr>
           <a:xfrm>
             <a:off x="388080" y="1489680"/>
-            <a:ext cx="8367840" cy="3078720"/>
+            <a:ext cx="8367480" cy="3078360"/>
           </a:xfrm>
           <a:prstGeom prst="rect">
             <a:avLst/>
@@ -1022,7 +986,7 @@
         <p:txBody>
           <a:bodyPr/>
           <a:p>
-            <a:fld id="{D52745D9-7C52-439F-896A-DF37A8058D14}" type="slidenum">
+            <a:fld id="{BC6F566F-CA7A-4A79-95E1-B3C7D33BFB38}" type="slidenum">
               <a:t>&lt;#&gt;</a:t>
             </a:fld>
           </a:p>
@@ -1063,7 +1027,7 @@
         <p:spPr>
           <a:xfrm>
             <a:off x="388080" y="457920"/>
-            <a:ext cx="8367840" cy="685800"/>
+            <a:ext cx="8367480" cy="685440"/>
           </a:xfrm>
           <a:prstGeom prst="rect">
             <a:avLst/>
@@ -1078,10 +1042,10 @@
             <a:noAutofit/>
           </a:bodyPr>
           <a:p>
-            <a:endParaRPr b="0" lang="en-US" sz="1400" spc="-1" strike="noStrike">
-              <a:solidFill>
-                <a:srgbClr val="000000"/>
-              </a:solidFill>
+            <a:pPr algn="ctr">
+              <a:buNone/>
+            </a:pPr>
+            <a:endParaRPr b="0" lang="en-US" sz="4400" spc="-1" strike="noStrike">
               <a:latin typeface="Arial"/>
             </a:endParaRPr>
           </a:p>
@@ -1100,7 +1064,7 @@
         <p:spPr>
           <a:xfrm>
             <a:off x="388080" y="1489680"/>
-            <a:ext cx="8367840" cy="3078720"/>
+            <a:ext cx="8367480" cy="3078360"/>
           </a:xfrm>
           <a:prstGeom prst="rect">
             <a:avLst/>
@@ -1115,10 +1079,7 @@
             <a:normAutofit/>
           </a:bodyPr>
           <a:p>
-            <a:endParaRPr b="0" lang="en-US" sz="1400" spc="-1" strike="noStrike">
-              <a:solidFill>
-                <a:srgbClr val="000000"/>
-              </a:solidFill>
+            <a:endParaRPr b="0" lang="en-US" sz="3200" spc="-1" strike="noStrike">
               <a:latin typeface="Arial"/>
             </a:endParaRPr>
           </a:p>
@@ -1158,7 +1119,7 @@
         <p:txBody>
           <a:bodyPr/>
           <a:p>
-            <a:fld id="{67ADFCAC-98AC-4B8B-B106-A7ED77439CA6}" type="slidenum">
+            <a:fld id="{CC544127-B3C7-48D8-A897-8B265D0CD69B}" type="slidenum">
               <a:t>&lt;#&gt;</a:t>
             </a:fld>
           </a:p>
@@ -1199,7 +1160,7 @@
         <p:spPr>
           <a:xfrm>
             <a:off x="388080" y="457920"/>
-            <a:ext cx="8367840" cy="685800"/>
+            <a:ext cx="8367480" cy="685440"/>
           </a:xfrm>
           <a:prstGeom prst="rect">
             <a:avLst/>
@@ -1214,10 +1175,10 @@
             <a:noAutofit/>
           </a:bodyPr>
           <a:p>
-            <a:endParaRPr b="0" lang="en-US" sz="1400" spc="-1" strike="noStrike">
-              <a:solidFill>
-                <a:srgbClr val="000000"/>
-              </a:solidFill>
+            <a:pPr algn="ctr">
+              <a:buNone/>
+            </a:pPr>
+            <a:endParaRPr b="0" lang="en-US" sz="4400" spc="-1" strike="noStrike">
               <a:latin typeface="Arial"/>
             </a:endParaRPr>
           </a:p>
@@ -1236,7 +1197,7 @@
         <p:spPr>
           <a:xfrm>
             <a:off x="388080" y="1489680"/>
-            <a:ext cx="4083480" cy="3078720"/>
+            <a:ext cx="4083120" cy="3078360"/>
           </a:xfrm>
           <a:prstGeom prst="rect">
             <a:avLst/>
@@ -1251,10 +1212,7 @@
             <a:normAutofit/>
           </a:bodyPr>
           <a:p>
-            <a:endParaRPr b="0" lang="en-US" sz="1400" spc="-1" strike="noStrike">
-              <a:solidFill>
-                <a:srgbClr val="000000"/>
-              </a:solidFill>
+            <a:endParaRPr b="0" lang="en-US" sz="3200" spc="-1" strike="noStrike">
               <a:latin typeface="Arial"/>
             </a:endParaRPr>
           </a:p>
@@ -1272,8 +1230,8 @@
         </p:nvSpPr>
         <p:spPr>
           <a:xfrm>
-            <a:off x="4676040" y="1489680"/>
-            <a:ext cx="4083480" cy="3078720"/>
+            <a:off x="4675680" y="1489680"/>
+            <a:ext cx="4083120" cy="3078360"/>
           </a:xfrm>
           <a:prstGeom prst="rect">
             <a:avLst/>
@@ -1288,10 +1246,7 @@
             <a:normAutofit/>
           </a:bodyPr>
           <a:p>
-            <a:endParaRPr b="0" lang="en-US" sz="1400" spc="-1" strike="noStrike">
-              <a:solidFill>
-                <a:srgbClr val="000000"/>
-              </a:solidFill>
+            <a:endParaRPr b="0" lang="en-US" sz="3200" spc="-1" strike="noStrike">
               <a:latin typeface="Arial"/>
             </a:endParaRPr>
           </a:p>
@@ -1331,7 +1286,7 @@
         <p:txBody>
           <a:bodyPr/>
           <a:p>
-            <a:fld id="{9C3E159D-D246-4975-958C-2453EAE43D0A}" type="slidenum">
+            <a:fld id="{041FAF67-87F7-4FD3-9580-D62B3F60C340}" type="slidenum">
               <a:t>&lt;#&gt;</a:t>
             </a:fld>
           </a:p>
@@ -1372,7 +1327,7 @@
         <p:spPr>
           <a:xfrm>
             <a:off x="388080" y="457920"/>
-            <a:ext cx="8367840" cy="685800"/>
+            <a:ext cx="8367480" cy="685440"/>
           </a:xfrm>
           <a:prstGeom prst="rect">
             <a:avLst/>
@@ -1387,10 +1342,10 @@
             <a:noAutofit/>
           </a:bodyPr>
           <a:p>
-            <a:endParaRPr b="0" lang="en-US" sz="1400" spc="-1" strike="noStrike">
-              <a:solidFill>
-                <a:srgbClr val="000000"/>
-              </a:solidFill>
+            <a:pPr algn="ctr">
+              <a:buNone/>
+            </a:pPr>
+            <a:endParaRPr b="0" lang="en-US" sz="4400" spc="-1" strike="noStrike">
               <a:latin typeface="Arial"/>
             </a:endParaRPr>
           </a:p>
@@ -1430,7 +1385,7 @@
         <p:txBody>
           <a:bodyPr/>
           <a:p>
-            <a:fld id="{D443B784-C66A-4807-8DF5-A4B2ABD20CCC}" type="slidenum">
+            <a:fld id="{613169F9-1BF2-44D3-897E-BF3FB46A97E6}" type="slidenum">
               <a:t>&lt;#&gt;</a:t>
             </a:fld>
           </a:p>
@@ -1471,7 +1426,7 @@
         <p:spPr>
           <a:xfrm>
             <a:off x="388080" y="457920"/>
-            <a:ext cx="8367840" cy="3180240"/>
+            <a:ext cx="8367480" cy="3178440"/>
           </a:xfrm>
           <a:prstGeom prst="rect">
             <a:avLst/>
@@ -1529,7 +1484,7 @@
         <p:txBody>
           <a:bodyPr/>
           <a:p>
-            <a:fld id="{D15A834D-06A5-4B3E-BEE0-6CF6AB4D31EF}" type="slidenum">
+            <a:fld id="{280CD2BE-3F17-437C-8A84-0885AE84E243}" type="slidenum">
               <a:t>&lt;#&gt;</a:t>
             </a:fld>
           </a:p>
@@ -1570,7 +1525,7 @@
         <p:spPr>
           <a:xfrm>
             <a:off x="388080" y="457920"/>
-            <a:ext cx="8367840" cy="685800"/>
+            <a:ext cx="8367480" cy="685440"/>
           </a:xfrm>
           <a:prstGeom prst="rect">
             <a:avLst/>
@@ -1585,10 +1540,10 @@
             <a:noAutofit/>
           </a:bodyPr>
           <a:p>
-            <a:endParaRPr b="0" lang="en-US" sz="1400" spc="-1" strike="noStrike">
-              <a:solidFill>
-                <a:srgbClr val="000000"/>
-              </a:solidFill>
+            <a:pPr algn="ctr">
+              <a:buNone/>
+            </a:pPr>
+            <a:endParaRPr b="0" lang="en-US" sz="4400" spc="-1" strike="noStrike">
               <a:latin typeface="Arial"/>
             </a:endParaRPr>
           </a:p>
@@ -1607,7 +1562,7 @@
         <p:spPr>
           <a:xfrm>
             <a:off x="388080" y="1489680"/>
-            <a:ext cx="4083480" cy="1468440"/>
+            <a:ext cx="4083120" cy="1468080"/>
           </a:xfrm>
           <a:prstGeom prst="rect">
             <a:avLst/>
@@ -1622,10 +1577,7 @@
             <a:normAutofit/>
           </a:bodyPr>
           <a:p>
-            <a:endParaRPr b="0" lang="en-US" sz="1400" spc="-1" strike="noStrike">
-              <a:solidFill>
-                <a:srgbClr val="000000"/>
-              </a:solidFill>
+            <a:endParaRPr b="0" lang="en-US" sz="3200" spc="-1" strike="noStrike">
               <a:latin typeface="Arial"/>
             </a:endParaRPr>
           </a:p>
@@ -1643,8 +1595,8 @@
         </p:nvSpPr>
         <p:spPr>
           <a:xfrm>
-            <a:off x="4676040" y="1489680"/>
-            <a:ext cx="4083480" cy="3078720"/>
+            <a:off x="4675680" y="1489680"/>
+            <a:ext cx="4083120" cy="3078360"/>
           </a:xfrm>
           <a:prstGeom prst="rect">
             <a:avLst/>
@@ -1659,10 +1611,7 @@
             <a:normAutofit/>
           </a:bodyPr>
           <a:p>
-            <a:endParaRPr b="0" lang="en-US" sz="1400" spc="-1" strike="noStrike">
-              <a:solidFill>
-                <a:srgbClr val="000000"/>
-              </a:solidFill>
+            <a:endParaRPr b="0" lang="en-US" sz="3200" spc="-1" strike="noStrike">
               <a:latin typeface="Arial"/>
             </a:endParaRPr>
           </a:p>
@@ -1680,8 +1629,8 @@
         </p:nvSpPr>
         <p:spPr>
           <a:xfrm>
-            <a:off x="388080" y="3098160"/>
-            <a:ext cx="4083480" cy="1468440"/>
+            <a:off x="388080" y="3097800"/>
+            <a:ext cx="4083120" cy="1468080"/>
           </a:xfrm>
           <a:prstGeom prst="rect">
             <a:avLst/>
@@ -1696,10 +1645,7 @@
             <a:normAutofit/>
           </a:bodyPr>
           <a:p>
-            <a:endParaRPr b="0" lang="en-US" sz="1400" spc="-1" strike="noStrike">
-              <a:solidFill>
-                <a:srgbClr val="000000"/>
-              </a:solidFill>
+            <a:endParaRPr b="0" lang="en-US" sz="3200" spc="-1" strike="noStrike">
               <a:latin typeface="Arial"/>
             </a:endParaRPr>
           </a:p>
@@ -1739,7 +1685,7 @@
         <p:txBody>
           <a:bodyPr/>
           <a:p>
-            <a:fld id="{539F432D-7A64-4F09-BA73-85D4F85F40F8}" type="slidenum">
+            <a:fld id="{555C76BA-6465-4907-A35F-C801B02FF7BB}" type="slidenum">
               <a:t>&lt;#&gt;</a:t>
             </a:fld>
           </a:p>
@@ -1780,7 +1726,7 @@
         <p:spPr>
           <a:xfrm>
             <a:off x="388080" y="457920"/>
-            <a:ext cx="8367840" cy="685800"/>
+            <a:ext cx="8367480" cy="685440"/>
           </a:xfrm>
           <a:prstGeom prst="rect">
             <a:avLst/>
@@ -1795,10 +1741,10 @@
             <a:noAutofit/>
           </a:bodyPr>
           <a:p>
-            <a:endParaRPr b="0" lang="en-US" sz="1400" spc="-1" strike="noStrike">
-              <a:solidFill>
-                <a:srgbClr val="000000"/>
-              </a:solidFill>
+            <a:pPr algn="ctr">
+              <a:buNone/>
+            </a:pPr>
+            <a:endParaRPr b="0" lang="en-US" sz="4400" spc="-1" strike="noStrike">
               <a:latin typeface="Arial"/>
             </a:endParaRPr>
           </a:p>
@@ -1817,7 +1763,7 @@
         <p:spPr>
           <a:xfrm>
             <a:off x="388080" y="1489680"/>
-            <a:ext cx="8367840" cy="3078720"/>
+            <a:ext cx="8367480" cy="3078360"/>
           </a:xfrm>
           <a:prstGeom prst="rect">
             <a:avLst/>
@@ -1875,7 +1821,7 @@
         <p:txBody>
           <a:bodyPr/>
           <a:p>
-            <a:fld id="{6DEEF206-B757-4B1B-8A23-A5DDF6FBC2E0}" type="slidenum">
+            <a:fld id="{FBBCD7AC-4921-4C6A-A1E0-50A2F89E8FAB}" type="slidenum">
               <a:t>&lt;#&gt;</a:t>
             </a:fld>
           </a:p>
@@ -1916,7 +1862,7 @@
         <p:spPr>
           <a:xfrm>
             <a:off x="388080" y="457920"/>
-            <a:ext cx="8367840" cy="685800"/>
+            <a:ext cx="8367480" cy="685440"/>
           </a:xfrm>
           <a:prstGeom prst="rect">
             <a:avLst/>
@@ -1931,10 +1877,10 @@
             <a:noAutofit/>
           </a:bodyPr>
           <a:p>
-            <a:endParaRPr b="0" lang="en-US" sz="1400" spc="-1" strike="noStrike">
-              <a:solidFill>
-                <a:srgbClr val="000000"/>
-              </a:solidFill>
+            <a:pPr algn="ctr">
+              <a:buNone/>
+            </a:pPr>
+            <a:endParaRPr b="0" lang="en-US" sz="4400" spc="-1" strike="noStrike">
               <a:latin typeface="Arial"/>
             </a:endParaRPr>
           </a:p>
@@ -1953,7 +1899,7 @@
         <p:spPr>
           <a:xfrm>
             <a:off x="388080" y="1489680"/>
-            <a:ext cx="4083480" cy="3078720"/>
+            <a:ext cx="4083120" cy="3078360"/>
           </a:xfrm>
           <a:prstGeom prst="rect">
             <a:avLst/>
@@ -1968,10 +1914,7 @@
             <a:normAutofit/>
           </a:bodyPr>
           <a:p>
-            <a:endParaRPr b="0" lang="en-US" sz="1400" spc="-1" strike="noStrike">
-              <a:solidFill>
-                <a:srgbClr val="000000"/>
-              </a:solidFill>
+            <a:endParaRPr b="0" lang="en-US" sz="3200" spc="-1" strike="noStrike">
               <a:latin typeface="Arial"/>
             </a:endParaRPr>
           </a:p>
@@ -1989,8 +1932,8 @@
         </p:nvSpPr>
         <p:spPr>
           <a:xfrm>
-            <a:off x="4676040" y="1489680"/>
-            <a:ext cx="4083480" cy="1468440"/>
+            <a:off x="4675680" y="1489680"/>
+            <a:ext cx="4083120" cy="1468080"/>
           </a:xfrm>
           <a:prstGeom prst="rect">
             <a:avLst/>
@@ -2005,10 +1948,7 @@
             <a:normAutofit/>
           </a:bodyPr>
           <a:p>
-            <a:endParaRPr b="0" lang="en-US" sz="1400" spc="-1" strike="noStrike">
-              <a:solidFill>
-                <a:srgbClr val="000000"/>
-              </a:solidFill>
+            <a:endParaRPr b="0" lang="en-US" sz="3200" spc="-1" strike="noStrike">
               <a:latin typeface="Arial"/>
             </a:endParaRPr>
           </a:p>
@@ -2026,8 +1966,8 @@
         </p:nvSpPr>
         <p:spPr>
           <a:xfrm>
-            <a:off x="4676040" y="3098160"/>
-            <a:ext cx="4083480" cy="1468440"/>
+            <a:off x="4675680" y="3097800"/>
+            <a:ext cx="4083120" cy="1468080"/>
           </a:xfrm>
           <a:prstGeom prst="rect">
             <a:avLst/>
@@ -2042,10 +1982,7 @@
             <a:normAutofit/>
           </a:bodyPr>
           <a:p>
-            <a:endParaRPr b="0" lang="en-US" sz="1400" spc="-1" strike="noStrike">
-              <a:solidFill>
-                <a:srgbClr val="000000"/>
-              </a:solidFill>
+            <a:endParaRPr b="0" lang="en-US" sz="3200" spc="-1" strike="noStrike">
               <a:latin typeface="Arial"/>
             </a:endParaRPr>
           </a:p>
@@ -2085,7 +2022,7 @@
         <p:txBody>
           <a:bodyPr/>
           <a:p>
-            <a:fld id="{C02B9C42-AB10-4726-9071-FBDD8BA4150C}" type="slidenum">
+            <a:fld id="{2D9A8296-0E68-4788-A91A-E8857B273810}" type="slidenum">
               <a:t>&lt;#&gt;</a:t>
             </a:fld>
           </a:p>
@@ -2126,7 +2063,7 @@
         <p:spPr>
           <a:xfrm>
             <a:off x="388080" y="457920"/>
-            <a:ext cx="8367840" cy="685800"/>
+            <a:ext cx="8367480" cy="685440"/>
           </a:xfrm>
           <a:prstGeom prst="rect">
             <a:avLst/>
@@ -2141,10 +2078,10 @@
             <a:noAutofit/>
           </a:bodyPr>
           <a:p>
-            <a:endParaRPr b="0" lang="en-US" sz="1400" spc="-1" strike="noStrike">
-              <a:solidFill>
-                <a:srgbClr val="000000"/>
-              </a:solidFill>
+            <a:pPr algn="ctr">
+              <a:buNone/>
+            </a:pPr>
+            <a:endParaRPr b="0" lang="en-US" sz="4400" spc="-1" strike="noStrike">
               <a:latin typeface="Arial"/>
             </a:endParaRPr>
           </a:p>
@@ -2163,7 +2100,7 @@
         <p:spPr>
           <a:xfrm>
             <a:off x="388080" y="1489680"/>
-            <a:ext cx="4083480" cy="1468440"/>
+            <a:ext cx="4083120" cy="1468080"/>
           </a:xfrm>
           <a:prstGeom prst="rect">
             <a:avLst/>
@@ -2178,10 +2115,7 @@
             <a:normAutofit/>
           </a:bodyPr>
           <a:p>
-            <a:endParaRPr b="0" lang="en-US" sz="1400" spc="-1" strike="noStrike">
-              <a:solidFill>
-                <a:srgbClr val="000000"/>
-              </a:solidFill>
+            <a:endParaRPr b="0" lang="en-US" sz="3200" spc="-1" strike="noStrike">
               <a:latin typeface="Arial"/>
             </a:endParaRPr>
           </a:p>
@@ -2199,8 +2133,8 @@
         </p:nvSpPr>
         <p:spPr>
           <a:xfrm>
-            <a:off x="4676040" y="1489680"/>
-            <a:ext cx="4083480" cy="1468440"/>
+            <a:off x="4675680" y="1489680"/>
+            <a:ext cx="4083120" cy="1468080"/>
           </a:xfrm>
           <a:prstGeom prst="rect">
             <a:avLst/>
@@ -2215,10 +2149,7 @@
             <a:normAutofit/>
           </a:bodyPr>
           <a:p>
-            <a:endParaRPr b="0" lang="en-US" sz="1400" spc="-1" strike="noStrike">
-              <a:solidFill>
-                <a:srgbClr val="000000"/>
-              </a:solidFill>
+            <a:endParaRPr b="0" lang="en-US" sz="3200" spc="-1" strike="noStrike">
               <a:latin typeface="Arial"/>
             </a:endParaRPr>
           </a:p>
@@ -2236,8 +2167,8 @@
         </p:nvSpPr>
         <p:spPr>
           <a:xfrm>
-            <a:off x="388080" y="3098160"/>
-            <a:ext cx="8367840" cy="1468440"/>
+            <a:off x="388080" y="3097800"/>
+            <a:ext cx="8367480" cy="1468080"/>
           </a:xfrm>
           <a:prstGeom prst="rect">
             <a:avLst/>
@@ -2252,10 +2183,7 @@
             <a:normAutofit/>
           </a:bodyPr>
           <a:p>
-            <a:endParaRPr b="0" lang="en-US" sz="1400" spc="-1" strike="noStrike">
-              <a:solidFill>
-                <a:srgbClr val="000000"/>
-              </a:solidFill>
+            <a:endParaRPr b="0" lang="en-US" sz="3200" spc="-1" strike="noStrike">
               <a:latin typeface="Arial"/>
             </a:endParaRPr>
           </a:p>
@@ -2295,7 +2223,7 @@
         <p:txBody>
           <a:bodyPr/>
           <a:p>
-            <a:fld id="{99B0F480-EF5A-4EEF-B8C6-A9F6378867F9}" type="slidenum">
+            <a:fld id="{1ACA6C80-24F0-48FB-B293-89906D60C9F5}" type="slidenum">
               <a:t>&lt;#&gt;</a:t>
             </a:fld>
           </a:p>
@@ -2336,7 +2264,7 @@
         <p:spPr>
           <a:xfrm>
             <a:off x="388080" y="457920"/>
-            <a:ext cx="8367840" cy="685800"/>
+            <a:ext cx="8367480" cy="685440"/>
           </a:xfrm>
           <a:prstGeom prst="rect">
             <a:avLst/>
@@ -2351,10 +2279,10 @@
             <a:noAutofit/>
           </a:bodyPr>
           <a:p>
-            <a:endParaRPr b="0" lang="en-US" sz="1400" spc="-1" strike="noStrike">
-              <a:solidFill>
-                <a:srgbClr val="000000"/>
-              </a:solidFill>
+            <a:pPr algn="ctr">
+              <a:buNone/>
+            </a:pPr>
+            <a:endParaRPr b="0" lang="en-US" sz="4400" spc="-1" strike="noStrike">
               <a:latin typeface="Arial"/>
             </a:endParaRPr>
           </a:p>
@@ -2373,7 +2301,7 @@
         <p:spPr>
           <a:xfrm>
             <a:off x="388080" y="1489680"/>
-            <a:ext cx="8367840" cy="1468440"/>
+            <a:ext cx="8367480" cy="1468080"/>
           </a:xfrm>
           <a:prstGeom prst="rect">
             <a:avLst/>
@@ -2388,10 +2316,7 @@
             <a:normAutofit/>
           </a:bodyPr>
           <a:p>
-            <a:endParaRPr b="0" lang="en-US" sz="1400" spc="-1" strike="noStrike">
-              <a:solidFill>
-                <a:srgbClr val="000000"/>
-              </a:solidFill>
+            <a:endParaRPr b="0" lang="en-US" sz="3200" spc="-1" strike="noStrike">
               <a:latin typeface="Arial"/>
             </a:endParaRPr>
           </a:p>
@@ -2409,8 +2334,8 @@
         </p:nvSpPr>
         <p:spPr>
           <a:xfrm>
-            <a:off x="388080" y="3098160"/>
-            <a:ext cx="8367840" cy="1468440"/>
+            <a:off x="388080" y="3097800"/>
+            <a:ext cx="8367480" cy="1468080"/>
           </a:xfrm>
           <a:prstGeom prst="rect">
             <a:avLst/>
@@ -2425,10 +2350,7 @@
             <a:normAutofit/>
           </a:bodyPr>
           <a:p>
-            <a:endParaRPr b="0" lang="en-US" sz="1400" spc="-1" strike="noStrike">
-              <a:solidFill>
-                <a:srgbClr val="000000"/>
-              </a:solidFill>
+            <a:endParaRPr b="0" lang="en-US" sz="3200" spc="-1" strike="noStrike">
               <a:latin typeface="Arial"/>
             </a:endParaRPr>
           </a:p>
@@ -2468,7 +2390,7 @@
         <p:txBody>
           <a:bodyPr/>
           <a:p>
-            <a:fld id="{D66B5D08-F4CD-4FA7-A2C2-684C11BCB866}" type="slidenum">
+            <a:fld id="{BB60534C-2FB3-4B21-876C-055D9250AF0C}" type="slidenum">
               <a:t>&lt;#&gt;</a:t>
             </a:fld>
           </a:p>
@@ -2509,7 +2431,7 @@
         <p:spPr>
           <a:xfrm>
             <a:off x="388080" y="457920"/>
-            <a:ext cx="8367840" cy="685800"/>
+            <a:ext cx="8367480" cy="685440"/>
           </a:xfrm>
           <a:prstGeom prst="rect">
             <a:avLst/>
@@ -2524,10 +2446,10 @@
             <a:noAutofit/>
           </a:bodyPr>
           <a:p>
-            <a:endParaRPr b="0" lang="en-US" sz="1400" spc="-1" strike="noStrike">
-              <a:solidFill>
-                <a:srgbClr val="000000"/>
-              </a:solidFill>
+            <a:pPr algn="ctr">
+              <a:buNone/>
+            </a:pPr>
+            <a:endParaRPr b="0" lang="en-US" sz="4400" spc="-1" strike="noStrike">
               <a:latin typeface="Arial"/>
             </a:endParaRPr>
           </a:p>
@@ -2546,7 +2468,7 @@
         <p:spPr>
           <a:xfrm>
             <a:off x="388080" y="1489680"/>
-            <a:ext cx="4083480" cy="1468440"/>
+            <a:ext cx="4083120" cy="1468080"/>
           </a:xfrm>
           <a:prstGeom prst="rect">
             <a:avLst/>
@@ -2561,10 +2483,7 @@
             <a:normAutofit/>
           </a:bodyPr>
           <a:p>
-            <a:endParaRPr b="0" lang="en-US" sz="1400" spc="-1" strike="noStrike">
-              <a:solidFill>
-                <a:srgbClr val="000000"/>
-              </a:solidFill>
+            <a:endParaRPr b="0" lang="en-US" sz="3200" spc="-1" strike="noStrike">
               <a:latin typeface="Arial"/>
             </a:endParaRPr>
           </a:p>
@@ -2582,8 +2501,8 @@
         </p:nvSpPr>
         <p:spPr>
           <a:xfrm>
-            <a:off x="4676040" y="1489680"/>
-            <a:ext cx="4083480" cy="1468440"/>
+            <a:off x="4675680" y="1489680"/>
+            <a:ext cx="4083120" cy="1468080"/>
           </a:xfrm>
           <a:prstGeom prst="rect">
             <a:avLst/>
@@ -2598,10 +2517,7 @@
             <a:normAutofit/>
           </a:bodyPr>
           <a:p>
-            <a:endParaRPr b="0" lang="en-US" sz="1400" spc="-1" strike="noStrike">
-              <a:solidFill>
-                <a:srgbClr val="000000"/>
-              </a:solidFill>
+            <a:endParaRPr b="0" lang="en-US" sz="3200" spc="-1" strike="noStrike">
               <a:latin typeface="Arial"/>
             </a:endParaRPr>
           </a:p>
@@ -2619,8 +2535,8 @@
         </p:nvSpPr>
         <p:spPr>
           <a:xfrm>
-            <a:off x="388080" y="3098160"/>
-            <a:ext cx="4083480" cy="1468440"/>
+            <a:off x="388080" y="3097800"/>
+            <a:ext cx="4083120" cy="1468080"/>
           </a:xfrm>
           <a:prstGeom prst="rect">
             <a:avLst/>
@@ -2635,10 +2551,7 @@
             <a:normAutofit/>
           </a:bodyPr>
           <a:p>
-            <a:endParaRPr b="0" lang="en-US" sz="1400" spc="-1" strike="noStrike">
-              <a:solidFill>
-                <a:srgbClr val="000000"/>
-              </a:solidFill>
+            <a:endParaRPr b="0" lang="en-US" sz="3200" spc="-1" strike="noStrike">
               <a:latin typeface="Arial"/>
             </a:endParaRPr>
           </a:p>
@@ -2656,8 +2569,8 @@
         </p:nvSpPr>
         <p:spPr>
           <a:xfrm>
-            <a:off x="4676040" y="3098160"/>
-            <a:ext cx="4083480" cy="1468440"/>
+            <a:off x="4675680" y="3097800"/>
+            <a:ext cx="4083120" cy="1468080"/>
           </a:xfrm>
           <a:prstGeom prst="rect">
             <a:avLst/>
@@ -2672,10 +2585,7 @@
             <a:normAutofit/>
           </a:bodyPr>
           <a:p>
-            <a:endParaRPr b="0" lang="en-US" sz="1400" spc="-1" strike="noStrike">
-              <a:solidFill>
-                <a:srgbClr val="000000"/>
-              </a:solidFill>
+            <a:endParaRPr b="0" lang="en-US" sz="3200" spc="-1" strike="noStrike">
               <a:latin typeface="Arial"/>
             </a:endParaRPr>
           </a:p>
@@ -2715,7 +2625,7 @@
         <p:txBody>
           <a:bodyPr/>
           <a:p>
-            <a:fld id="{CF37B6DD-1797-4A81-8F52-A9114A4582BF}" type="slidenum">
+            <a:fld id="{AF4086EC-032B-47E0-96DF-71E8794137D7}" type="slidenum">
               <a:t>&lt;#&gt;</a:t>
             </a:fld>
           </a:p>
@@ -2756,7 +2666,7 @@
         <p:spPr>
           <a:xfrm>
             <a:off x="388080" y="457920"/>
-            <a:ext cx="8367840" cy="685800"/>
+            <a:ext cx="8367480" cy="685440"/>
           </a:xfrm>
           <a:prstGeom prst="rect">
             <a:avLst/>
@@ -2771,10 +2681,10 @@
             <a:noAutofit/>
           </a:bodyPr>
           <a:p>
-            <a:endParaRPr b="0" lang="en-US" sz="1400" spc="-1" strike="noStrike">
-              <a:solidFill>
-                <a:srgbClr val="000000"/>
-              </a:solidFill>
+            <a:pPr algn="ctr">
+              <a:buNone/>
+            </a:pPr>
+            <a:endParaRPr b="0" lang="en-US" sz="4400" spc="-1" strike="noStrike">
               <a:latin typeface="Arial"/>
             </a:endParaRPr>
           </a:p>
@@ -2793,7 +2703,7 @@
         <p:spPr>
           <a:xfrm>
             <a:off x="388080" y="1489680"/>
-            <a:ext cx="2694240" cy="1468440"/>
+            <a:ext cx="2694240" cy="1468080"/>
           </a:xfrm>
           <a:prstGeom prst="rect">
             <a:avLst/>
@@ -2808,10 +2718,7 @@
             <a:normAutofit/>
           </a:bodyPr>
           <a:p>
-            <a:endParaRPr b="0" lang="en-US" sz="1400" spc="-1" strike="noStrike">
-              <a:solidFill>
-                <a:srgbClr val="000000"/>
-              </a:solidFill>
+            <a:endParaRPr b="0" lang="en-US" sz="3200" spc="-1" strike="noStrike">
               <a:latin typeface="Arial"/>
             </a:endParaRPr>
           </a:p>
@@ -2830,7 +2737,7 @@
         <p:spPr>
           <a:xfrm>
             <a:off x="3217320" y="1489680"/>
-            <a:ext cx="2694240" cy="1468440"/>
+            <a:ext cx="2694240" cy="1468080"/>
           </a:xfrm>
           <a:prstGeom prst="rect">
             <a:avLst/>
@@ -2845,10 +2752,7 @@
             <a:normAutofit/>
           </a:bodyPr>
           <a:p>
-            <a:endParaRPr b="0" lang="en-US" sz="1400" spc="-1" strike="noStrike">
-              <a:solidFill>
-                <a:srgbClr val="000000"/>
-              </a:solidFill>
+            <a:endParaRPr b="0" lang="en-US" sz="3200" spc="-1" strike="noStrike">
               <a:latin typeface="Arial"/>
             </a:endParaRPr>
           </a:p>
@@ -2867,7 +2771,7 @@
         <p:spPr>
           <a:xfrm>
             <a:off x="6046920" y="1489680"/>
-            <a:ext cx="2694240" cy="1468440"/>
+            <a:ext cx="2694240" cy="1468080"/>
           </a:xfrm>
           <a:prstGeom prst="rect">
             <a:avLst/>
@@ -2882,10 +2786,7 @@
             <a:normAutofit/>
           </a:bodyPr>
           <a:p>
-            <a:endParaRPr b="0" lang="en-US" sz="1400" spc="-1" strike="noStrike">
-              <a:solidFill>
-                <a:srgbClr val="000000"/>
-              </a:solidFill>
+            <a:endParaRPr b="0" lang="en-US" sz="3200" spc="-1" strike="noStrike">
               <a:latin typeface="Arial"/>
             </a:endParaRPr>
           </a:p>
@@ -2903,8 +2804,8 @@
         </p:nvSpPr>
         <p:spPr>
           <a:xfrm>
-            <a:off x="388080" y="3098160"/>
-            <a:ext cx="2694240" cy="1468440"/>
+            <a:off x="388080" y="3097800"/>
+            <a:ext cx="2694240" cy="1468080"/>
           </a:xfrm>
           <a:prstGeom prst="rect">
             <a:avLst/>
@@ -2919,10 +2820,7 @@
             <a:normAutofit/>
           </a:bodyPr>
           <a:p>
-            <a:endParaRPr b="0" lang="en-US" sz="1400" spc="-1" strike="noStrike">
-              <a:solidFill>
-                <a:srgbClr val="000000"/>
-              </a:solidFill>
+            <a:endParaRPr b="0" lang="en-US" sz="3200" spc="-1" strike="noStrike">
               <a:latin typeface="Arial"/>
             </a:endParaRPr>
           </a:p>
@@ -2940,8 +2838,8 @@
         </p:nvSpPr>
         <p:spPr>
           <a:xfrm>
-            <a:off x="3217320" y="3098160"/>
-            <a:ext cx="2694240" cy="1468440"/>
+            <a:off x="3217320" y="3097800"/>
+            <a:ext cx="2694240" cy="1468080"/>
           </a:xfrm>
           <a:prstGeom prst="rect">
             <a:avLst/>
@@ -2956,10 +2854,7 @@
             <a:normAutofit/>
           </a:bodyPr>
           <a:p>
-            <a:endParaRPr b="0" lang="en-US" sz="1400" spc="-1" strike="noStrike">
-              <a:solidFill>
-                <a:srgbClr val="000000"/>
-              </a:solidFill>
+            <a:endParaRPr b="0" lang="en-US" sz="3200" spc="-1" strike="noStrike">
               <a:latin typeface="Arial"/>
             </a:endParaRPr>
           </a:p>
@@ -2977,8 +2872,8 @@
         </p:nvSpPr>
         <p:spPr>
           <a:xfrm>
-            <a:off x="6046920" y="3098160"/>
-            <a:ext cx="2694240" cy="1468440"/>
+            <a:off x="6046920" y="3097800"/>
+            <a:ext cx="2694240" cy="1468080"/>
           </a:xfrm>
           <a:prstGeom prst="rect">
             <a:avLst/>
@@ -2993,10 +2888,7 @@
             <a:normAutofit/>
           </a:bodyPr>
           <a:p>
-            <a:endParaRPr b="0" lang="en-US" sz="1400" spc="-1" strike="noStrike">
-              <a:solidFill>
-                <a:srgbClr val="000000"/>
-              </a:solidFill>
+            <a:endParaRPr b="0" lang="en-US" sz="3200" spc="-1" strike="noStrike">
               <a:latin typeface="Arial"/>
             </a:endParaRPr>
           </a:p>
@@ -3036,7 +2928,7 @@
         <p:txBody>
           <a:bodyPr/>
           <a:p>
-            <a:fld id="{EA6A973B-52D6-494A-B1CF-6159FF0162A9}" type="slidenum">
+            <a:fld id="{9BF98409-195E-4653-A14F-35F98D31D92C}" type="slidenum">
               <a:t>&lt;#&gt;</a:t>
             </a:fld>
           </a:p>
@@ -3078,7 +2970,7 @@
         <p:txBody>
           <a:bodyPr/>
           <a:p>
-            <a:fld id="{4ED0FA6E-F281-43AB-8188-0EA8C095ED36}" type="slidenum">
+            <a:fld id="{E733244F-BE84-4077-B82A-93D7C032C181}" type="slidenum">
               <a:t>&lt;#&gt;</a:t>
             </a:fld>
           </a:p>
@@ -3119,7 +3011,7 @@
         <p:spPr>
           <a:xfrm>
             <a:off x="388080" y="457920"/>
-            <a:ext cx="8367840" cy="685800"/>
+            <a:ext cx="8367480" cy="685440"/>
           </a:xfrm>
           <a:prstGeom prst="rect">
             <a:avLst/>
@@ -3134,10 +3026,10 @@
             <a:noAutofit/>
           </a:bodyPr>
           <a:p>
-            <a:endParaRPr b="0" lang="en-US" sz="1400" spc="-1" strike="noStrike">
-              <a:solidFill>
-                <a:srgbClr val="000000"/>
-              </a:solidFill>
+            <a:pPr algn="ctr">
+              <a:buNone/>
+            </a:pPr>
+            <a:endParaRPr b="0" lang="en-US" sz="4400" spc="-1" strike="noStrike">
               <a:latin typeface="Arial"/>
             </a:endParaRPr>
           </a:p>
@@ -3156,7 +3048,7 @@
         <p:spPr>
           <a:xfrm>
             <a:off x="388080" y="1489680"/>
-            <a:ext cx="8367840" cy="3078720"/>
+            <a:ext cx="8367480" cy="3078360"/>
           </a:xfrm>
           <a:prstGeom prst="rect">
             <a:avLst/>
@@ -3194,7 +3086,7 @@
         <p:txBody>
           <a:bodyPr/>
           <a:p>
-            <a:fld id="{AA44877F-C0A4-4B78-8D59-78588FCE0891}" type="slidenum">
+            <a:fld id="{5BFB987B-74D0-4F78-8AD0-D7081832FF6E}" type="slidenum">
               <a:t>&lt;#&gt;</a:t>
             </a:fld>
           </a:p>
@@ -3235,7 +3127,7 @@
         <p:spPr>
           <a:xfrm>
             <a:off x="388080" y="457920"/>
-            <a:ext cx="8367840" cy="685800"/>
+            <a:ext cx="8367480" cy="685440"/>
           </a:xfrm>
           <a:prstGeom prst="rect">
             <a:avLst/>
@@ -3250,10 +3142,10 @@
             <a:noAutofit/>
           </a:bodyPr>
           <a:p>
-            <a:endParaRPr b="0" lang="en-US" sz="1400" spc="-1" strike="noStrike">
-              <a:solidFill>
-                <a:srgbClr val="000000"/>
-              </a:solidFill>
+            <a:pPr algn="ctr">
+              <a:buNone/>
+            </a:pPr>
+            <a:endParaRPr b="0" lang="en-US" sz="4400" spc="-1" strike="noStrike">
               <a:latin typeface="Arial"/>
             </a:endParaRPr>
           </a:p>
@@ -3272,7 +3164,7 @@
         <p:spPr>
           <a:xfrm>
             <a:off x="388080" y="1489680"/>
-            <a:ext cx="8367840" cy="3078720"/>
+            <a:ext cx="8367480" cy="3078360"/>
           </a:xfrm>
           <a:prstGeom prst="rect">
             <a:avLst/>
@@ -3287,10 +3179,7 @@
             <a:normAutofit/>
           </a:bodyPr>
           <a:p>
-            <a:endParaRPr b="0" lang="en-US" sz="1400" spc="-1" strike="noStrike">
-              <a:solidFill>
-                <a:srgbClr val="000000"/>
-              </a:solidFill>
+            <a:endParaRPr b="0" lang="en-US" sz="3200" spc="-1" strike="noStrike">
               <a:latin typeface="Arial"/>
             </a:endParaRPr>
           </a:p>
@@ -3310,7 +3199,7 @@
         <p:txBody>
           <a:bodyPr/>
           <a:p>
-            <a:fld id="{CD5B689D-6D69-42B5-8280-E4897CBAC2C4}" type="slidenum">
+            <a:fld id="{9626B516-A323-4C50-A4AB-B0AD230AAD90}" type="slidenum">
               <a:t>&lt;#&gt;</a:t>
             </a:fld>
           </a:p>
@@ -3351,7 +3240,7 @@
         <p:spPr>
           <a:xfrm>
             <a:off x="388080" y="457920"/>
-            <a:ext cx="8367840" cy="685800"/>
+            <a:ext cx="8367480" cy="685440"/>
           </a:xfrm>
           <a:prstGeom prst="rect">
             <a:avLst/>
@@ -3366,10 +3255,10 @@
             <a:noAutofit/>
           </a:bodyPr>
           <a:p>
-            <a:endParaRPr b="0" lang="en-US" sz="1400" spc="-1" strike="noStrike">
-              <a:solidFill>
-                <a:srgbClr val="000000"/>
-              </a:solidFill>
+            <a:pPr algn="ctr">
+              <a:buNone/>
+            </a:pPr>
+            <a:endParaRPr b="0" lang="en-US" sz="4400" spc="-1" strike="noStrike">
               <a:latin typeface="Arial"/>
             </a:endParaRPr>
           </a:p>
@@ -3388,7 +3277,7 @@
         <p:spPr>
           <a:xfrm>
             <a:off x="388080" y="1489680"/>
-            <a:ext cx="4083480" cy="3078720"/>
+            <a:ext cx="4083120" cy="3078360"/>
           </a:xfrm>
           <a:prstGeom prst="rect">
             <a:avLst/>
@@ -3403,10 +3292,7 @@
             <a:normAutofit/>
           </a:bodyPr>
           <a:p>
-            <a:endParaRPr b="0" lang="en-US" sz="1400" spc="-1" strike="noStrike">
-              <a:solidFill>
-                <a:srgbClr val="000000"/>
-              </a:solidFill>
+            <a:endParaRPr b="0" lang="en-US" sz="3200" spc="-1" strike="noStrike">
               <a:latin typeface="Arial"/>
             </a:endParaRPr>
           </a:p>
@@ -3424,8 +3310,8 @@
         </p:nvSpPr>
         <p:spPr>
           <a:xfrm>
-            <a:off x="4676040" y="1489680"/>
-            <a:ext cx="4083480" cy="3078720"/>
+            <a:off x="4675680" y="1489680"/>
+            <a:ext cx="4083120" cy="3078360"/>
           </a:xfrm>
           <a:prstGeom prst="rect">
             <a:avLst/>
@@ -3440,10 +3326,7 @@
             <a:normAutofit/>
           </a:bodyPr>
           <a:p>
-            <a:endParaRPr b="0" lang="en-US" sz="1400" spc="-1" strike="noStrike">
-              <a:solidFill>
-                <a:srgbClr val="000000"/>
-              </a:solidFill>
+            <a:endParaRPr b="0" lang="en-US" sz="3200" spc="-1" strike="noStrike">
               <a:latin typeface="Arial"/>
             </a:endParaRPr>
           </a:p>
@@ -3463,7 +3346,7 @@
         <p:txBody>
           <a:bodyPr/>
           <a:p>
-            <a:fld id="{22E2350A-367A-4186-96EA-2EB2E2CB4D52}" type="slidenum">
+            <a:fld id="{447F2730-848E-4E9D-8B91-1FA8A0CDEAAB}" type="slidenum">
               <a:t>&lt;#&gt;</a:t>
             </a:fld>
           </a:p>
@@ -3504,7 +3387,7 @@
         <p:spPr>
           <a:xfrm>
             <a:off x="388080" y="457920"/>
-            <a:ext cx="8367840" cy="685800"/>
+            <a:ext cx="8367480" cy="685440"/>
           </a:xfrm>
           <a:prstGeom prst="rect">
             <a:avLst/>
@@ -3519,10 +3402,10 @@
             <a:noAutofit/>
           </a:bodyPr>
           <a:p>
-            <a:endParaRPr b="0" lang="en-US" sz="1400" spc="-1" strike="noStrike">
-              <a:solidFill>
-                <a:srgbClr val="000000"/>
-              </a:solidFill>
+            <a:pPr algn="ctr">
+              <a:buNone/>
+            </a:pPr>
+            <a:endParaRPr b="0" lang="en-US" sz="4400" spc="-1" strike="noStrike">
               <a:latin typeface="Arial"/>
             </a:endParaRPr>
           </a:p>
@@ -3542,7 +3425,7 @@
         <p:txBody>
           <a:bodyPr/>
           <a:p>
-            <a:fld id="{913FD8E9-FEAC-4130-856C-DB86C600846F}" type="slidenum">
+            <a:fld id="{5A50E1F3-4CAB-4E4D-A7FF-3BAE09B7509E}" type="slidenum">
               <a:t>&lt;#&gt;</a:t>
             </a:fld>
           </a:p>
@@ -3583,7 +3466,7 @@
         <p:spPr>
           <a:xfrm>
             <a:off x="388080" y="457920"/>
-            <a:ext cx="8367840" cy="685800"/>
+            <a:ext cx="8367480" cy="685440"/>
           </a:xfrm>
           <a:prstGeom prst="rect">
             <a:avLst/>
@@ -3598,10 +3481,10 @@
             <a:noAutofit/>
           </a:bodyPr>
           <a:p>
-            <a:endParaRPr b="0" lang="en-US" sz="1400" spc="-1" strike="noStrike">
-              <a:solidFill>
-                <a:srgbClr val="000000"/>
-              </a:solidFill>
+            <a:pPr algn="ctr">
+              <a:buNone/>
+            </a:pPr>
+            <a:endParaRPr b="0" lang="en-US" sz="4400" spc="-1" strike="noStrike">
               <a:latin typeface="Arial"/>
             </a:endParaRPr>
           </a:p>
@@ -3620,7 +3503,7 @@
         <p:spPr>
           <a:xfrm>
             <a:off x="388080" y="1489680"/>
-            <a:ext cx="8367840" cy="3078720"/>
+            <a:ext cx="8367480" cy="3078360"/>
           </a:xfrm>
           <a:prstGeom prst="rect">
             <a:avLst/>
@@ -3635,10 +3518,7 @@
             <a:normAutofit/>
           </a:bodyPr>
           <a:p>
-            <a:endParaRPr b="0" lang="en-US" sz="1400" spc="-1" strike="noStrike">
-              <a:solidFill>
-                <a:srgbClr val="000000"/>
-              </a:solidFill>
+            <a:endParaRPr b="0" lang="en-US" sz="3200" spc="-1" strike="noStrike">
               <a:latin typeface="Arial"/>
             </a:endParaRPr>
           </a:p>
@@ -3678,7 +3558,7 @@
         <p:txBody>
           <a:bodyPr/>
           <a:p>
-            <a:fld id="{A58E1CFC-ACDA-42AF-ABDB-3FE622329439}" type="slidenum">
+            <a:fld id="{8D046F7C-D848-4F86-A908-C2BC7D5C74AA}" type="slidenum">
               <a:t>&lt;#&gt;</a:t>
             </a:fld>
           </a:p>
@@ -3719,7 +3599,7 @@
         <p:spPr>
           <a:xfrm>
             <a:off x="388080" y="457920"/>
-            <a:ext cx="8367840" cy="3180240"/>
+            <a:ext cx="8367480" cy="3178440"/>
           </a:xfrm>
           <a:prstGeom prst="rect">
             <a:avLst/>
@@ -3757,7 +3637,7 @@
         <p:txBody>
           <a:bodyPr/>
           <a:p>
-            <a:fld id="{6676A66C-69CA-4A71-92A0-07E917443772}" type="slidenum">
+            <a:fld id="{7F21DA2D-6832-409E-BE92-7F15B6E4A5D9}" type="slidenum">
               <a:t>&lt;#&gt;</a:t>
             </a:fld>
           </a:p>
@@ -3798,7 +3678,7 @@
         <p:spPr>
           <a:xfrm>
             <a:off x="388080" y="457920"/>
-            <a:ext cx="8367840" cy="685800"/>
+            <a:ext cx="8367480" cy="685440"/>
           </a:xfrm>
           <a:prstGeom prst="rect">
             <a:avLst/>
@@ -3813,10 +3693,10 @@
             <a:noAutofit/>
           </a:bodyPr>
           <a:p>
-            <a:endParaRPr b="0" lang="en-US" sz="1400" spc="-1" strike="noStrike">
-              <a:solidFill>
-                <a:srgbClr val="000000"/>
-              </a:solidFill>
+            <a:pPr algn="ctr">
+              <a:buNone/>
+            </a:pPr>
+            <a:endParaRPr b="0" lang="en-US" sz="4400" spc="-1" strike="noStrike">
               <a:latin typeface="Arial"/>
             </a:endParaRPr>
           </a:p>
@@ -3835,7 +3715,7 @@
         <p:spPr>
           <a:xfrm>
             <a:off x="388080" y="1489680"/>
-            <a:ext cx="4083480" cy="1468440"/>
+            <a:ext cx="4083120" cy="1468080"/>
           </a:xfrm>
           <a:prstGeom prst="rect">
             <a:avLst/>
@@ -3850,10 +3730,7 @@
             <a:normAutofit/>
           </a:bodyPr>
           <a:p>
-            <a:endParaRPr b="0" lang="en-US" sz="1400" spc="-1" strike="noStrike">
-              <a:solidFill>
-                <a:srgbClr val="000000"/>
-              </a:solidFill>
+            <a:endParaRPr b="0" lang="en-US" sz="3200" spc="-1" strike="noStrike">
               <a:latin typeface="Arial"/>
             </a:endParaRPr>
           </a:p>
@@ -3871,8 +3748,8 @@
         </p:nvSpPr>
         <p:spPr>
           <a:xfrm>
-            <a:off x="4676040" y="1489680"/>
-            <a:ext cx="4083480" cy="3078720"/>
+            <a:off x="4675680" y="1489680"/>
+            <a:ext cx="4083120" cy="3078360"/>
           </a:xfrm>
           <a:prstGeom prst="rect">
             <a:avLst/>
@@ -3887,10 +3764,7 @@
             <a:normAutofit/>
           </a:bodyPr>
           <a:p>
-            <a:endParaRPr b="0" lang="en-US" sz="1400" spc="-1" strike="noStrike">
-              <a:solidFill>
-                <a:srgbClr val="000000"/>
-              </a:solidFill>
+            <a:endParaRPr b="0" lang="en-US" sz="3200" spc="-1" strike="noStrike">
               <a:latin typeface="Arial"/>
             </a:endParaRPr>
           </a:p>
@@ -3908,8 +3782,8 @@
         </p:nvSpPr>
         <p:spPr>
           <a:xfrm>
-            <a:off x="388080" y="3098160"/>
-            <a:ext cx="4083480" cy="1468440"/>
+            <a:off x="388080" y="3097800"/>
+            <a:ext cx="4083120" cy="1468080"/>
           </a:xfrm>
           <a:prstGeom prst="rect">
             <a:avLst/>
@@ -3924,10 +3798,7 @@
             <a:normAutofit/>
           </a:bodyPr>
           <a:p>
-            <a:endParaRPr b="0" lang="en-US" sz="1400" spc="-1" strike="noStrike">
-              <a:solidFill>
-                <a:srgbClr val="000000"/>
-              </a:solidFill>
+            <a:endParaRPr b="0" lang="en-US" sz="3200" spc="-1" strike="noStrike">
               <a:latin typeface="Arial"/>
             </a:endParaRPr>
           </a:p>
@@ -3947,7 +3818,7 @@
         <p:txBody>
           <a:bodyPr/>
           <a:p>
-            <a:fld id="{706B9FBA-3734-40BC-B349-C84C11B0401E}" type="slidenum">
+            <a:fld id="{CB1AE2C3-32C9-4C56-9C47-E3D8247C1FB6}" type="slidenum">
               <a:t>&lt;#&gt;</a:t>
             </a:fld>
           </a:p>
@@ -3988,7 +3859,7 @@
         <p:spPr>
           <a:xfrm>
             <a:off x="388080" y="457920"/>
-            <a:ext cx="8367840" cy="685800"/>
+            <a:ext cx="8367480" cy="685440"/>
           </a:xfrm>
           <a:prstGeom prst="rect">
             <a:avLst/>
@@ -4003,10 +3874,10 @@
             <a:noAutofit/>
           </a:bodyPr>
           <a:p>
-            <a:endParaRPr b="0" lang="en-US" sz="1400" spc="-1" strike="noStrike">
-              <a:solidFill>
-                <a:srgbClr val="000000"/>
-              </a:solidFill>
+            <a:pPr algn="ctr">
+              <a:buNone/>
+            </a:pPr>
+            <a:endParaRPr b="0" lang="en-US" sz="4400" spc="-1" strike="noStrike">
               <a:latin typeface="Arial"/>
             </a:endParaRPr>
           </a:p>
@@ -4025,7 +3896,7 @@
         <p:spPr>
           <a:xfrm>
             <a:off x="388080" y="1489680"/>
-            <a:ext cx="4083480" cy="3078720"/>
+            <a:ext cx="4083120" cy="3078360"/>
           </a:xfrm>
           <a:prstGeom prst="rect">
             <a:avLst/>
@@ -4040,10 +3911,7 @@
             <a:normAutofit/>
           </a:bodyPr>
           <a:p>
-            <a:endParaRPr b="0" lang="en-US" sz="1400" spc="-1" strike="noStrike">
-              <a:solidFill>
-                <a:srgbClr val="000000"/>
-              </a:solidFill>
+            <a:endParaRPr b="0" lang="en-US" sz="3200" spc="-1" strike="noStrike">
               <a:latin typeface="Arial"/>
             </a:endParaRPr>
           </a:p>
@@ -4061,8 +3929,8 @@
         </p:nvSpPr>
         <p:spPr>
           <a:xfrm>
-            <a:off x="4676040" y="1489680"/>
-            <a:ext cx="4083480" cy="1468440"/>
+            <a:off x="4675680" y="1489680"/>
+            <a:ext cx="4083120" cy="1468080"/>
           </a:xfrm>
           <a:prstGeom prst="rect">
             <a:avLst/>
@@ -4077,10 +3945,7 @@
             <a:normAutofit/>
           </a:bodyPr>
           <a:p>
-            <a:endParaRPr b="0" lang="en-US" sz="1400" spc="-1" strike="noStrike">
-              <a:solidFill>
-                <a:srgbClr val="000000"/>
-              </a:solidFill>
+            <a:endParaRPr b="0" lang="en-US" sz="3200" spc="-1" strike="noStrike">
               <a:latin typeface="Arial"/>
             </a:endParaRPr>
           </a:p>
@@ -4098,8 +3963,8 @@
         </p:nvSpPr>
         <p:spPr>
           <a:xfrm>
-            <a:off x="4676040" y="3098160"/>
-            <a:ext cx="4083480" cy="1468440"/>
+            <a:off x="4675680" y="3097800"/>
+            <a:ext cx="4083120" cy="1468080"/>
           </a:xfrm>
           <a:prstGeom prst="rect">
             <a:avLst/>
@@ -4114,10 +3979,7 @@
             <a:normAutofit/>
           </a:bodyPr>
           <a:p>
-            <a:endParaRPr b="0" lang="en-US" sz="1400" spc="-1" strike="noStrike">
-              <a:solidFill>
-                <a:srgbClr val="000000"/>
-              </a:solidFill>
+            <a:endParaRPr b="0" lang="en-US" sz="3200" spc="-1" strike="noStrike">
               <a:latin typeface="Arial"/>
             </a:endParaRPr>
           </a:p>
@@ -4137,7 +3999,7 @@
         <p:txBody>
           <a:bodyPr/>
           <a:p>
-            <a:fld id="{B4DE7E02-36D7-47A1-BD5C-AF07AF34AEC6}" type="slidenum">
+            <a:fld id="{9D9F2AA7-558C-4ACF-8C3E-B847908B4717}" type="slidenum">
               <a:t>&lt;#&gt;</a:t>
             </a:fld>
           </a:p>
@@ -4178,7 +4040,7 @@
         <p:spPr>
           <a:xfrm>
             <a:off x="388080" y="457920"/>
-            <a:ext cx="8367840" cy="685800"/>
+            <a:ext cx="8367480" cy="685440"/>
           </a:xfrm>
           <a:prstGeom prst="rect">
             <a:avLst/>
@@ -4193,10 +4055,10 @@
             <a:noAutofit/>
           </a:bodyPr>
           <a:p>
-            <a:endParaRPr b="0" lang="en-US" sz="1400" spc="-1" strike="noStrike">
-              <a:solidFill>
-                <a:srgbClr val="000000"/>
-              </a:solidFill>
+            <a:pPr algn="ctr">
+              <a:buNone/>
+            </a:pPr>
+            <a:endParaRPr b="0" lang="en-US" sz="4400" spc="-1" strike="noStrike">
               <a:latin typeface="Arial"/>
             </a:endParaRPr>
           </a:p>
@@ -4215,7 +4077,7 @@
         <p:spPr>
           <a:xfrm>
             <a:off x="388080" y="1489680"/>
-            <a:ext cx="4083480" cy="1468440"/>
+            <a:ext cx="4083120" cy="1468080"/>
           </a:xfrm>
           <a:prstGeom prst="rect">
             <a:avLst/>
@@ -4230,10 +4092,7 @@
             <a:normAutofit/>
           </a:bodyPr>
           <a:p>
-            <a:endParaRPr b="0" lang="en-US" sz="1400" spc="-1" strike="noStrike">
-              <a:solidFill>
-                <a:srgbClr val="000000"/>
-              </a:solidFill>
+            <a:endParaRPr b="0" lang="en-US" sz="3200" spc="-1" strike="noStrike">
               <a:latin typeface="Arial"/>
             </a:endParaRPr>
           </a:p>
@@ -4251,8 +4110,8 @@
         </p:nvSpPr>
         <p:spPr>
           <a:xfrm>
-            <a:off x="4676040" y="1489680"/>
-            <a:ext cx="4083480" cy="1468440"/>
+            <a:off x="4675680" y="1489680"/>
+            <a:ext cx="4083120" cy="1468080"/>
           </a:xfrm>
           <a:prstGeom prst="rect">
             <a:avLst/>
@@ -4267,10 +4126,7 @@
             <a:normAutofit/>
           </a:bodyPr>
           <a:p>
-            <a:endParaRPr b="0" lang="en-US" sz="1400" spc="-1" strike="noStrike">
-              <a:solidFill>
-                <a:srgbClr val="000000"/>
-              </a:solidFill>
+            <a:endParaRPr b="0" lang="en-US" sz="3200" spc="-1" strike="noStrike">
               <a:latin typeface="Arial"/>
             </a:endParaRPr>
           </a:p>
@@ -4288,8 +4144,8 @@
         </p:nvSpPr>
         <p:spPr>
           <a:xfrm>
-            <a:off x="388080" y="3098160"/>
-            <a:ext cx="8367840" cy="1468440"/>
+            <a:off x="388080" y="3097800"/>
+            <a:ext cx="8367480" cy="1468080"/>
           </a:xfrm>
           <a:prstGeom prst="rect">
             <a:avLst/>
@@ -4304,10 +4160,7 @@
             <a:normAutofit/>
           </a:bodyPr>
           <a:p>
-            <a:endParaRPr b="0" lang="en-US" sz="1400" spc="-1" strike="noStrike">
-              <a:solidFill>
-                <a:srgbClr val="000000"/>
-              </a:solidFill>
+            <a:endParaRPr b="0" lang="en-US" sz="3200" spc="-1" strike="noStrike">
               <a:latin typeface="Arial"/>
             </a:endParaRPr>
           </a:p>
@@ -4327,7 +4180,7 @@
         <p:txBody>
           <a:bodyPr/>
           <a:p>
-            <a:fld id="{E4034CFD-E2BC-4041-9D5F-46787E0E0D3F}" type="slidenum">
+            <a:fld id="{15B29104-32D6-45DF-879E-68372B3442B7}" type="slidenum">
               <a:t>&lt;#&gt;</a:t>
             </a:fld>
           </a:p>
@@ -4368,7 +4221,7 @@
         <p:spPr>
           <a:xfrm>
             <a:off x="388080" y="457920"/>
-            <a:ext cx="8367840" cy="685800"/>
+            <a:ext cx="8367480" cy="685440"/>
           </a:xfrm>
           <a:prstGeom prst="rect">
             <a:avLst/>
@@ -4383,10 +4236,10 @@
             <a:noAutofit/>
           </a:bodyPr>
           <a:p>
-            <a:endParaRPr b="0" lang="en-US" sz="1400" spc="-1" strike="noStrike">
-              <a:solidFill>
-                <a:srgbClr val="000000"/>
-              </a:solidFill>
+            <a:pPr algn="ctr">
+              <a:buNone/>
+            </a:pPr>
+            <a:endParaRPr b="0" lang="en-US" sz="4400" spc="-1" strike="noStrike">
               <a:latin typeface="Arial"/>
             </a:endParaRPr>
           </a:p>
@@ -4405,7 +4258,7 @@
         <p:spPr>
           <a:xfrm>
             <a:off x="388080" y="1489680"/>
-            <a:ext cx="8367840" cy="1468440"/>
+            <a:ext cx="8367480" cy="1468080"/>
           </a:xfrm>
           <a:prstGeom prst="rect">
             <a:avLst/>
@@ -4420,10 +4273,7 @@
             <a:normAutofit/>
           </a:bodyPr>
           <a:p>
-            <a:endParaRPr b="0" lang="en-US" sz="1400" spc="-1" strike="noStrike">
-              <a:solidFill>
-                <a:srgbClr val="000000"/>
-              </a:solidFill>
+            <a:endParaRPr b="0" lang="en-US" sz="3200" spc="-1" strike="noStrike">
               <a:latin typeface="Arial"/>
             </a:endParaRPr>
           </a:p>
@@ -4441,8 +4291,8 @@
         </p:nvSpPr>
         <p:spPr>
           <a:xfrm>
-            <a:off x="388080" y="3098160"/>
-            <a:ext cx="8367840" cy="1468440"/>
+            <a:off x="388080" y="3097800"/>
+            <a:ext cx="8367480" cy="1468080"/>
           </a:xfrm>
           <a:prstGeom prst="rect">
             <a:avLst/>
@@ -4457,10 +4307,7 @@
             <a:normAutofit/>
           </a:bodyPr>
           <a:p>
-            <a:endParaRPr b="0" lang="en-US" sz="1400" spc="-1" strike="noStrike">
-              <a:solidFill>
-                <a:srgbClr val="000000"/>
-              </a:solidFill>
+            <a:endParaRPr b="0" lang="en-US" sz="3200" spc="-1" strike="noStrike">
               <a:latin typeface="Arial"/>
             </a:endParaRPr>
           </a:p>
@@ -4480,7 +4327,7 @@
         <p:txBody>
           <a:bodyPr/>
           <a:p>
-            <a:fld id="{0053D5CF-CD4A-482C-9FD7-43C30097AA84}" type="slidenum">
+            <a:fld id="{8AF64293-957D-450C-88C5-15172A11E242}" type="slidenum">
               <a:t>&lt;#&gt;</a:t>
             </a:fld>
           </a:p>
@@ -4521,7 +4368,7 @@
         <p:spPr>
           <a:xfrm>
             <a:off x="388080" y="457920"/>
-            <a:ext cx="8367840" cy="685800"/>
+            <a:ext cx="8367480" cy="685440"/>
           </a:xfrm>
           <a:prstGeom prst="rect">
             <a:avLst/>
@@ -4536,10 +4383,10 @@
             <a:noAutofit/>
           </a:bodyPr>
           <a:p>
-            <a:endParaRPr b="0" lang="en-US" sz="1400" spc="-1" strike="noStrike">
-              <a:solidFill>
-                <a:srgbClr val="000000"/>
-              </a:solidFill>
+            <a:pPr algn="ctr">
+              <a:buNone/>
+            </a:pPr>
+            <a:endParaRPr b="0" lang="en-US" sz="4400" spc="-1" strike="noStrike">
               <a:latin typeface="Arial"/>
             </a:endParaRPr>
           </a:p>
@@ -4558,7 +4405,7 @@
         <p:spPr>
           <a:xfrm>
             <a:off x="388080" y="1489680"/>
-            <a:ext cx="4083480" cy="1468440"/>
+            <a:ext cx="4083120" cy="1468080"/>
           </a:xfrm>
           <a:prstGeom prst="rect">
             <a:avLst/>
@@ -4573,10 +4420,7 @@
             <a:normAutofit/>
           </a:bodyPr>
           <a:p>
-            <a:endParaRPr b="0" lang="en-US" sz="1400" spc="-1" strike="noStrike">
-              <a:solidFill>
-                <a:srgbClr val="000000"/>
-              </a:solidFill>
+            <a:endParaRPr b="0" lang="en-US" sz="3200" spc="-1" strike="noStrike">
               <a:latin typeface="Arial"/>
             </a:endParaRPr>
           </a:p>
@@ -4594,8 +4438,8 @@
         </p:nvSpPr>
         <p:spPr>
           <a:xfrm>
-            <a:off x="4676040" y="1489680"/>
-            <a:ext cx="4083480" cy="1468440"/>
+            <a:off x="4675680" y="1489680"/>
+            <a:ext cx="4083120" cy="1468080"/>
           </a:xfrm>
           <a:prstGeom prst="rect">
             <a:avLst/>
@@ -4610,10 +4454,7 @@
             <a:normAutofit/>
           </a:bodyPr>
           <a:p>
-            <a:endParaRPr b="0" lang="en-US" sz="1400" spc="-1" strike="noStrike">
-              <a:solidFill>
-                <a:srgbClr val="000000"/>
-              </a:solidFill>
+            <a:endParaRPr b="0" lang="en-US" sz="3200" spc="-1" strike="noStrike">
               <a:latin typeface="Arial"/>
             </a:endParaRPr>
           </a:p>
@@ -4631,8 +4472,8 @@
         </p:nvSpPr>
         <p:spPr>
           <a:xfrm>
-            <a:off x="388080" y="3098160"/>
-            <a:ext cx="4083480" cy="1468440"/>
+            <a:off x="388080" y="3097800"/>
+            <a:ext cx="4083120" cy="1468080"/>
           </a:xfrm>
           <a:prstGeom prst="rect">
             <a:avLst/>
@@ -4647,10 +4488,7 @@
             <a:normAutofit/>
           </a:bodyPr>
           <a:p>
-            <a:endParaRPr b="0" lang="en-US" sz="1400" spc="-1" strike="noStrike">
-              <a:solidFill>
-                <a:srgbClr val="000000"/>
-              </a:solidFill>
+            <a:endParaRPr b="0" lang="en-US" sz="3200" spc="-1" strike="noStrike">
               <a:latin typeface="Arial"/>
             </a:endParaRPr>
           </a:p>
@@ -4668,8 +4506,8 @@
         </p:nvSpPr>
         <p:spPr>
           <a:xfrm>
-            <a:off x="4676040" y="3098160"/>
-            <a:ext cx="4083480" cy="1468440"/>
+            <a:off x="4675680" y="3097800"/>
+            <a:ext cx="4083120" cy="1468080"/>
           </a:xfrm>
           <a:prstGeom prst="rect">
             <a:avLst/>
@@ -4684,10 +4522,7 @@
             <a:normAutofit/>
           </a:bodyPr>
           <a:p>
-            <a:endParaRPr b="0" lang="en-US" sz="1400" spc="-1" strike="noStrike">
-              <a:solidFill>
-                <a:srgbClr val="000000"/>
-              </a:solidFill>
+            <a:endParaRPr b="0" lang="en-US" sz="3200" spc="-1" strike="noStrike">
               <a:latin typeface="Arial"/>
             </a:endParaRPr>
           </a:p>
@@ -4707,7 +4542,7 @@
         <p:txBody>
           <a:bodyPr/>
           <a:p>
-            <a:fld id="{A9AC7581-8A6F-4A30-9198-E27C99623956}" type="slidenum">
+            <a:fld id="{530A6638-5E73-4204-B169-96B95FA4CA51}" type="slidenum">
               <a:t>&lt;#&gt;</a:t>
             </a:fld>
           </a:p>
@@ -4748,7 +4583,7 @@
         <p:spPr>
           <a:xfrm>
             <a:off x="388080" y="457920"/>
-            <a:ext cx="8367840" cy="685800"/>
+            <a:ext cx="8367480" cy="685440"/>
           </a:xfrm>
           <a:prstGeom prst="rect">
             <a:avLst/>
@@ -4763,10 +4598,10 @@
             <a:noAutofit/>
           </a:bodyPr>
           <a:p>
-            <a:endParaRPr b="0" lang="en-US" sz="1400" spc="-1" strike="noStrike">
-              <a:solidFill>
-                <a:srgbClr val="000000"/>
-              </a:solidFill>
+            <a:pPr algn="ctr">
+              <a:buNone/>
+            </a:pPr>
+            <a:endParaRPr b="0" lang="en-US" sz="4400" spc="-1" strike="noStrike">
               <a:latin typeface="Arial"/>
             </a:endParaRPr>
           </a:p>
@@ -4785,7 +4620,7 @@
         <p:spPr>
           <a:xfrm>
             <a:off x="388080" y="1489680"/>
-            <a:ext cx="2694240" cy="1468440"/>
+            <a:ext cx="2694240" cy="1468080"/>
           </a:xfrm>
           <a:prstGeom prst="rect">
             <a:avLst/>
@@ -4800,10 +4635,7 @@
             <a:normAutofit/>
           </a:bodyPr>
           <a:p>
-            <a:endParaRPr b="0" lang="en-US" sz="1400" spc="-1" strike="noStrike">
-              <a:solidFill>
-                <a:srgbClr val="000000"/>
-              </a:solidFill>
+            <a:endParaRPr b="0" lang="en-US" sz="3200" spc="-1" strike="noStrike">
               <a:latin typeface="Arial"/>
             </a:endParaRPr>
           </a:p>
@@ -4822,7 +4654,7 @@
         <p:spPr>
           <a:xfrm>
             <a:off x="3217320" y="1489680"/>
-            <a:ext cx="2694240" cy="1468440"/>
+            <a:ext cx="2694240" cy="1468080"/>
           </a:xfrm>
           <a:prstGeom prst="rect">
             <a:avLst/>
@@ -4837,10 +4669,7 @@
             <a:normAutofit/>
           </a:bodyPr>
           <a:p>
-            <a:endParaRPr b="0" lang="en-US" sz="1400" spc="-1" strike="noStrike">
-              <a:solidFill>
-                <a:srgbClr val="000000"/>
-              </a:solidFill>
+            <a:endParaRPr b="0" lang="en-US" sz="3200" spc="-1" strike="noStrike">
               <a:latin typeface="Arial"/>
             </a:endParaRPr>
           </a:p>
@@ -4859,7 +4688,7 @@
         <p:spPr>
           <a:xfrm>
             <a:off x="6046920" y="1489680"/>
-            <a:ext cx="2694240" cy="1468440"/>
+            <a:ext cx="2694240" cy="1468080"/>
           </a:xfrm>
           <a:prstGeom prst="rect">
             <a:avLst/>
@@ -4874,10 +4703,7 @@
             <a:normAutofit/>
           </a:bodyPr>
           <a:p>
-            <a:endParaRPr b="0" lang="en-US" sz="1400" spc="-1" strike="noStrike">
-              <a:solidFill>
-                <a:srgbClr val="000000"/>
-              </a:solidFill>
+            <a:endParaRPr b="0" lang="en-US" sz="3200" spc="-1" strike="noStrike">
               <a:latin typeface="Arial"/>
             </a:endParaRPr>
           </a:p>
@@ -4895,8 +4721,8 @@
         </p:nvSpPr>
         <p:spPr>
           <a:xfrm>
-            <a:off x="388080" y="3098160"/>
-            <a:ext cx="2694240" cy="1468440"/>
+            <a:off x="388080" y="3097800"/>
+            <a:ext cx="2694240" cy="1468080"/>
           </a:xfrm>
           <a:prstGeom prst="rect">
             <a:avLst/>
@@ -4911,10 +4737,7 @@
             <a:normAutofit/>
           </a:bodyPr>
           <a:p>
-            <a:endParaRPr b="0" lang="en-US" sz="1400" spc="-1" strike="noStrike">
-              <a:solidFill>
-                <a:srgbClr val="000000"/>
-              </a:solidFill>
+            <a:endParaRPr b="0" lang="en-US" sz="3200" spc="-1" strike="noStrike">
               <a:latin typeface="Arial"/>
             </a:endParaRPr>
           </a:p>
@@ -4932,8 +4755,8 @@
         </p:nvSpPr>
         <p:spPr>
           <a:xfrm>
-            <a:off x="3217320" y="3098160"/>
-            <a:ext cx="2694240" cy="1468440"/>
+            <a:off x="3217320" y="3097800"/>
+            <a:ext cx="2694240" cy="1468080"/>
           </a:xfrm>
           <a:prstGeom prst="rect">
             <a:avLst/>
@@ -4948,10 +4771,7 @@
             <a:normAutofit/>
           </a:bodyPr>
           <a:p>
-            <a:endParaRPr b="0" lang="en-US" sz="1400" spc="-1" strike="noStrike">
-              <a:solidFill>
-                <a:srgbClr val="000000"/>
-              </a:solidFill>
+            <a:endParaRPr b="0" lang="en-US" sz="3200" spc="-1" strike="noStrike">
               <a:latin typeface="Arial"/>
             </a:endParaRPr>
           </a:p>
@@ -4969,8 +4789,8 @@
         </p:nvSpPr>
         <p:spPr>
           <a:xfrm>
-            <a:off x="6046920" y="3098160"/>
-            <a:ext cx="2694240" cy="1468440"/>
+            <a:off x="6046920" y="3097800"/>
+            <a:ext cx="2694240" cy="1468080"/>
           </a:xfrm>
           <a:prstGeom prst="rect">
             <a:avLst/>
@@ -4985,10 +4805,7 @@
             <a:normAutofit/>
           </a:bodyPr>
           <a:p>
-            <a:endParaRPr b="0" lang="en-US" sz="1400" spc="-1" strike="noStrike">
-              <a:solidFill>
-                <a:srgbClr val="000000"/>
-              </a:solidFill>
+            <a:endParaRPr b="0" lang="en-US" sz="3200" spc="-1" strike="noStrike">
               <a:latin typeface="Arial"/>
             </a:endParaRPr>
           </a:p>
@@ -5008,7 +4825,7 @@
         <p:txBody>
           <a:bodyPr/>
           <a:p>
-            <a:fld id="{985E6B12-A79D-4EC9-991D-FF2E0BE82EE2}" type="slidenum">
+            <a:fld id="{4A373B28-CB57-4657-976A-2ED80AA1C162}" type="slidenum">
               <a:t>&lt;#&gt;</a:t>
             </a:fld>
           </a:p>
@@ -5049,7 +4866,7 @@
         <p:spPr>
           <a:xfrm>
             <a:off x="388080" y="457920"/>
-            <a:ext cx="8367840" cy="685800"/>
+            <a:ext cx="8367480" cy="685440"/>
           </a:xfrm>
           <a:prstGeom prst="rect">
             <a:avLst/>
@@ -5064,10 +4881,10 @@
             <a:noAutofit/>
           </a:bodyPr>
           <a:p>
-            <a:endParaRPr b="0" lang="en-US" sz="1400" spc="-1" strike="noStrike">
-              <a:solidFill>
-                <a:srgbClr val="000000"/>
-              </a:solidFill>
+            <a:pPr algn="ctr">
+              <a:buNone/>
+            </a:pPr>
+            <a:endParaRPr b="0" lang="en-US" sz="4400" spc="-1" strike="noStrike">
               <a:latin typeface="Arial"/>
             </a:endParaRPr>
           </a:p>
@@ -5086,7 +4903,7 @@
         <p:spPr>
           <a:xfrm>
             <a:off x="388080" y="1489680"/>
-            <a:ext cx="4083480" cy="3078720"/>
+            <a:ext cx="4083120" cy="3078360"/>
           </a:xfrm>
           <a:prstGeom prst="rect">
             <a:avLst/>
@@ -5101,10 +4918,7 @@
             <a:normAutofit/>
           </a:bodyPr>
           <a:p>
-            <a:endParaRPr b="0" lang="en-US" sz="1400" spc="-1" strike="noStrike">
-              <a:solidFill>
-                <a:srgbClr val="000000"/>
-              </a:solidFill>
+            <a:endParaRPr b="0" lang="en-US" sz="3200" spc="-1" strike="noStrike">
               <a:latin typeface="Arial"/>
             </a:endParaRPr>
           </a:p>
@@ -5122,8 +4936,8 @@
         </p:nvSpPr>
         <p:spPr>
           <a:xfrm>
-            <a:off x="4676040" y="1489680"/>
-            <a:ext cx="4083480" cy="3078720"/>
+            <a:off x="4675680" y="1489680"/>
+            <a:ext cx="4083120" cy="3078360"/>
           </a:xfrm>
           <a:prstGeom prst="rect">
             <a:avLst/>
@@ -5138,10 +4952,7 @@
             <a:normAutofit/>
           </a:bodyPr>
           <a:p>
-            <a:endParaRPr b="0" lang="en-US" sz="1400" spc="-1" strike="noStrike">
-              <a:solidFill>
-                <a:srgbClr val="000000"/>
-              </a:solidFill>
+            <a:endParaRPr b="0" lang="en-US" sz="3200" spc="-1" strike="noStrike">
               <a:latin typeface="Arial"/>
             </a:endParaRPr>
           </a:p>
@@ -5181,7 +4992,7 @@
         <p:txBody>
           <a:bodyPr/>
           <a:p>
-            <a:fld id="{EBC049A6-E2DD-4B91-B3A6-391CC7C92F29}" type="slidenum">
+            <a:fld id="{6D354628-1BC1-4AD2-8264-B319301F8DF8}" type="slidenum">
               <a:t>&lt;#&gt;</a:t>
             </a:fld>
           </a:p>
@@ -5222,7 +5033,7 @@
         <p:spPr>
           <a:xfrm>
             <a:off x="388080" y="457920"/>
-            <a:ext cx="8367840" cy="685800"/>
+            <a:ext cx="8367480" cy="685440"/>
           </a:xfrm>
           <a:prstGeom prst="rect">
             <a:avLst/>
@@ -5237,10 +5048,10 @@
             <a:noAutofit/>
           </a:bodyPr>
           <a:p>
-            <a:endParaRPr b="0" lang="en-US" sz="1400" spc="-1" strike="noStrike">
-              <a:solidFill>
-                <a:srgbClr val="000000"/>
-              </a:solidFill>
+            <a:pPr algn="ctr">
+              <a:buNone/>
+            </a:pPr>
+            <a:endParaRPr b="0" lang="en-US" sz="4400" spc="-1" strike="noStrike">
               <a:latin typeface="Arial"/>
             </a:endParaRPr>
           </a:p>
@@ -5280,7 +5091,7 @@
         <p:txBody>
           <a:bodyPr/>
           <a:p>
-            <a:fld id="{92CB3558-CBA7-4DB1-AF81-2C73C6ABC058}" type="slidenum">
+            <a:fld id="{DE337BB1-BD39-4357-BA6B-BD6A7BD07819}" type="slidenum">
               <a:t>&lt;#&gt;</a:t>
             </a:fld>
           </a:p>
@@ -5321,7 +5132,7 @@
         <p:spPr>
           <a:xfrm>
             <a:off x="388080" y="457920"/>
-            <a:ext cx="8367840" cy="3180240"/>
+            <a:ext cx="8367480" cy="3178440"/>
           </a:xfrm>
           <a:prstGeom prst="rect">
             <a:avLst/>
@@ -5379,7 +5190,7 @@
         <p:txBody>
           <a:bodyPr/>
           <a:p>
-            <a:fld id="{6B8C0103-6A8F-4A95-BE0A-881B6FD37429}" type="slidenum">
+            <a:fld id="{AB89A8C6-B41E-4A8B-BAAA-E60B624B40DC}" type="slidenum">
               <a:t>&lt;#&gt;</a:t>
             </a:fld>
           </a:p>
@@ -5420,7 +5231,7 @@
         <p:spPr>
           <a:xfrm>
             <a:off x="388080" y="457920"/>
-            <a:ext cx="8367840" cy="685800"/>
+            <a:ext cx="8367480" cy="685440"/>
           </a:xfrm>
           <a:prstGeom prst="rect">
             <a:avLst/>
@@ -5435,10 +5246,10 @@
             <a:noAutofit/>
           </a:bodyPr>
           <a:p>
-            <a:endParaRPr b="0" lang="en-US" sz="1400" spc="-1" strike="noStrike">
-              <a:solidFill>
-                <a:srgbClr val="000000"/>
-              </a:solidFill>
+            <a:pPr algn="ctr">
+              <a:buNone/>
+            </a:pPr>
+            <a:endParaRPr b="0" lang="en-US" sz="4400" spc="-1" strike="noStrike">
               <a:latin typeface="Arial"/>
             </a:endParaRPr>
           </a:p>
@@ -5457,7 +5268,7 @@
         <p:spPr>
           <a:xfrm>
             <a:off x="388080" y="1489680"/>
-            <a:ext cx="4083480" cy="1468440"/>
+            <a:ext cx="4083120" cy="1468080"/>
           </a:xfrm>
           <a:prstGeom prst="rect">
             <a:avLst/>
@@ -5472,10 +5283,7 @@
             <a:normAutofit/>
           </a:bodyPr>
           <a:p>
-            <a:endParaRPr b="0" lang="en-US" sz="1400" spc="-1" strike="noStrike">
-              <a:solidFill>
-                <a:srgbClr val="000000"/>
-              </a:solidFill>
+            <a:endParaRPr b="0" lang="en-US" sz="3200" spc="-1" strike="noStrike">
               <a:latin typeface="Arial"/>
             </a:endParaRPr>
           </a:p>
@@ -5493,8 +5301,8 @@
         </p:nvSpPr>
         <p:spPr>
           <a:xfrm>
-            <a:off x="4676040" y="1489680"/>
-            <a:ext cx="4083480" cy="3078720"/>
+            <a:off x="4675680" y="1489680"/>
+            <a:ext cx="4083120" cy="3078360"/>
           </a:xfrm>
           <a:prstGeom prst="rect">
             <a:avLst/>
@@ -5509,10 +5317,7 @@
             <a:normAutofit/>
           </a:bodyPr>
           <a:p>
-            <a:endParaRPr b="0" lang="en-US" sz="1400" spc="-1" strike="noStrike">
-              <a:solidFill>
-                <a:srgbClr val="000000"/>
-              </a:solidFill>
+            <a:endParaRPr b="0" lang="en-US" sz="3200" spc="-1" strike="noStrike">
               <a:latin typeface="Arial"/>
             </a:endParaRPr>
           </a:p>
@@ -5530,8 +5335,8 @@
         </p:nvSpPr>
         <p:spPr>
           <a:xfrm>
-            <a:off x="388080" y="3098160"/>
-            <a:ext cx="4083480" cy="1468440"/>
+            <a:off x="388080" y="3097800"/>
+            <a:ext cx="4083120" cy="1468080"/>
           </a:xfrm>
           <a:prstGeom prst="rect">
             <a:avLst/>
@@ -5546,10 +5351,7 @@
             <a:normAutofit/>
           </a:bodyPr>
           <a:p>
-            <a:endParaRPr b="0" lang="en-US" sz="1400" spc="-1" strike="noStrike">
-              <a:solidFill>
-                <a:srgbClr val="000000"/>
-              </a:solidFill>
+            <a:endParaRPr b="0" lang="en-US" sz="3200" spc="-1" strike="noStrike">
               <a:latin typeface="Arial"/>
             </a:endParaRPr>
           </a:p>
@@ -5589,7 +5391,7 @@
         <p:txBody>
           <a:bodyPr/>
           <a:p>
-            <a:fld id="{CECC2A81-2503-4AA6-A4D3-1961A3EE033C}" type="slidenum">
+            <a:fld id="{0B4F411B-3038-4E4F-9FD2-932099DADA6C}" type="slidenum">
               <a:t>&lt;#&gt;</a:t>
             </a:fld>
           </a:p>
@@ -5630,7 +5432,7 @@
         <p:spPr>
           <a:xfrm>
             <a:off x="388080" y="457920"/>
-            <a:ext cx="8367840" cy="685800"/>
+            <a:ext cx="8367480" cy="685440"/>
           </a:xfrm>
           <a:prstGeom prst="rect">
             <a:avLst/>
@@ -5645,10 +5447,10 @@
             <a:noAutofit/>
           </a:bodyPr>
           <a:p>
-            <a:endParaRPr b="0" lang="en-US" sz="1400" spc="-1" strike="noStrike">
-              <a:solidFill>
-                <a:srgbClr val="000000"/>
-              </a:solidFill>
+            <a:pPr algn="ctr">
+              <a:buNone/>
+            </a:pPr>
+            <a:endParaRPr b="0" lang="en-US" sz="4400" spc="-1" strike="noStrike">
               <a:latin typeface="Arial"/>
             </a:endParaRPr>
           </a:p>
@@ -5667,7 +5469,7 @@
         <p:spPr>
           <a:xfrm>
             <a:off x="388080" y="1489680"/>
-            <a:ext cx="4083480" cy="3078720"/>
+            <a:ext cx="4083120" cy="3078360"/>
           </a:xfrm>
           <a:prstGeom prst="rect">
             <a:avLst/>
@@ -5682,10 +5484,7 @@
             <a:normAutofit/>
           </a:bodyPr>
           <a:p>
-            <a:endParaRPr b="0" lang="en-US" sz="1400" spc="-1" strike="noStrike">
-              <a:solidFill>
-                <a:srgbClr val="000000"/>
-              </a:solidFill>
+            <a:endParaRPr b="0" lang="en-US" sz="3200" spc="-1" strike="noStrike">
               <a:latin typeface="Arial"/>
             </a:endParaRPr>
           </a:p>
@@ -5703,8 +5502,8 @@
         </p:nvSpPr>
         <p:spPr>
           <a:xfrm>
-            <a:off x="4676040" y="1489680"/>
-            <a:ext cx="4083480" cy="1468440"/>
+            <a:off x="4675680" y="1489680"/>
+            <a:ext cx="4083120" cy="1468080"/>
           </a:xfrm>
           <a:prstGeom prst="rect">
             <a:avLst/>
@@ -5719,10 +5518,7 @@
             <a:normAutofit/>
           </a:bodyPr>
           <a:p>
-            <a:endParaRPr b="0" lang="en-US" sz="1400" spc="-1" strike="noStrike">
-              <a:solidFill>
-                <a:srgbClr val="000000"/>
-              </a:solidFill>
+            <a:endParaRPr b="0" lang="en-US" sz="3200" spc="-1" strike="noStrike">
               <a:latin typeface="Arial"/>
             </a:endParaRPr>
           </a:p>
@@ -5740,8 +5536,8 @@
         </p:nvSpPr>
         <p:spPr>
           <a:xfrm>
-            <a:off x="4676040" y="3098160"/>
-            <a:ext cx="4083480" cy="1468440"/>
+            <a:off x="4675680" y="3097800"/>
+            <a:ext cx="4083120" cy="1468080"/>
           </a:xfrm>
           <a:prstGeom prst="rect">
             <a:avLst/>
@@ -5756,10 +5552,7 @@
             <a:normAutofit/>
           </a:bodyPr>
           <a:p>
-            <a:endParaRPr b="0" lang="en-US" sz="1400" spc="-1" strike="noStrike">
-              <a:solidFill>
-                <a:srgbClr val="000000"/>
-              </a:solidFill>
+            <a:endParaRPr b="0" lang="en-US" sz="3200" spc="-1" strike="noStrike">
               <a:latin typeface="Arial"/>
             </a:endParaRPr>
           </a:p>
@@ -5799,7 +5592,7 @@
         <p:txBody>
           <a:bodyPr/>
           <a:p>
-            <a:fld id="{9CAF535A-1731-4C20-A031-9872BEDA717D}" type="slidenum">
+            <a:fld id="{D9DB9638-1B2E-47CA-9479-1B349542B7CF}" type="slidenum">
               <a:t>&lt;#&gt;</a:t>
             </a:fld>
           </a:p>
@@ -5840,7 +5633,7 @@
         <p:spPr>
           <a:xfrm>
             <a:off x="388080" y="457920"/>
-            <a:ext cx="8367840" cy="685800"/>
+            <a:ext cx="8367480" cy="685440"/>
           </a:xfrm>
           <a:prstGeom prst="rect">
             <a:avLst/>
@@ -5855,10 +5648,10 @@
             <a:noAutofit/>
           </a:bodyPr>
           <a:p>
-            <a:endParaRPr b="0" lang="en-US" sz="1400" spc="-1" strike="noStrike">
-              <a:solidFill>
-                <a:srgbClr val="000000"/>
-              </a:solidFill>
+            <a:pPr algn="ctr">
+              <a:buNone/>
+            </a:pPr>
+            <a:endParaRPr b="0" lang="en-US" sz="4400" spc="-1" strike="noStrike">
               <a:latin typeface="Arial"/>
             </a:endParaRPr>
           </a:p>
@@ -5877,7 +5670,7 @@
         <p:spPr>
           <a:xfrm>
             <a:off x="388080" y="1489680"/>
-            <a:ext cx="4083480" cy="1468440"/>
+            <a:ext cx="4083120" cy="1468080"/>
           </a:xfrm>
           <a:prstGeom prst="rect">
             <a:avLst/>
@@ -5892,10 +5685,7 @@
             <a:normAutofit/>
           </a:bodyPr>
           <a:p>
-            <a:endParaRPr b="0" lang="en-US" sz="1400" spc="-1" strike="noStrike">
-              <a:solidFill>
-                <a:srgbClr val="000000"/>
-              </a:solidFill>
+            <a:endParaRPr b="0" lang="en-US" sz="3200" spc="-1" strike="noStrike">
               <a:latin typeface="Arial"/>
             </a:endParaRPr>
           </a:p>
@@ -5913,8 +5703,8 @@
         </p:nvSpPr>
         <p:spPr>
           <a:xfrm>
-            <a:off x="4676040" y="1489680"/>
-            <a:ext cx="4083480" cy="1468440"/>
+            <a:off x="4675680" y="1489680"/>
+            <a:ext cx="4083120" cy="1468080"/>
           </a:xfrm>
           <a:prstGeom prst="rect">
             <a:avLst/>
@@ -5929,10 +5719,7 @@
             <a:normAutofit/>
           </a:bodyPr>
           <a:p>
-            <a:endParaRPr b="0" lang="en-US" sz="1400" spc="-1" strike="noStrike">
-              <a:solidFill>
-                <a:srgbClr val="000000"/>
-              </a:solidFill>
+            <a:endParaRPr b="0" lang="en-US" sz="3200" spc="-1" strike="noStrike">
               <a:latin typeface="Arial"/>
             </a:endParaRPr>
           </a:p>
@@ -5950,8 +5737,8 @@
         </p:nvSpPr>
         <p:spPr>
           <a:xfrm>
-            <a:off x="388080" y="3098160"/>
-            <a:ext cx="8367840" cy="1468440"/>
+            <a:off x="388080" y="3097800"/>
+            <a:ext cx="8367480" cy="1468080"/>
           </a:xfrm>
           <a:prstGeom prst="rect">
             <a:avLst/>
@@ -5966,10 +5753,7 @@
             <a:normAutofit/>
           </a:bodyPr>
           <a:p>
-            <a:endParaRPr b="0" lang="en-US" sz="1400" spc="-1" strike="noStrike">
-              <a:solidFill>
-                <a:srgbClr val="000000"/>
-              </a:solidFill>
+            <a:endParaRPr b="0" lang="en-US" sz="3200" spc="-1" strike="noStrike">
               <a:latin typeface="Arial"/>
             </a:endParaRPr>
           </a:p>
@@ -6009,7 +5793,7 @@
         <p:txBody>
           <a:bodyPr/>
           <a:p>
-            <a:fld id="{5E0E14F3-A646-4E58-A35E-279A851C8605}" type="slidenum">
+            <a:fld id="{62DB0AE7-2461-42D4-AAE9-ACDEB4C22398}" type="slidenum">
               <a:t>&lt;#&gt;</a:t>
             </a:fld>
           </a:p>
@@ -6053,7 +5837,7 @@
         <p:spPr>
           <a:xfrm>
             <a:off x="0" y="-5040"/>
-            <a:ext cx="9143640" cy="1008000"/>
+            <a:ext cx="9143280" cy="1007640"/>
           </a:xfrm>
           <a:prstGeom prst="rect">
             <a:avLst/>
@@ -6081,7 +5865,7 @@
         <p:spPr>
           <a:xfrm>
             <a:off x="1647360" y="153000"/>
-            <a:ext cx="6282720" cy="616680"/>
+            <a:ext cx="6282360" cy="616680"/>
           </a:xfrm>
           <a:prstGeom prst="rect">
             <a:avLst/>
@@ -6141,7 +5925,7 @@
         <p:spPr>
           <a:xfrm>
             <a:off x="628560" y="14760"/>
-            <a:ext cx="927360" cy="968760"/>
+            <a:ext cx="927000" cy="968400"/>
           </a:xfrm>
           <a:prstGeom prst="rect">
             <a:avLst/>
@@ -6163,8 +5947,8 @@
         </p:nvSpPr>
         <p:spPr>
           <a:xfrm>
-            <a:off x="1143000" y="1054440"/>
-            <a:ext cx="6857640" cy="1577880"/>
+            <a:off x="388080" y="457920"/>
+            <a:ext cx="8367480" cy="685440"/>
           </a:xfrm>
           <a:prstGeom prst="rect">
             <a:avLst/>
@@ -6175,23 +5959,17 @@
           </a:ln>
         </p:spPr>
         <p:txBody>
-          <a:bodyPr lIns="68400" rIns="68400" tIns="34200" bIns="34200" anchor="b">
-            <a:normAutofit/>
+          <a:bodyPr lIns="0" rIns="0" tIns="0" bIns="0" anchor="ctr">
+            <a:noAutofit/>
           </a:bodyPr>
           <a:p>
             <a:r>
-              <a:rPr b="0" lang="en-US" sz="3000" spc="-1" strike="noStrike">
-                <a:solidFill>
-                  <a:srgbClr val="000000"/>
-                </a:solidFill>
+              <a:rPr b="0" lang="en-US" sz="1800" spc="-1" strike="noStrike">
                 <a:latin typeface="Arial"/>
               </a:rPr>
               <a:t>Click to edit the title text format</a:t>
             </a:r>
-            <a:endParaRPr b="0" lang="en-US" sz="3000" spc="-1" strike="noStrike">
-              <a:solidFill>
-                <a:srgbClr val="000000"/>
-              </a:solidFill>
+            <a:endParaRPr b="0" lang="en-US" sz="1800" spc="-1" strike="noStrike">
               <a:latin typeface="Arial"/>
             </a:endParaRPr>
           </a:p>
@@ -6210,7 +5988,7 @@
         <p:spPr>
           <a:xfrm>
             <a:off x="762120" y="4767120"/>
-            <a:ext cx="4019400" cy="273600"/>
+            <a:ext cx="4019040" cy="273240"/>
           </a:xfrm>
           <a:prstGeom prst="rect">
             <a:avLst/>
@@ -6228,6 +6006,9 @@
           </a:bodyPr>
           <a:lstStyle>
             <a:lvl1pPr algn="ctr">
+              <a:lnSpc>
+                <a:spcPct val="100000"/>
+              </a:lnSpc>
               <a:buNone/>
               <a:defRPr b="0" lang="en-US" sz="1400" spc="-1" strike="noStrike">
                 <a:latin typeface="Times New Roman"/>
@@ -6236,6 +6017,9 @@
           </a:lstStyle>
           <a:p>
             <a:pPr algn="ctr">
+              <a:lnSpc>
+                <a:spcPct val="100000"/>
+              </a:lnSpc>
               <a:buNone/>
             </a:pPr>
             <a:r>
@@ -6263,7 +6047,7 @@
         <p:spPr>
           <a:xfrm>
             <a:off x="4781520" y="4767120"/>
-            <a:ext cx="3733560" cy="273600"/>
+            <a:ext cx="3733200" cy="273240"/>
           </a:xfrm>
           <a:prstGeom prst="rect">
             <a:avLst/>
@@ -6307,7 +6091,7 @@
                 <a:tab algn="l" pos="0"/>
               </a:tabLst>
             </a:pPr>
-            <a:r>
+            <a:fld id="{4CA62DED-94C4-45DF-BBA4-4EBD4B4A07F8}" type="slidenum">
               <a:rPr b="0" lang="en-GB" sz="1500" spc="-1" strike="noStrike">
                 <a:solidFill>
                   <a:srgbClr val="ffffff"/>
@@ -6315,8 +6099,8 @@
                 <a:latin typeface="Calibri"/>
                 <a:ea typeface="Calibri"/>
               </a:rPr>
-              <a:t>TE 101: Introduction to telecommunications</a:t>
-            </a:r>
+              <a:t>&lt;number&gt;</a:t>
+            </a:fld>
             <a:endParaRPr b="0" lang="en-US" sz="1500" spc="-1" strike="noStrike">
               <a:latin typeface="Times New Roman"/>
             </a:endParaRPr>
@@ -6363,18 +6147,12 @@
               <a:buChar char=""/>
             </a:pPr>
             <a:r>
-              <a:rPr b="0" lang="en-US" sz="1400" spc="-1" strike="noStrike">
-                <a:solidFill>
-                  <a:srgbClr val="000000"/>
-                </a:solidFill>
+              <a:rPr b="0" lang="en-US" sz="3200" spc="-1" strike="noStrike">
                 <a:latin typeface="Arial"/>
               </a:rPr>
               <a:t>Click to edit the outline text format</a:t>
             </a:r>
-            <a:endParaRPr b="0" lang="en-US" sz="1400" spc="-1" strike="noStrike">
-              <a:solidFill>
-                <a:srgbClr val="000000"/>
-              </a:solidFill>
+            <a:endParaRPr b="0" lang="en-US" sz="3200" spc="-1" strike="noStrike">
               <a:latin typeface="Arial"/>
             </a:endParaRPr>
           </a:p>
@@ -6391,18 +6169,12 @@
               <a:buChar char=""/>
             </a:pPr>
             <a:r>
-              <a:rPr b="0" lang="en-US" sz="1400" spc="-1" strike="noStrike">
-                <a:solidFill>
-                  <a:srgbClr val="000000"/>
-                </a:solidFill>
+              <a:rPr b="0" lang="en-US" sz="2800" spc="-1" strike="noStrike">
                 <a:latin typeface="Arial"/>
               </a:rPr>
               <a:t>Second Outline Level</a:t>
             </a:r>
-            <a:endParaRPr b="0" lang="en-US" sz="1400" spc="-1" strike="noStrike">
-              <a:solidFill>
-                <a:srgbClr val="000000"/>
-              </a:solidFill>
+            <a:endParaRPr b="0" lang="en-US" sz="2800" spc="-1" strike="noStrike">
               <a:latin typeface="Arial"/>
             </a:endParaRPr>
           </a:p>
@@ -6419,18 +6191,12 @@
               <a:buChar char=""/>
             </a:pPr>
             <a:r>
-              <a:rPr b="0" lang="en-US" sz="1400" spc="-1" strike="noStrike">
-                <a:solidFill>
-                  <a:srgbClr val="000000"/>
-                </a:solidFill>
+              <a:rPr b="0" lang="en-US" sz="2400" spc="-1" strike="noStrike">
                 <a:latin typeface="Arial"/>
               </a:rPr>
               <a:t>Third Outline Level</a:t>
             </a:r>
-            <a:endParaRPr b="0" lang="en-US" sz="1400" spc="-1" strike="noStrike">
-              <a:solidFill>
-                <a:srgbClr val="000000"/>
-              </a:solidFill>
+            <a:endParaRPr b="0" lang="en-US" sz="2400" spc="-1" strike="noStrike">
               <a:latin typeface="Arial"/>
             </a:endParaRPr>
           </a:p>
@@ -6447,18 +6213,12 @@
               <a:buChar char=""/>
             </a:pPr>
             <a:r>
-              <a:rPr b="0" lang="en-US" sz="1400" spc="-1" strike="noStrike">
-                <a:solidFill>
-                  <a:srgbClr val="000000"/>
-                </a:solidFill>
+              <a:rPr b="0" lang="en-US" sz="2000" spc="-1" strike="noStrike">
                 <a:latin typeface="Arial"/>
               </a:rPr>
               <a:t>Fourth Outline Level</a:t>
             </a:r>
-            <a:endParaRPr b="0" lang="en-US" sz="1400" spc="-1" strike="noStrike">
-              <a:solidFill>
-                <a:srgbClr val="000000"/>
-              </a:solidFill>
+            <a:endParaRPr b="0" lang="en-US" sz="2000" spc="-1" strike="noStrike">
               <a:latin typeface="Arial"/>
             </a:endParaRPr>
           </a:p>
@@ -6476,17 +6236,11 @@
             </a:pPr>
             <a:r>
               <a:rPr b="0" lang="en-US" sz="2000" spc="-1" strike="noStrike">
-                <a:solidFill>
-                  <a:srgbClr val="000000"/>
-                </a:solidFill>
                 <a:latin typeface="Arial"/>
               </a:rPr>
               <a:t>Fifth Outline Level</a:t>
             </a:r>
             <a:endParaRPr b="0" lang="en-US" sz="2000" spc="-1" strike="noStrike">
-              <a:solidFill>
-                <a:srgbClr val="000000"/>
-              </a:solidFill>
               <a:latin typeface="Arial"/>
             </a:endParaRPr>
           </a:p>
@@ -6504,17 +6258,11 @@
             </a:pPr>
             <a:r>
               <a:rPr b="0" lang="en-US" sz="2000" spc="-1" strike="noStrike">
-                <a:solidFill>
-                  <a:srgbClr val="000000"/>
-                </a:solidFill>
                 <a:latin typeface="Arial"/>
               </a:rPr>
               <a:t>Sixth Outline Level</a:t>
             </a:r>
             <a:endParaRPr b="0" lang="en-US" sz="2000" spc="-1" strike="noStrike">
-              <a:solidFill>
-                <a:srgbClr val="000000"/>
-              </a:solidFill>
               <a:latin typeface="Arial"/>
             </a:endParaRPr>
           </a:p>
@@ -6532,17 +6280,11 @@
             </a:pPr>
             <a:r>
               <a:rPr b="0" lang="en-US" sz="2000" spc="-1" strike="noStrike">
-                <a:solidFill>
-                  <a:srgbClr val="000000"/>
-                </a:solidFill>
                 <a:latin typeface="Arial"/>
               </a:rPr>
               <a:t>Seventh Outline Level</a:t>
             </a:r>
             <a:endParaRPr b="0" lang="en-US" sz="2000" spc="-1" strike="noStrike">
-              <a:solidFill>
-                <a:srgbClr val="000000"/>
-              </a:solidFill>
               <a:latin typeface="Arial"/>
             </a:endParaRPr>
           </a:p>
@@ -6601,7 +6343,7 @@
         <p:spPr>
           <a:xfrm>
             <a:off x="0" y="-5040"/>
-            <a:ext cx="9143640" cy="1008000"/>
+            <a:ext cx="9143280" cy="1007640"/>
           </a:xfrm>
           <a:prstGeom prst="rect">
             <a:avLst/>
@@ -6629,7 +6371,7 @@
         <p:spPr>
           <a:xfrm>
             <a:off x="1647360" y="153000"/>
-            <a:ext cx="6282720" cy="616680"/>
+            <a:ext cx="6282360" cy="616680"/>
           </a:xfrm>
           <a:prstGeom prst="rect">
             <a:avLst/>
@@ -6689,7 +6431,7 @@
         <p:spPr>
           <a:xfrm>
             <a:off x="628560" y="14760"/>
-            <a:ext cx="927360" cy="968760"/>
+            <a:ext cx="927000" cy="968400"/>
           </a:xfrm>
           <a:prstGeom prst="rect">
             <a:avLst/>
@@ -6706,284 +6448,13 @@
             <a:spLocks noGrp="1"/>
           </p:cNvSpPr>
           <p:nvPr>
-            <p:ph type="title"/>
-          </p:nvPr>
-        </p:nvSpPr>
-        <p:spPr>
-          <a:xfrm>
-            <a:off x="704880" y="1051200"/>
-            <a:ext cx="7733880" cy="520200"/>
-          </a:xfrm>
-          <a:prstGeom prst="rect">
-            <a:avLst/>
-          </a:prstGeom>
-          <a:noFill/>
-          <a:ln w="0">
-            <a:noFill/>
-          </a:ln>
-        </p:spPr>
-        <p:txBody>
-          <a:bodyPr lIns="68400" rIns="68400" tIns="34200" bIns="34200" anchor="ctr">
-            <a:normAutofit fontScale="99000"/>
-          </a:bodyPr>
-          <a:p>
-            <a:r>
-              <a:rPr b="0" lang="en-US" sz="3000" spc="-1" strike="noStrike">
-                <a:solidFill>
-                  <a:srgbClr val="000000"/>
-                </a:solidFill>
-                <a:latin typeface="Arial"/>
-              </a:rPr>
-              <a:t>Click to edit the title text format</a:t>
-            </a:r>
-            <a:endParaRPr b="0" lang="en-US" sz="3000" spc="-1" strike="noStrike">
-              <a:solidFill>
-                <a:srgbClr val="000000"/>
-              </a:solidFill>
-              <a:latin typeface="Arial"/>
-            </a:endParaRPr>
-          </a:p>
-        </p:txBody>
-      </p:sp>
-      <p:sp>
-        <p:nvSpPr>
-          <p:cNvPr id="47" name="PlaceHolder 2"/>
-          <p:cNvSpPr>
-            <a:spLocks noGrp="1"/>
-          </p:cNvSpPr>
-          <p:nvPr>
-            <p:ph type="body"/>
-          </p:nvPr>
-        </p:nvSpPr>
-        <p:spPr>
-          <a:xfrm>
-            <a:off x="704880" y="1657440"/>
-            <a:ext cx="7733880" cy="2923920"/>
-          </a:xfrm>
-          <a:prstGeom prst="rect">
-            <a:avLst/>
-          </a:prstGeom>
-          <a:noFill/>
-          <a:ln w="0">
-            <a:noFill/>
-          </a:ln>
-        </p:spPr>
-        <p:txBody>
-          <a:bodyPr lIns="68400" rIns="68400" tIns="34200" bIns="34200" anchor="t">
-            <a:normAutofit/>
-          </a:bodyPr>
-          <a:p>
-            <a:pPr marL="432000" indent="-324000">
-              <a:spcBef>
-                <a:spcPts val="1417"/>
-              </a:spcBef>
-              <a:buClr>
-                <a:srgbClr val="000000"/>
-              </a:buClr>
-              <a:buSzPct val="45000"/>
-              <a:buFont typeface="Wingdings" charset="2"/>
-              <a:buChar char=""/>
-            </a:pPr>
-            <a:r>
-              <a:rPr b="0" lang="en-US" sz="2100" spc="-1" strike="noStrike">
-                <a:solidFill>
-                  <a:srgbClr val="000000"/>
-                </a:solidFill>
-                <a:latin typeface="Arial"/>
-              </a:rPr>
-              <a:t>Click to edit the outline text format</a:t>
-            </a:r>
-            <a:endParaRPr b="0" lang="en-US" sz="2100" spc="-1" strike="noStrike">
-              <a:solidFill>
-                <a:srgbClr val="000000"/>
-              </a:solidFill>
-              <a:latin typeface="Arial"/>
-            </a:endParaRPr>
-          </a:p>
-          <a:p>
-            <a:pPr lvl="1" marL="864000" indent="-324000">
-              <a:spcBef>
-                <a:spcPts val="1134"/>
-              </a:spcBef>
-              <a:buClr>
-                <a:srgbClr val="000000"/>
-              </a:buClr>
-              <a:buSzPct val="75000"/>
-              <a:buFont typeface="Symbol" charset="2"/>
-              <a:buChar char=""/>
-            </a:pPr>
-            <a:r>
-              <a:rPr b="0" lang="en-US" sz="2100" spc="-1" strike="noStrike">
-                <a:solidFill>
-                  <a:srgbClr val="000000"/>
-                </a:solidFill>
-                <a:latin typeface="Arial"/>
-              </a:rPr>
-              <a:t>Second Outline Level</a:t>
-            </a:r>
-            <a:endParaRPr b="0" lang="en-US" sz="2100" spc="-1" strike="noStrike">
-              <a:solidFill>
-                <a:srgbClr val="000000"/>
-              </a:solidFill>
-              <a:latin typeface="Arial"/>
-            </a:endParaRPr>
-          </a:p>
-          <a:p>
-            <a:pPr lvl="2" marL="1296000" indent="-288000">
-              <a:spcBef>
-                <a:spcPts val="850"/>
-              </a:spcBef>
-              <a:buClr>
-                <a:srgbClr val="000000"/>
-              </a:buClr>
-              <a:buSzPct val="45000"/>
-              <a:buFont typeface="Wingdings" charset="2"/>
-              <a:buChar char=""/>
-            </a:pPr>
-            <a:r>
-              <a:rPr b="0" lang="en-US" sz="2100" spc="-1" strike="noStrike">
-                <a:solidFill>
-                  <a:srgbClr val="000000"/>
-                </a:solidFill>
-                <a:latin typeface="Arial"/>
-              </a:rPr>
-              <a:t>Third Outline Level</a:t>
-            </a:r>
-            <a:endParaRPr b="0" lang="en-US" sz="2100" spc="-1" strike="noStrike">
-              <a:solidFill>
-                <a:srgbClr val="000000"/>
-              </a:solidFill>
-              <a:latin typeface="Arial"/>
-            </a:endParaRPr>
-          </a:p>
-          <a:p>
-            <a:pPr lvl="3" marL="1728000" indent="-216000">
-              <a:spcBef>
-                <a:spcPts val="567"/>
-              </a:spcBef>
-              <a:buClr>
-                <a:srgbClr val="000000"/>
-              </a:buClr>
-              <a:buSzPct val="75000"/>
-              <a:buFont typeface="Symbol" charset="2"/>
-              <a:buChar char=""/>
-            </a:pPr>
-            <a:r>
-              <a:rPr b="0" lang="en-US" sz="2100" spc="-1" strike="noStrike">
-                <a:solidFill>
-                  <a:srgbClr val="000000"/>
-                </a:solidFill>
-                <a:latin typeface="Arial"/>
-              </a:rPr>
-              <a:t>Fourth Outline Level</a:t>
-            </a:r>
-            <a:endParaRPr b="0" lang="en-US" sz="2100" spc="-1" strike="noStrike">
-              <a:solidFill>
-                <a:srgbClr val="000000"/>
-              </a:solidFill>
-              <a:latin typeface="Arial"/>
-            </a:endParaRPr>
-          </a:p>
-          <a:p>
-            <a:pPr lvl="4" marL="2160000" indent="-216000">
-              <a:spcBef>
-                <a:spcPts val="283"/>
-              </a:spcBef>
-              <a:buClr>
-                <a:srgbClr val="000000"/>
-              </a:buClr>
-              <a:buSzPct val="45000"/>
-              <a:buFont typeface="Wingdings" charset="2"/>
-              <a:buChar char=""/>
-            </a:pPr>
-            <a:r>
-              <a:rPr b="0" lang="en-US" sz="2100" spc="-1" strike="noStrike">
-                <a:solidFill>
-                  <a:srgbClr val="000000"/>
-                </a:solidFill>
-                <a:latin typeface="Arial"/>
-              </a:rPr>
-              <a:t>Fifth Outline Level</a:t>
-            </a:r>
-            <a:endParaRPr b="0" lang="en-US" sz="2100" spc="-1" strike="noStrike">
-              <a:solidFill>
-                <a:srgbClr val="000000"/>
-              </a:solidFill>
-              <a:latin typeface="Arial"/>
-            </a:endParaRPr>
-          </a:p>
-          <a:p>
-            <a:pPr lvl="5" marL="2592000" indent="-216000">
-              <a:spcBef>
-                <a:spcPts val="283"/>
-              </a:spcBef>
-              <a:buClr>
-                <a:srgbClr val="000000"/>
-              </a:buClr>
-              <a:buSzPct val="45000"/>
-              <a:buFont typeface="Wingdings" charset="2"/>
-              <a:buChar char=""/>
-            </a:pPr>
-            <a:r>
-              <a:rPr b="0" lang="en-US" sz="2100" spc="-1" strike="noStrike">
-                <a:solidFill>
-                  <a:srgbClr val="000000"/>
-                </a:solidFill>
-                <a:latin typeface="Arial"/>
-              </a:rPr>
-              <a:t>Sixth Outline Level</a:t>
-            </a:r>
-            <a:endParaRPr b="0" lang="en-US" sz="2100" spc="-1" strike="noStrike">
-              <a:solidFill>
-                <a:srgbClr val="000000"/>
-              </a:solidFill>
-              <a:latin typeface="Arial"/>
-            </a:endParaRPr>
-          </a:p>
-          <a:p>
-            <a:pPr lvl="6" marL="3024000" indent="-216000">
-              <a:spcBef>
-                <a:spcPts val="283"/>
-              </a:spcBef>
-              <a:buClr>
-                <a:srgbClr val="000000"/>
-              </a:buClr>
-              <a:buSzPct val="45000"/>
-              <a:buFont typeface="Wingdings" charset="2"/>
-              <a:buChar char=""/>
-            </a:pPr>
-            <a:r>
-              <a:rPr b="0" lang="en-US" sz="2100" spc="-1" strike="noStrike">
-                <a:solidFill>
-                  <a:srgbClr val="000000"/>
-                </a:solidFill>
-                <a:latin typeface="Arial"/>
-              </a:rPr>
-              <a:t>Seventh Outline Level</a:t>
-            </a:r>
-            <a:endParaRPr b="0" lang="en-US" sz="2100" spc="-1" strike="noStrike">
-              <a:solidFill>
-                <a:srgbClr val="000000"/>
-              </a:solidFill>
-              <a:latin typeface="Arial"/>
-            </a:endParaRPr>
-          </a:p>
-        </p:txBody>
-      </p:sp>
-      <p:sp>
-        <p:nvSpPr>
-          <p:cNvPr id="48" name="PlaceHolder 3"/>
-          <p:cNvSpPr>
-            <a:spLocks noGrp="1"/>
-          </p:cNvSpPr>
-          <p:nvPr>
             <p:ph type="ftr" idx="3"/>
           </p:nvPr>
         </p:nvSpPr>
         <p:spPr>
           <a:xfrm>
             <a:off x="676440" y="4719600"/>
-            <a:ext cx="3952800" cy="273600"/>
+            <a:ext cx="3952440" cy="273240"/>
           </a:xfrm>
           <a:prstGeom prst="rect">
             <a:avLst/>
@@ -7001,6 +6472,9 @@
           </a:bodyPr>
           <a:lstStyle>
             <a:lvl1pPr algn="ctr">
+              <a:lnSpc>
+                <a:spcPct val="100000"/>
+              </a:lnSpc>
               <a:buNone/>
               <a:defRPr b="0" lang="en-US" sz="1400" spc="-1" strike="noStrike">
                 <a:latin typeface="Times New Roman"/>
@@ -7009,6 +6483,9 @@
           </a:lstStyle>
           <a:p>
             <a:pPr algn="ctr">
+              <a:lnSpc>
+                <a:spcPct val="100000"/>
+              </a:lnSpc>
               <a:buNone/>
             </a:pPr>
             <a:r>
@@ -7025,7 +6502,7 @@
       </p:sp>
       <p:sp>
         <p:nvSpPr>
-          <p:cNvPr id="49" name="PlaceHolder 4"/>
+          <p:cNvPr id="47" name="PlaceHolder 2"/>
           <p:cNvSpPr>
             <a:spLocks noGrp="1"/>
           </p:cNvSpPr>
@@ -7036,7 +6513,7 @@
         <p:spPr>
           <a:xfrm>
             <a:off x="4619520" y="4719600"/>
-            <a:ext cx="3819240" cy="273600"/>
+            <a:ext cx="3818880" cy="273240"/>
           </a:xfrm>
           <a:prstGeom prst="rect">
             <a:avLst/>
@@ -7080,7 +6557,7 @@
                 <a:tab algn="l" pos="0"/>
               </a:tabLst>
             </a:pPr>
-            <a:r>
+            <a:fld id="{B1072B87-85F0-4BED-897A-39ECE751AC22}" type="slidenum">
               <a:rPr b="0" lang="en-GB" sz="1500" spc="-1" strike="noStrike">
                 <a:solidFill>
                   <a:srgbClr val="ffffff"/>
@@ -7088,10 +6565,236 @@
                 <a:latin typeface="Calibri"/>
                 <a:ea typeface="Calibri"/>
               </a:rPr>
-              <a:t>TE 101: Introduction to Telecommunications</a:t>
-            </a:r>
+              <a:t>&lt;number&gt;</a:t>
+            </a:fld>
             <a:endParaRPr b="0" lang="en-US" sz="1500" spc="-1" strike="noStrike">
               <a:latin typeface="Times New Roman"/>
+            </a:endParaRPr>
+          </a:p>
+        </p:txBody>
+      </p:sp>
+      <p:sp>
+        <p:nvSpPr>
+          <p:cNvPr id="48" name="PlaceHolder 3"/>
+          <p:cNvSpPr>
+            <a:spLocks noGrp="1"/>
+          </p:cNvSpPr>
+          <p:nvPr>
+            <p:ph type="title"/>
+          </p:nvPr>
+        </p:nvSpPr>
+        <p:spPr>
+          <a:xfrm>
+            <a:off x="457200" y="205200"/>
+            <a:ext cx="8229240" cy="858600"/>
+          </a:xfrm>
+          <a:prstGeom prst="rect">
+            <a:avLst/>
+          </a:prstGeom>
+          <a:noFill/>
+          <a:ln w="0">
+            <a:noFill/>
+          </a:ln>
+        </p:spPr>
+        <p:txBody>
+          <a:bodyPr lIns="0" rIns="0" tIns="0" bIns="0" anchor="ctr">
+            <a:noAutofit/>
+          </a:bodyPr>
+          <a:p>
+            <a:pPr algn="ctr">
+              <a:buNone/>
+            </a:pPr>
+            <a:r>
+              <a:rPr b="0" lang="en-US" sz="4400" spc="-1" strike="noStrike">
+                <a:latin typeface="Arial"/>
+              </a:rPr>
+              <a:t>Click to edit the title text format</a:t>
+            </a:r>
+            <a:endParaRPr b="0" lang="en-US" sz="4400" spc="-1" strike="noStrike">
+              <a:latin typeface="Arial"/>
+            </a:endParaRPr>
+          </a:p>
+        </p:txBody>
+      </p:sp>
+      <p:sp>
+        <p:nvSpPr>
+          <p:cNvPr id="49" name="PlaceHolder 4"/>
+          <p:cNvSpPr>
+            <a:spLocks noGrp="1"/>
+          </p:cNvSpPr>
+          <p:nvPr>
+            <p:ph type="body"/>
+          </p:nvPr>
+        </p:nvSpPr>
+        <p:spPr>
+          <a:xfrm>
+            <a:off x="457200" y="1203480"/>
+            <a:ext cx="8229240" cy="2982960"/>
+          </a:xfrm>
+          <a:prstGeom prst="rect">
+            <a:avLst/>
+          </a:prstGeom>
+          <a:noFill/>
+          <a:ln w="0">
+            <a:noFill/>
+          </a:ln>
+        </p:spPr>
+        <p:txBody>
+          <a:bodyPr lIns="0" rIns="0" tIns="0" bIns="0" anchor="t">
+            <a:normAutofit/>
+          </a:bodyPr>
+          <a:p>
+            <a:pPr marL="432000" indent="-324000">
+              <a:spcBef>
+                <a:spcPts val="1417"/>
+              </a:spcBef>
+              <a:buClr>
+                <a:srgbClr val="000000"/>
+              </a:buClr>
+              <a:buSzPct val="45000"/>
+              <a:buFont typeface="Wingdings" charset="2"/>
+              <a:buChar char=""/>
+            </a:pPr>
+            <a:r>
+              <a:rPr b="0" lang="en-US" sz="3200" spc="-1" strike="noStrike">
+                <a:latin typeface="Arial"/>
+              </a:rPr>
+              <a:t>Click to edit the outline text format</a:t>
+            </a:r>
+            <a:endParaRPr b="0" lang="en-US" sz="3200" spc="-1" strike="noStrike">
+              <a:latin typeface="Arial"/>
+            </a:endParaRPr>
+          </a:p>
+          <a:p>
+            <a:pPr lvl="1" marL="864000" indent="-324000">
+              <a:spcBef>
+                <a:spcPts val="1134"/>
+              </a:spcBef>
+              <a:buClr>
+                <a:srgbClr val="000000"/>
+              </a:buClr>
+              <a:buSzPct val="75000"/>
+              <a:buFont typeface="Symbol" charset="2"/>
+              <a:buChar char=""/>
+            </a:pPr>
+            <a:r>
+              <a:rPr b="0" lang="en-US" sz="2800" spc="-1" strike="noStrike">
+                <a:latin typeface="Arial"/>
+              </a:rPr>
+              <a:t>Second Outline Level</a:t>
+            </a:r>
+            <a:endParaRPr b="0" lang="en-US" sz="2800" spc="-1" strike="noStrike">
+              <a:latin typeface="Arial"/>
+            </a:endParaRPr>
+          </a:p>
+          <a:p>
+            <a:pPr lvl="2" marL="1296000" indent="-288000">
+              <a:spcBef>
+                <a:spcPts val="850"/>
+              </a:spcBef>
+              <a:buClr>
+                <a:srgbClr val="000000"/>
+              </a:buClr>
+              <a:buSzPct val="45000"/>
+              <a:buFont typeface="Wingdings" charset="2"/>
+              <a:buChar char=""/>
+            </a:pPr>
+            <a:r>
+              <a:rPr b="0" lang="en-US" sz="2400" spc="-1" strike="noStrike">
+                <a:latin typeface="Arial"/>
+              </a:rPr>
+              <a:t>Third Outline Level</a:t>
+            </a:r>
+            <a:endParaRPr b="0" lang="en-US" sz="2400" spc="-1" strike="noStrike">
+              <a:latin typeface="Arial"/>
+            </a:endParaRPr>
+          </a:p>
+          <a:p>
+            <a:pPr lvl="3" marL="1728000" indent="-216000">
+              <a:spcBef>
+                <a:spcPts val="567"/>
+              </a:spcBef>
+              <a:buClr>
+                <a:srgbClr val="000000"/>
+              </a:buClr>
+              <a:buSzPct val="75000"/>
+              <a:buFont typeface="Symbol" charset="2"/>
+              <a:buChar char=""/>
+            </a:pPr>
+            <a:r>
+              <a:rPr b="0" lang="en-US" sz="2000" spc="-1" strike="noStrike">
+                <a:latin typeface="Arial"/>
+              </a:rPr>
+              <a:t>Fourth Outline Level</a:t>
+            </a:r>
+            <a:endParaRPr b="0" lang="en-US" sz="2000" spc="-1" strike="noStrike">
+              <a:latin typeface="Arial"/>
+            </a:endParaRPr>
+          </a:p>
+          <a:p>
+            <a:pPr lvl="4" marL="2160000" indent="-216000">
+              <a:spcBef>
+                <a:spcPts val="283"/>
+              </a:spcBef>
+              <a:buClr>
+                <a:srgbClr val="000000"/>
+              </a:buClr>
+              <a:buSzPct val="45000"/>
+              <a:buFont typeface="Wingdings" charset="2"/>
+              <a:buChar char=""/>
+            </a:pPr>
+            <a:r>
+              <a:rPr b="0" lang="en-US" sz="2000" spc="-1" strike="noStrike">
+                <a:latin typeface="Arial"/>
+              </a:rPr>
+              <a:t>Fifth Outline Level</a:t>
+            </a:r>
+            <a:endParaRPr b="0" lang="en-US" sz="2000" spc="-1" strike="noStrike">
+              <a:latin typeface="Arial"/>
+            </a:endParaRPr>
+          </a:p>
+          <a:p>
+            <a:pPr lvl="5" marL="2592000" indent="-216000">
+              <a:spcBef>
+                <a:spcPts val="283"/>
+              </a:spcBef>
+              <a:buClr>
+                <a:srgbClr val="000000"/>
+              </a:buClr>
+              <a:buSzPct val="45000"/>
+              <a:buFont typeface="Wingdings" charset="2"/>
+              <a:buChar char=""/>
+            </a:pPr>
+            <a:r>
+              <a:rPr b="0" lang="en-US" sz="2000" spc="-1" strike="noStrike">
+                <a:latin typeface="Arial"/>
+              </a:rPr>
+              <a:t>Sixth Outline Level</a:t>
+            </a:r>
+            <a:endParaRPr b="0" lang="en-US" sz="2000" spc="-1" strike="noStrike">
+              <a:latin typeface="Arial"/>
+            </a:endParaRPr>
+          </a:p>
+          <a:p>
+            <a:pPr lvl="6" marL="3024000" indent="-216000">
+              <a:spcBef>
+                <a:spcPts val="283"/>
+              </a:spcBef>
+              <a:buClr>
+                <a:srgbClr val="000000"/>
+              </a:buClr>
+              <a:buSzPct val="45000"/>
+              <a:buFont typeface="Wingdings" charset="2"/>
+              <a:buChar char=""/>
+            </a:pPr>
+            <a:r>
+              <a:rPr b="0" lang="en-US" sz="2000" spc="-1" strike="noStrike">
+                <a:latin typeface="Arial"/>
+              </a:rPr>
+              <a:t>Seventh Outline Level</a:t>
+            </a:r>
+            <a:endParaRPr b="0" lang="en-US" sz="2000" spc="-1" strike="noStrike">
+              <a:latin typeface="Arial"/>
             </a:endParaRPr>
           </a:p>
         </p:txBody>
@@ -7149,7 +6852,7 @@
         <p:spPr>
           <a:xfrm>
             <a:off x="0" y="-5040"/>
-            <a:ext cx="9143640" cy="1008000"/>
+            <a:ext cx="9143280" cy="1007640"/>
           </a:xfrm>
           <a:prstGeom prst="rect">
             <a:avLst/>
@@ -7177,7 +6880,7 @@
         <p:spPr>
           <a:xfrm>
             <a:off x="1647360" y="153000"/>
-            <a:ext cx="6282720" cy="616680"/>
+            <a:ext cx="6282360" cy="616680"/>
           </a:xfrm>
           <a:prstGeom prst="rect">
             <a:avLst/>
@@ -7237,7 +6940,7 @@
         <p:spPr>
           <a:xfrm>
             <a:off x="628560" y="14760"/>
-            <a:ext cx="927360" cy="968760"/>
+            <a:ext cx="927000" cy="968400"/>
           </a:xfrm>
           <a:prstGeom prst="rect">
             <a:avLst/>
@@ -7256,7 +6959,7 @@
         <p:spPr>
           <a:xfrm>
             <a:off x="492480" y="1260360"/>
-            <a:ext cx="424440" cy="360"/>
+            <a:ext cx="424080" cy="360"/>
           </a:xfrm>
           <a:custGeom>
             <a:avLst/>
@@ -7302,7 +7005,7 @@
         <p:spPr>
           <a:xfrm>
             <a:off x="388080" y="457920"/>
-            <a:ext cx="8367840" cy="685800"/>
+            <a:ext cx="8367480" cy="685440"/>
           </a:xfrm>
           <a:prstGeom prst="rect">
             <a:avLst/>
@@ -7313,23 +7016,17 @@
           </a:ln>
         </p:spPr>
         <p:txBody>
-          <a:bodyPr lIns="68400" rIns="68400" tIns="34200" bIns="34200" anchor="ctr">
-            <a:normAutofit/>
+          <a:bodyPr lIns="0" rIns="0" tIns="0" bIns="0" anchor="ctr">
+            <a:noAutofit/>
           </a:bodyPr>
           <a:p>
             <a:r>
-              <a:rPr b="0" lang="en-US" sz="3000" spc="-1" strike="noStrike">
-                <a:solidFill>
-                  <a:srgbClr val="000000"/>
-                </a:solidFill>
+              <a:rPr b="0" lang="en-US" sz="1800" spc="-1" strike="noStrike">
                 <a:latin typeface="Arial"/>
               </a:rPr>
               <a:t>Click to edit the title text format</a:t>
             </a:r>
-            <a:endParaRPr b="0" lang="en-US" sz="3000" spc="-1" strike="noStrike">
-              <a:solidFill>
-                <a:srgbClr val="000000"/>
-              </a:solidFill>
+            <a:endParaRPr b="0" lang="en-US" sz="1800" spc="-1" strike="noStrike">
               <a:latin typeface="Arial"/>
             </a:endParaRPr>
           </a:p>
@@ -7348,7 +7045,7 @@
         <p:spPr>
           <a:xfrm>
             <a:off x="388080" y="1489680"/>
-            <a:ext cx="8367840" cy="3078720"/>
+            <a:ext cx="8367480" cy="3078360"/>
           </a:xfrm>
           <a:prstGeom prst="rect">
             <a:avLst/>
@@ -7359,7 +7056,7 @@
           </a:ln>
         </p:spPr>
         <p:txBody>
-          <a:bodyPr lIns="68400" rIns="68400" tIns="34200" bIns="34200" anchor="t">
+          <a:bodyPr lIns="0" rIns="0" tIns="0" bIns="0" anchor="t">
             <a:normAutofit/>
           </a:bodyPr>
           <a:p>
@@ -7375,18 +7072,12 @@
               <a:buChar char=""/>
             </a:pPr>
             <a:r>
-              <a:rPr b="0" lang="en-US" sz="2100" spc="-1" strike="noStrike">
-                <a:solidFill>
-                  <a:srgbClr val="000000"/>
-                </a:solidFill>
+              <a:rPr b="0" lang="en-US" sz="1800" spc="-1" strike="noStrike">
                 <a:latin typeface="Arial"/>
               </a:rPr>
               <a:t>Click to edit the outline text format</a:t>
             </a:r>
-            <a:endParaRPr b="0" lang="en-US" sz="2100" spc="-1" strike="noStrike">
-              <a:solidFill>
-                <a:srgbClr val="000000"/>
-              </a:solidFill>
+            <a:endParaRPr b="0" lang="en-US" sz="1800" spc="-1" strike="noStrike">
               <a:latin typeface="Arial"/>
             </a:endParaRPr>
           </a:p>
@@ -7403,18 +7094,12 @@
               <a:buChar char=""/>
             </a:pPr>
             <a:r>
-              <a:rPr b="0" lang="en-US" sz="2100" spc="-1" strike="noStrike">
-                <a:solidFill>
-                  <a:srgbClr val="000000"/>
-                </a:solidFill>
+              <a:rPr b="0" lang="en-US" sz="1800" spc="-1" strike="noStrike">
                 <a:latin typeface="Arial"/>
               </a:rPr>
               <a:t>Second Outline Level</a:t>
             </a:r>
-            <a:endParaRPr b="0" lang="en-US" sz="2100" spc="-1" strike="noStrike">
-              <a:solidFill>
-                <a:srgbClr val="000000"/>
-              </a:solidFill>
+            <a:endParaRPr b="0" lang="en-US" sz="1800" spc="-1" strike="noStrike">
               <a:latin typeface="Arial"/>
             </a:endParaRPr>
           </a:p>
@@ -7431,18 +7116,12 @@
               <a:buChar char=""/>
             </a:pPr>
             <a:r>
-              <a:rPr b="0" lang="en-US" sz="2100" spc="-1" strike="noStrike">
-                <a:solidFill>
-                  <a:srgbClr val="000000"/>
-                </a:solidFill>
+              <a:rPr b="0" lang="en-US" sz="1800" spc="-1" strike="noStrike">
                 <a:latin typeface="Arial"/>
               </a:rPr>
               <a:t>Third Outline Level</a:t>
             </a:r>
-            <a:endParaRPr b="0" lang="en-US" sz="2100" spc="-1" strike="noStrike">
-              <a:solidFill>
-                <a:srgbClr val="000000"/>
-              </a:solidFill>
+            <a:endParaRPr b="0" lang="en-US" sz="1800" spc="-1" strike="noStrike">
               <a:latin typeface="Arial"/>
             </a:endParaRPr>
           </a:p>
@@ -7459,18 +7138,12 @@
               <a:buChar char=""/>
             </a:pPr>
             <a:r>
-              <a:rPr b="0" lang="en-US" sz="2100" spc="-1" strike="noStrike">
-                <a:solidFill>
-                  <a:srgbClr val="000000"/>
-                </a:solidFill>
+              <a:rPr b="0" lang="en-US" sz="1800" spc="-1" strike="noStrike">
                 <a:latin typeface="Arial"/>
               </a:rPr>
               <a:t>Fourth Outline Level</a:t>
             </a:r>
-            <a:endParaRPr b="0" lang="en-US" sz="2100" spc="-1" strike="noStrike">
-              <a:solidFill>
-                <a:srgbClr val="000000"/>
-              </a:solidFill>
+            <a:endParaRPr b="0" lang="en-US" sz="1800" spc="-1" strike="noStrike">
               <a:latin typeface="Arial"/>
             </a:endParaRPr>
           </a:p>
@@ -7487,18 +7160,12 @@
               <a:buChar char=""/>
             </a:pPr>
             <a:r>
-              <a:rPr b="0" lang="en-US" sz="2100" spc="-1" strike="noStrike">
-                <a:solidFill>
-                  <a:srgbClr val="000000"/>
-                </a:solidFill>
+              <a:rPr b="0" lang="en-US" sz="1800" spc="-1" strike="noStrike">
                 <a:latin typeface="Arial"/>
               </a:rPr>
               <a:t>Fifth Outline Level</a:t>
             </a:r>
-            <a:endParaRPr b="0" lang="en-US" sz="2100" spc="-1" strike="noStrike">
-              <a:solidFill>
-                <a:srgbClr val="000000"/>
-              </a:solidFill>
+            <a:endParaRPr b="0" lang="en-US" sz="1800" spc="-1" strike="noStrike">
               <a:latin typeface="Arial"/>
             </a:endParaRPr>
           </a:p>
@@ -7515,18 +7182,12 @@
               <a:buChar char=""/>
             </a:pPr>
             <a:r>
-              <a:rPr b="0" lang="en-US" sz="2100" spc="-1" strike="noStrike">
-                <a:solidFill>
-                  <a:srgbClr val="000000"/>
-                </a:solidFill>
+              <a:rPr b="0" lang="en-US" sz="1800" spc="-1" strike="noStrike">
                 <a:latin typeface="Arial"/>
               </a:rPr>
               <a:t>Sixth Outline Level</a:t>
             </a:r>
-            <a:endParaRPr b="0" lang="en-US" sz="2100" spc="-1" strike="noStrike">
-              <a:solidFill>
-                <a:srgbClr val="000000"/>
-              </a:solidFill>
+            <a:endParaRPr b="0" lang="en-US" sz="1800" spc="-1" strike="noStrike">
               <a:latin typeface="Arial"/>
             </a:endParaRPr>
           </a:p>
@@ -7543,18 +7204,12 @@
               <a:buChar char=""/>
             </a:pPr>
             <a:r>
-              <a:rPr b="0" lang="en-US" sz="2100" spc="-1" strike="noStrike">
-                <a:solidFill>
-                  <a:srgbClr val="000000"/>
-                </a:solidFill>
+              <a:rPr b="0" lang="en-US" sz="1800" spc="-1" strike="noStrike">
                 <a:latin typeface="Arial"/>
               </a:rPr>
               <a:t>Seventh Outline Level</a:t>
             </a:r>
-            <a:endParaRPr b="0" lang="en-US" sz="2100" spc="-1" strike="noStrike">
-              <a:solidFill>
-                <a:srgbClr val="000000"/>
-              </a:solidFill>
+            <a:endParaRPr b="0" lang="en-US" sz="1800" spc="-1" strike="noStrike">
               <a:latin typeface="Arial"/>
             </a:endParaRPr>
           </a:p>
@@ -7573,7 +7228,7 @@
         <p:spPr>
           <a:xfrm>
             <a:off x="8472600" y="4663080"/>
-            <a:ext cx="548280" cy="393120"/>
+            <a:ext cx="547920" cy="392760"/>
           </a:xfrm>
           <a:prstGeom prst="rect">
             <a:avLst/>
@@ -7617,7 +7272,7 @@
                 <a:tab algn="l" pos="0"/>
               </a:tabLst>
             </a:pPr>
-            <a:fld id="{F87DF1CF-0B11-4E59-AEBC-5F315EAA14A6}" type="slidenum">
+            <a:fld id="{6C238526-1835-42CF-A316-0580676332E0}" type="slidenum">
               <a:rPr b="0" lang="en-GB" sz="1500" spc="-1" strike="noStrike">
                 <a:solidFill>
                   <a:srgbClr val="ffffff"/>
@@ -7683,7 +7338,7 @@
         <p:spPr>
           <a:xfrm>
             <a:off x="0" y="1054440"/>
-            <a:ext cx="9143640" cy="1762560"/>
+            <a:ext cx="9143280" cy="1762200"/>
           </a:xfrm>
           <a:prstGeom prst="rect">
             <a:avLst/>
@@ -7731,12 +7386,9 @@
                 <a:latin typeface="Times New Roman"/>
                 <a:ea typeface="Times New Roman"/>
               </a:rPr>
-              <a:t>ENHANCING CREDIT RISK MANAGEMENT IN TANZANIA BANKING SECTOR USING PREDICTIVE MODELING TECHNIQUES</a:t>
+              <a:t>ENHANCING CREDIT RISK MANAGEMENT OF COMMERCIAL BANKS IN TANZANIA  USING PREDICTIVE MODELING TECHNIQUES</a:t>
             </a:r>
             <a:endParaRPr b="0" lang="en-US" sz="2800" spc="-1" strike="noStrike">
-              <a:solidFill>
-                <a:srgbClr val="000000"/>
-              </a:solidFill>
               <a:latin typeface="Arial"/>
             </a:endParaRPr>
           </a:p>
@@ -7755,7 +7407,7 @@
         <p:spPr>
           <a:xfrm>
             <a:off x="0" y="3062160"/>
-            <a:ext cx="8786880" cy="2054160"/>
+            <a:ext cx="8786520" cy="2053800"/>
           </a:xfrm>
           <a:prstGeom prst="rect">
             <a:avLst/>
@@ -7959,7 +7611,7 @@
         <p:spPr>
           <a:xfrm>
             <a:off x="173160" y="1050480"/>
-            <a:ext cx="8772840" cy="3891960"/>
+            <a:ext cx="8772480" cy="3891600"/>
           </a:xfrm>
           <a:prstGeom prst="rect">
             <a:avLst/>
@@ -7998,9 +7650,6 @@
               <a:t>The external economic environment also impacts loan performance. Factors such as unemployment rates and house prices can influence borrowers' ability to repay loans. Hence, this research investigates the integration of detailed economic information into credit scoring models, aiming to improve their accuracy and interpretability by considering the broader economic context.</a:t>
             </a:r>
             <a:endParaRPr b="0" lang="en-US" sz="2400" spc="-1" strike="noStrike">
-              <a:solidFill>
-                <a:srgbClr val="000000"/>
-              </a:solidFill>
               <a:latin typeface="Arial"/>
             </a:endParaRPr>
           </a:p>
@@ -8049,7 +7698,7 @@
         <p:spPr>
           <a:xfrm>
             <a:off x="704880" y="1051200"/>
-            <a:ext cx="7733880" cy="520200"/>
+            <a:ext cx="7733520" cy="519840"/>
           </a:xfrm>
           <a:prstGeom prst="rect">
             <a:avLst/>
@@ -8081,9 +7730,6 @@
               <a:t>Research Methodology</a:t>
             </a:r>
             <a:endParaRPr b="0" lang="en-US" sz="3600" spc="-1" strike="noStrike">
-              <a:solidFill>
-                <a:srgbClr val="000000"/>
-              </a:solidFill>
               <a:latin typeface="Arial"/>
             </a:endParaRPr>
           </a:p>
@@ -8102,7 +7748,7 @@
         <p:spPr>
           <a:xfrm>
             <a:off x="197640" y="1334520"/>
-            <a:ext cx="8946000" cy="3808440"/>
+            <a:ext cx="8945640" cy="3808080"/>
           </a:xfrm>
           <a:prstGeom prst="rect">
             <a:avLst/>
@@ -8141,9 +7787,6 @@
               <a:t>Research Approach and Design</a:t>
             </a:r>
             <a:endParaRPr b="0" lang="en-US" sz="2000" spc="-1" strike="noStrike">
-              <a:solidFill>
-                <a:srgbClr val="000000"/>
-              </a:solidFill>
               <a:latin typeface="Arial"/>
             </a:endParaRPr>
           </a:p>
@@ -8175,9 +7818,6 @@
               <a:t>The research approach for this study will be quantitative.</a:t>
             </a:r>
             <a:endParaRPr b="0" lang="en-US" sz="2000" spc="-1" strike="noStrike">
-              <a:solidFill>
-                <a:srgbClr val="000000"/>
-              </a:solidFill>
               <a:latin typeface="Arial"/>
             </a:endParaRPr>
           </a:p>
@@ -8219,9 +7859,6 @@
               <a:t>A longitudinal design will be employed to track credit risk over a specific time period, with a focus on assessing the impact of machine learning on risk assessment. </a:t>
             </a:r>
             <a:endParaRPr b="0" lang="en-US" sz="2000" spc="-1" strike="noStrike">
-              <a:solidFill>
-                <a:srgbClr val="000000"/>
-              </a:solidFill>
               <a:latin typeface="Arial"/>
             </a:endParaRPr>
           </a:p>
@@ -8253,9 +7890,6 @@
               <a:t>Additionally, a comparative design will be used to evaluate the effectiveness of machine learning-based models in comparison to traditional credit risk assessment methods.</a:t>
             </a:r>
             <a:endParaRPr b="0" lang="en-US" sz="2000" spc="-1" strike="noStrike">
-              <a:solidFill>
-                <a:srgbClr val="000000"/>
-              </a:solidFill>
               <a:latin typeface="Arial"/>
             </a:endParaRPr>
           </a:p>
@@ -8304,7 +7938,7 @@
         <p:spPr>
           <a:xfrm>
             <a:off x="420120" y="1099800"/>
-            <a:ext cx="8723520" cy="3929040"/>
+            <a:ext cx="8723160" cy="3928680"/>
           </a:xfrm>
           <a:prstGeom prst="rect">
             <a:avLst/>
@@ -8343,9 +7977,6 @@
               <a:t>Research Methods</a:t>
             </a:r>
             <a:endParaRPr b="0" lang="en-US" sz="2000" spc="-1" strike="noStrike">
-              <a:solidFill>
-                <a:srgbClr val="000000"/>
-              </a:solidFill>
               <a:latin typeface="Arial"/>
             </a:endParaRPr>
           </a:p>
@@ -8377,9 +8008,6 @@
               <a:t>The primary research methods will include data collection, data preprocessing, algorithm selection and implementation, model training, model validation, and performance evaluation.</a:t>
             </a:r>
             <a:endParaRPr b="0" lang="en-US" sz="2000" spc="-1" strike="noStrike">
-              <a:solidFill>
-                <a:srgbClr val="000000"/>
-              </a:solidFill>
               <a:latin typeface="Arial"/>
             </a:endParaRPr>
           </a:p>
@@ -8411,9 +8039,6 @@
               <a:t>Machine learning algorithms such as logistic regression, decision trees, random forests, and neural networks will be employed to develop predictive credit risk models. </a:t>
             </a:r>
             <a:endParaRPr b="0" lang="en-US" sz="2000" spc="-1" strike="noStrike">
-              <a:solidFill>
-                <a:srgbClr val="000000"/>
-              </a:solidFill>
               <a:latin typeface="Arial"/>
             </a:endParaRPr>
           </a:p>
@@ -8462,7 +8087,7 @@
         <p:spPr>
           <a:xfrm>
             <a:off x="370800" y="1037880"/>
-            <a:ext cx="8476200" cy="4003200"/>
+            <a:ext cx="8475840" cy="4002840"/>
           </a:xfrm>
           <a:prstGeom prst="rect">
             <a:avLst/>
@@ -8501,9 +8126,6 @@
               <a:t>Study Area</a:t>
             </a:r>
             <a:endParaRPr b="0" lang="en-US" sz="2200" spc="-1" strike="noStrike">
-              <a:solidFill>
-                <a:srgbClr val="000000"/>
-              </a:solidFill>
               <a:latin typeface="Arial"/>
             </a:endParaRPr>
           </a:p>
@@ -8535,9 +8157,6 @@
               <a:t>The study will focus on the Tanzanian banking sector. Specifically, it will target a diverse set of banks within Tanzania to ensure a representative sample and comprehensive understanding of credit risk management practices in the country.</a:t>
             </a:r>
             <a:endParaRPr b="0" lang="en-US" sz="2200" spc="-1" strike="noStrike">
-              <a:solidFill>
-                <a:srgbClr val="000000"/>
-              </a:solidFill>
               <a:latin typeface="Arial"/>
             </a:endParaRPr>
           </a:p>
@@ -8555,9 +8174,6 @@
               </a:tabLst>
             </a:pPr>
             <a:endParaRPr b="0" lang="en-US" sz="2200" spc="-1" strike="noStrike">
-              <a:solidFill>
-                <a:srgbClr val="000000"/>
-              </a:solidFill>
               <a:latin typeface="Arial"/>
             </a:endParaRPr>
           </a:p>
@@ -8586,9 +8202,6 @@
               <a:t>Sample Size</a:t>
             </a:r>
             <a:endParaRPr b="0" lang="en-US" sz="2200" spc="-1" strike="noStrike">
-              <a:solidFill>
-                <a:srgbClr val="000000"/>
-              </a:solidFill>
               <a:latin typeface="Arial"/>
             </a:endParaRPr>
           </a:p>
@@ -8620,9 +8233,6 @@
               <a:t>The sample size will be determined based on the availability of historical credit data from Tanzanian banks. The aim is to collect a sufficiently large and diverse dataset to ensure the robustness of the developed machine learning models. </a:t>
             </a:r>
             <a:endParaRPr b="0" lang="en-US" sz="2200" spc="-1" strike="noStrike">
-              <a:solidFill>
-                <a:srgbClr val="000000"/>
-              </a:solidFill>
               <a:latin typeface="Arial"/>
             </a:endParaRPr>
           </a:p>
@@ -8640,9 +8250,6 @@
               </a:tabLst>
             </a:pPr>
             <a:endParaRPr b="0" lang="en-US" sz="2200" spc="-1" strike="noStrike">
-              <a:solidFill>
-                <a:srgbClr val="000000"/>
-              </a:solidFill>
               <a:latin typeface="Arial"/>
             </a:endParaRPr>
           </a:p>
@@ -8691,7 +8298,7 @@
         <p:spPr>
           <a:xfrm>
             <a:off x="271800" y="1000800"/>
-            <a:ext cx="8871840" cy="4142160"/>
+            <a:ext cx="8871480" cy="4141800"/>
           </a:xfrm>
           <a:prstGeom prst="rect">
             <a:avLst/>
@@ -8730,9 +8337,6 @@
               <a:t>Materials</a:t>
             </a:r>
             <a:endParaRPr b="0" lang="en-US" sz="2200" spc="-1" strike="noStrike">
-              <a:solidFill>
-                <a:srgbClr val="000000"/>
-              </a:solidFill>
               <a:latin typeface="Arial"/>
             </a:endParaRPr>
           </a:p>
@@ -8764,9 +8368,6 @@
               <a:t>The primary materials for this study will include historical credit data from Tanzanian banks, economic indicators (such as unemployment rates, inflation, GDP growth), alternative data sources (potentially social media data), machine learning software/tools for model development (Python, R, or relevant libraries), and computing resources for model training and analysis.</a:t>
             </a:r>
             <a:endParaRPr b="0" lang="en-US" sz="2200" spc="-1" strike="noStrike">
-              <a:solidFill>
-                <a:srgbClr val="000000"/>
-              </a:solidFill>
               <a:latin typeface="Arial"/>
             </a:endParaRPr>
           </a:p>
@@ -8815,7 +8416,7 @@
         <p:spPr>
           <a:xfrm>
             <a:off x="284040" y="1087560"/>
-            <a:ext cx="8748360" cy="3854880"/>
+            <a:ext cx="8748000" cy="3854520"/>
           </a:xfrm>
           <a:prstGeom prst="rect">
             <a:avLst/>
@@ -8854,9 +8455,6 @@
               <a:t>Data Analysis</a:t>
             </a:r>
             <a:endParaRPr b="0" lang="en-US" sz="2400" spc="-1" strike="noStrike">
-              <a:solidFill>
-                <a:srgbClr val="000000"/>
-              </a:solidFill>
               <a:latin typeface="Arial"/>
             </a:endParaRPr>
           </a:p>
@@ -8884,9 +8482,6 @@
               <a:t>Data analysis will involve various steps, including exploratory data analysis (EDA) to understand the characteristics of the credit data, feature engineering to extract relevant features for the models, model training and validation, and statistical analysis to evaluate the performance of the machine learning models. Advanced techniques such as cross-validation and AUC-ROC analysis will be used for model evaluation.</a:t>
             </a:r>
             <a:endParaRPr b="0" lang="en-US" sz="2400" spc="-1" strike="noStrike">
-              <a:solidFill>
-                <a:srgbClr val="000000"/>
-              </a:solidFill>
               <a:latin typeface="Arial"/>
             </a:endParaRPr>
           </a:p>
@@ -8935,7 +8530,7 @@
         <p:spPr>
           <a:xfrm>
             <a:off x="370800" y="1013400"/>
-            <a:ext cx="8772840" cy="4040280"/>
+            <a:ext cx="8772480" cy="4039920"/>
           </a:xfrm>
           <a:prstGeom prst="rect">
             <a:avLst/>
@@ -8974,9 +8569,6 @@
               <a:t>Ethical Practices/Procedures</a:t>
             </a:r>
             <a:endParaRPr b="0" lang="en-US" sz="2200" spc="-1" strike="noStrike">
-              <a:solidFill>
-                <a:srgbClr val="000000"/>
-              </a:solidFill>
               <a:latin typeface="Arial"/>
             </a:endParaRPr>
           </a:p>
@@ -9008,9 +8600,6 @@
               <a:t>The study will adhere to ethical guidelines for data privacy and security, ensuring that all sensitive information is anonymized and protected. Additionally, the research will be conducted in accordance with relevant regulatory standards and research clearance letter will be obtained from UDSM and provided to the banks. </a:t>
             </a:r>
             <a:endParaRPr b="0" lang="en-US" sz="2200" spc="-1" strike="noStrike">
-              <a:solidFill>
-                <a:srgbClr val="000000"/>
-              </a:solidFill>
               <a:latin typeface="Arial"/>
             </a:endParaRPr>
           </a:p>
@@ -9059,7 +8648,7 @@
         <p:spPr>
           <a:xfrm>
             <a:off x="704880" y="1051200"/>
-            <a:ext cx="7733880" cy="520200"/>
+            <a:ext cx="7733520" cy="519840"/>
           </a:xfrm>
           <a:prstGeom prst="rect">
             <a:avLst/>
@@ -9101,9 +8690,6 @@
               <a:t> Self-funded</a:t>
             </a:r>
             <a:endParaRPr b="0" lang="en-US" sz="2800" spc="-1" strike="noStrike">
-              <a:solidFill>
-                <a:srgbClr val="000000"/>
-              </a:solidFill>
               <a:latin typeface="Arial"/>
             </a:endParaRPr>
           </a:p>
@@ -9117,7 +8703,7 @@
         </p:nvGraphicFramePr>
         <p:xfrm>
           <a:off x="852480" y="1571760"/>
-          <a:ext cx="6116400" cy="3486240"/>
+          <a:ext cx="6116040" cy="3485880"/>
         </p:xfrm>
         <a:graphic>
           <a:graphicData uri="http://schemas.openxmlformats.org/drawingml/2006/table">
@@ -9130,7 +8716,7 @@
               <a:tr h="403920">
                 <a:tc>
                   <a:txBody>
-                    <a:bodyPr lIns="64080" rIns="70920" tIns="109800" bIns="0" anchor="t">
+                    <a:bodyPr lIns="64080" rIns="70920" anchor="t">
                       <a:noAutofit/>
                     </a:bodyPr>
                     <a:p>
@@ -9184,7 +8770,7 @@
                 </a:tc>
                 <a:tc>
                   <a:txBody>
-                    <a:bodyPr lIns="64080" rIns="70920" tIns="109800" bIns="0" anchor="t">
+                    <a:bodyPr lIns="64080" rIns="70920" anchor="t">
                       <a:noAutofit/>
                     </a:bodyPr>
                     <a:p>
@@ -9240,7 +8826,7 @@
               <a:tr h="489600">
                 <a:tc>
                   <a:txBody>
-                    <a:bodyPr lIns="64080" rIns="70920" tIns="109800" bIns="0" anchor="t">
+                    <a:bodyPr lIns="64080" rIns="70920" anchor="t">
                       <a:noAutofit/>
                     </a:bodyPr>
                     <a:p>
@@ -9294,7 +8880,7 @@
                 </a:tc>
                 <a:tc>
                   <a:txBody>
-                    <a:bodyPr lIns="64080" rIns="70920" tIns="109800" bIns="0" anchor="t">
+                    <a:bodyPr lIns="64080" rIns="70920" anchor="t">
                       <a:noAutofit/>
                     </a:bodyPr>
                     <a:p>
@@ -9350,7 +8936,7 @@
               <a:tr h="503280">
                 <a:tc>
                   <a:txBody>
-                    <a:bodyPr lIns="64080" rIns="70920" tIns="109800" bIns="0" anchor="t">
+                    <a:bodyPr lIns="64080" rIns="70920" anchor="t">
                       <a:noAutofit/>
                     </a:bodyPr>
                     <a:p>
@@ -9404,7 +8990,7 @@
                 </a:tc>
                 <a:tc>
                   <a:txBody>
-                    <a:bodyPr lIns="64080" rIns="70920" tIns="109800" bIns="0" anchor="t">
+                    <a:bodyPr lIns="64080" rIns="70920" anchor="t">
                       <a:noAutofit/>
                     </a:bodyPr>
                     <a:p>
@@ -9460,7 +9046,7 @@
               <a:tr h="403920">
                 <a:tc>
                   <a:txBody>
-                    <a:bodyPr lIns="64080" rIns="70920" tIns="109800" bIns="0" anchor="ctr">
+                    <a:bodyPr lIns="64080" rIns="70920" anchor="ctr">
                       <a:noAutofit/>
                     </a:bodyPr>
                     <a:p>
@@ -9514,7 +9100,7 @@
                 </a:tc>
                 <a:tc>
                   <a:txBody>
-                    <a:bodyPr lIns="64080" rIns="70920" tIns="109800" bIns="0" anchor="ctr">
+                    <a:bodyPr lIns="64080" rIns="70920" anchor="ctr">
                       <a:noAutofit/>
                     </a:bodyPr>
                     <a:p>
@@ -9570,7 +9156,7 @@
               <a:tr h="455400">
                 <a:tc>
                   <a:txBody>
-                    <a:bodyPr lIns="64080" rIns="70920" tIns="109800" bIns="0" anchor="ctr">
+                    <a:bodyPr lIns="64080" rIns="70920" anchor="ctr">
                       <a:noAutofit/>
                     </a:bodyPr>
                     <a:p>
@@ -9624,7 +9210,7 @@
                 </a:tc>
                 <a:tc>
                   <a:txBody>
-                    <a:bodyPr lIns="64080" rIns="70920" tIns="109800" bIns="0" anchor="ctr">
+                    <a:bodyPr lIns="64080" rIns="70920" anchor="ctr">
                       <a:noAutofit/>
                     </a:bodyPr>
                     <a:p>
@@ -9680,7 +9266,7 @@
               <a:tr h="421200">
                 <a:tc>
                   <a:txBody>
-                    <a:bodyPr lIns="64080" rIns="70920" tIns="109800" bIns="0" anchor="t">
+                    <a:bodyPr lIns="64080" rIns="70920" anchor="t">
                       <a:noAutofit/>
                     </a:bodyPr>
                     <a:p>
@@ -9734,7 +9320,7 @@
                 </a:tc>
                 <a:tc>
                   <a:txBody>
-                    <a:bodyPr lIns="64080" rIns="70920" tIns="109800" bIns="0" anchor="t">
+                    <a:bodyPr lIns="64080" rIns="70920" anchor="t">
                       <a:noAutofit/>
                     </a:bodyPr>
                     <a:p>
@@ -9790,7 +9376,7 @@
               <a:tr h="403920">
                 <a:tc>
                   <a:txBody>
-                    <a:bodyPr lIns="64080" rIns="70920" tIns="109800" bIns="0" anchor="ctr">
+                    <a:bodyPr lIns="64080" rIns="70920" anchor="ctr">
                       <a:noAutofit/>
                     </a:bodyPr>
                     <a:p>
@@ -9844,7 +9430,7 @@
                 </a:tc>
                 <a:tc>
                   <a:txBody>
-                    <a:bodyPr lIns="64080" rIns="70920" tIns="109800" bIns="0" anchor="ctr">
+                    <a:bodyPr lIns="64080" rIns="70920" anchor="ctr">
                       <a:noAutofit/>
                     </a:bodyPr>
                     <a:p>
@@ -9900,7 +9486,7 @@
               <a:tr h="405000">
                 <a:tc>
                   <a:txBody>
-                    <a:bodyPr lIns="64080" rIns="70920" tIns="109800" bIns="0" anchor="t">
+                    <a:bodyPr lIns="64080" rIns="70920" anchor="t">
                       <a:noAutofit/>
                     </a:bodyPr>
                     <a:p>
@@ -9967,7 +9553,7 @@
                 </a:tc>
                 <a:tc>
                   <a:txBody>
-                    <a:bodyPr lIns="64080" rIns="70920" tIns="109800" bIns="0" anchor="ctr">
+                    <a:bodyPr lIns="64080" rIns="70920" anchor="ctr">
                       <a:noAutofit/>
                     </a:bodyPr>
                     <a:p>
@@ -10067,7 +9653,7 @@
         <p:spPr>
           <a:xfrm>
             <a:off x="420120" y="963720"/>
-            <a:ext cx="7733880" cy="493920"/>
+            <a:ext cx="7733520" cy="493560"/>
           </a:xfrm>
           <a:prstGeom prst="rect">
             <a:avLst/>
@@ -10079,7 +9665,7 @@
         </p:spPr>
         <p:txBody>
           <a:bodyPr lIns="68400" rIns="68400" tIns="34200" bIns="34200" anchor="ctr">
-            <a:normAutofit fontScale="97000"/>
+            <a:normAutofit fontScale="96000"/>
           </a:bodyPr>
           <a:p>
             <a:pPr algn="ctr">
@@ -10099,9 +9685,6 @@
               <a:t>Duration of the study</a:t>
             </a:r>
             <a:endParaRPr b="0" lang="en-US" sz="3200" spc="-1" strike="noStrike">
-              <a:solidFill>
-                <a:srgbClr val="000000"/>
-              </a:solidFill>
               <a:latin typeface="Arial"/>
             </a:endParaRPr>
           </a:p>
@@ -10115,7 +9698,7 @@
         </p:nvGraphicFramePr>
         <p:xfrm>
           <a:off x="395280" y="1458000"/>
-          <a:ext cx="8328240" cy="3569400"/>
+          <a:ext cx="8327880" cy="3590640"/>
         </p:xfrm>
         <a:graphic>
           <a:graphicData uri="http://schemas.openxmlformats.org/drawingml/2006/table">
@@ -10136,10 +9719,10 @@
                 <a:gridCol w="469440"/>
                 <a:gridCol w="396720"/>
               </a:tblGrid>
-              <a:tr h="180000">
+              <a:tr h="249840">
                 <a:tc rowSpan="2">
                   <a:txBody>
-                    <a:bodyPr lIns="25560" rIns="11160" tIns="3600" bIns="0" anchor="t">
+                    <a:bodyPr lIns="25560" rIns="11160" anchor="t">
                       <a:noAutofit/>
                     </a:bodyPr>
                     <a:p>
@@ -10193,7 +9776,7 @@
                 </a:tc>
                 <a:tc gridSpan="4">
                   <a:txBody>
-                    <a:bodyPr lIns="25560" rIns="11160" tIns="3600" bIns="0" anchor="t">
+                    <a:bodyPr lIns="25560" rIns="11160" anchor="t">
                       <a:noAutofit/>
                     </a:bodyPr>
                     <a:p>
@@ -10302,7 +9885,7 @@
                 </a:tc>
                 <a:tc>
                   <a:txBody>
-                    <a:bodyPr lIns="25560" rIns="11160" tIns="3600" bIns="0" anchor="t">
+                    <a:bodyPr lIns="25560" rIns="11160" anchor="t">
                       <a:noAutofit/>
                     </a:bodyPr>
                     <a:p>
@@ -10357,7 +9940,7 @@
                 </a:tc>
                 <a:tc gridSpan="7">
                   <a:txBody>
-                    <a:bodyPr lIns="25560" rIns="11160" tIns="3600" bIns="0" anchor="t">
+                    <a:bodyPr lIns="25560" rIns="11160" anchor="t">
                       <a:noAutofit/>
                     </a:bodyPr>
                     <a:p>
@@ -10527,7 +10110,7 @@
                   </a:tcPr>
                 </a:tc>
               </a:tr>
-              <a:tr h="180000">
+              <a:tr h="249840">
                 <a:tc vMerge="1">
                   <a:tcPr anchor="t" marL="90000" marR="90000">
                     <a:lnL>
@@ -10549,7 +10132,7 @@
                 </a:tc>
                 <a:tc>
                   <a:txBody>
-                    <a:bodyPr lIns="25560" rIns="11160" tIns="3600" bIns="0" anchor="t">
+                    <a:bodyPr lIns="25560" rIns="11160" anchor="t">
                       <a:noAutofit/>
                     </a:bodyPr>
                     <a:p>
@@ -10603,7 +10186,7 @@
                 </a:tc>
                 <a:tc>
                   <a:txBody>
-                    <a:bodyPr lIns="25560" rIns="11160" tIns="3600" bIns="0" anchor="t">
+                    <a:bodyPr lIns="25560" rIns="11160" anchor="t">
                       <a:noAutofit/>
                     </a:bodyPr>
                     <a:p>
@@ -10657,7 +10240,7 @@
                 </a:tc>
                 <a:tc>
                   <a:txBody>
-                    <a:bodyPr lIns="25560" rIns="11160" tIns="3600" bIns="0" anchor="t">
+                    <a:bodyPr lIns="25560" rIns="11160" anchor="t">
                       <a:noAutofit/>
                     </a:bodyPr>
                     <a:p>
@@ -10711,7 +10294,7 @@
                 </a:tc>
                 <a:tc>
                   <a:txBody>
-                    <a:bodyPr lIns="25560" rIns="11160" tIns="3600" bIns="0" anchor="t">
+                    <a:bodyPr lIns="25560" rIns="11160" anchor="t">
                       <a:noAutofit/>
                     </a:bodyPr>
                     <a:p>
@@ -10765,7 +10348,7 @@
                 </a:tc>
                 <a:tc>
                   <a:txBody>
-                    <a:bodyPr lIns="25560" rIns="11160" tIns="3600" bIns="0" anchor="t">
+                    <a:bodyPr lIns="25560" rIns="11160" anchor="t">
                       <a:noAutofit/>
                     </a:bodyPr>
                     <a:p>
@@ -10819,7 +10402,7 @@
                 </a:tc>
                 <a:tc>
                   <a:txBody>
-                    <a:bodyPr lIns="25560" rIns="11160" tIns="3600" bIns="0" anchor="t">
+                    <a:bodyPr lIns="25560" rIns="11160" anchor="t">
                       <a:noAutofit/>
                     </a:bodyPr>
                     <a:p>
@@ -10873,7 +10456,7 @@
                 </a:tc>
                 <a:tc>
                   <a:txBody>
-                    <a:bodyPr lIns="25560" rIns="11160" tIns="3600" bIns="0" anchor="t">
+                    <a:bodyPr lIns="25560" rIns="11160" anchor="t">
                       <a:noAutofit/>
                     </a:bodyPr>
                     <a:p>
@@ -10927,7 +10510,7 @@
                 </a:tc>
                 <a:tc>
                   <a:txBody>
-                    <a:bodyPr lIns="25560" rIns="11160" tIns="3600" bIns="0" anchor="t">
+                    <a:bodyPr lIns="25560" rIns="11160" anchor="t">
                       <a:noAutofit/>
                     </a:bodyPr>
                     <a:p>
@@ -10981,7 +10564,7 @@
                 </a:tc>
                 <a:tc>
                   <a:txBody>
-                    <a:bodyPr lIns="25560" rIns="11160" tIns="3600" bIns="0" anchor="t">
+                    <a:bodyPr lIns="25560" rIns="11160" anchor="t">
                       <a:noAutofit/>
                     </a:bodyPr>
                     <a:p>
@@ -11035,7 +10618,7 @@
                 </a:tc>
                 <a:tc>
                   <a:txBody>
-                    <a:bodyPr lIns="25560" rIns="11160" tIns="3600" bIns="0" anchor="t">
+                    <a:bodyPr lIns="25560" rIns="11160" anchor="t">
                       <a:noAutofit/>
                     </a:bodyPr>
                     <a:p>
@@ -11089,7 +10672,7 @@
                 </a:tc>
                 <a:tc>
                   <a:txBody>
-                    <a:bodyPr lIns="25560" rIns="11160" tIns="3600" bIns="0" anchor="t">
+                    <a:bodyPr lIns="25560" rIns="11160" anchor="t">
                       <a:noAutofit/>
                     </a:bodyPr>
                     <a:p>
@@ -11143,7 +10726,7 @@
                 </a:tc>
                 <a:tc>
                   <a:txBody>
-                    <a:bodyPr lIns="25560" rIns="11160" tIns="3600" bIns="0" anchor="t">
+                    <a:bodyPr lIns="25560" rIns="11160" anchor="t">
                       <a:noAutofit/>
                     </a:bodyPr>
                     <a:p>
@@ -11196,10 +10779,10 @@
                   </a:tcPr>
                 </a:tc>
               </a:tr>
-              <a:tr h="192240">
+              <a:tr h="249840">
                 <a:tc>
                   <a:txBody>
-                    <a:bodyPr lIns="25560" rIns="11160" tIns="3600" bIns="0" anchor="t">
+                    <a:bodyPr lIns="25560" rIns="11160" anchor="t">
                       <a:noAutofit/>
                     </a:bodyPr>
                     <a:p>
@@ -11253,7 +10836,7 @@
                 </a:tc>
                 <a:tc>
                   <a:txBody>
-                    <a:bodyPr lIns="25560" rIns="11160" tIns="3600" bIns="0" anchor="t">
+                    <a:bodyPr lIns="25560" rIns="11160" anchor="t">
                       <a:noAutofit/>
                     </a:bodyPr>
                     <a:p>
@@ -11309,7 +10892,7 @@
                 </a:tc>
                 <a:tc>
                   <a:txBody>
-                    <a:bodyPr lIns="25560" rIns="11160" tIns="3600" bIns="0" anchor="t">
+                    <a:bodyPr lIns="25560" rIns="11160" anchor="t">
                       <a:noAutofit/>
                     </a:bodyPr>
                     <a:p>
@@ -11365,7 +10948,7 @@
                 </a:tc>
                 <a:tc>
                   <a:txBody>
-                    <a:bodyPr lIns="25560" rIns="11160" tIns="3600" bIns="0" anchor="t">
+                    <a:bodyPr lIns="25560" rIns="11160" anchor="t">
                       <a:noAutofit/>
                     </a:bodyPr>
                     <a:p>
@@ -11419,7 +11002,7 @@
                 </a:tc>
                 <a:tc>
                   <a:txBody>
-                    <a:bodyPr lIns="25560" rIns="11160" tIns="3600" bIns="0" anchor="t">
+                    <a:bodyPr lIns="25560" rIns="11160" anchor="t">
                       <a:noAutofit/>
                     </a:bodyPr>
                     <a:p>
@@ -11473,7 +11056,7 @@
                 </a:tc>
                 <a:tc>
                   <a:txBody>
-                    <a:bodyPr lIns="25560" rIns="11160" tIns="3600" bIns="0" anchor="t">
+                    <a:bodyPr lIns="25560" rIns="11160" anchor="t">
                       <a:noAutofit/>
                     </a:bodyPr>
                     <a:p>
@@ -11527,7 +11110,7 @@
                 </a:tc>
                 <a:tc>
                   <a:txBody>
-                    <a:bodyPr lIns="25560" rIns="11160" tIns="3600" bIns="0" anchor="t">
+                    <a:bodyPr lIns="25560" rIns="11160" anchor="t">
                       <a:noAutofit/>
                     </a:bodyPr>
                     <a:p>
@@ -11581,7 +11164,7 @@
                 </a:tc>
                 <a:tc>
                   <a:txBody>
-                    <a:bodyPr lIns="25560" rIns="11160" tIns="3600" bIns="0" anchor="t">
+                    <a:bodyPr lIns="25560" rIns="11160" anchor="t">
                       <a:noAutofit/>
                     </a:bodyPr>
                     <a:p>
@@ -11635,7 +11218,7 @@
                 </a:tc>
                 <a:tc>
                   <a:txBody>
-                    <a:bodyPr lIns="25560" rIns="11160" tIns="3600" bIns="0" anchor="t">
+                    <a:bodyPr lIns="25560" rIns="11160" anchor="t">
                       <a:noAutofit/>
                     </a:bodyPr>
                     <a:p>
@@ -11689,7 +11272,7 @@
                 </a:tc>
                 <a:tc>
                   <a:txBody>
-                    <a:bodyPr lIns="25560" rIns="11160" tIns="3600" bIns="0" anchor="t">
+                    <a:bodyPr lIns="25560" rIns="11160" anchor="t">
                       <a:noAutofit/>
                     </a:bodyPr>
                     <a:p>
@@ -11743,7 +11326,7 @@
                 </a:tc>
                 <a:tc>
                   <a:txBody>
-                    <a:bodyPr lIns="25560" rIns="11160" tIns="3600" bIns="0" anchor="t">
+                    <a:bodyPr lIns="25560" rIns="11160" anchor="t">
                       <a:noAutofit/>
                     </a:bodyPr>
                     <a:p>
@@ -11797,7 +11380,7 @@
                 </a:tc>
                 <a:tc>
                   <a:txBody>
-                    <a:bodyPr lIns="25560" rIns="11160" tIns="3600" bIns="0" anchor="t">
+                    <a:bodyPr lIns="25560" rIns="11160" anchor="t">
                       <a:noAutofit/>
                     </a:bodyPr>
                     <a:p>
@@ -11851,7 +11434,7 @@
                 </a:tc>
                 <a:tc>
                   <a:txBody>
-                    <a:bodyPr lIns="25560" rIns="11160" tIns="3600" bIns="0" anchor="t">
+                    <a:bodyPr lIns="25560" rIns="11160" anchor="t">
                       <a:noAutofit/>
                     </a:bodyPr>
                     <a:p>
@@ -11904,10 +11487,10 @@
                   </a:tcPr>
                 </a:tc>
               </a:tr>
-              <a:tr h="192240">
+              <a:tr h="249840">
                 <a:tc>
                   <a:txBody>
-                    <a:bodyPr lIns="25560" rIns="11160" tIns="3600" bIns="0" anchor="t">
+                    <a:bodyPr lIns="25560" rIns="11160" anchor="t">
                       <a:noAutofit/>
                     </a:bodyPr>
                     <a:p>
@@ -11961,7 +11544,7 @@
                 </a:tc>
                 <a:tc>
                   <a:txBody>
-                    <a:bodyPr lIns="25560" rIns="11160" tIns="3600" bIns="0" anchor="t">
+                    <a:bodyPr lIns="25560" rIns="11160" anchor="t">
                       <a:noAutofit/>
                     </a:bodyPr>
                     <a:p>
@@ -12015,7 +11598,7 @@
                 </a:tc>
                 <a:tc>
                   <a:txBody>
-                    <a:bodyPr lIns="25560" rIns="11160" tIns="3600" bIns="0" anchor="t">
+                    <a:bodyPr lIns="25560" rIns="11160" anchor="t">
                       <a:noAutofit/>
                     </a:bodyPr>
                     <a:p>
@@ -12069,7 +11652,7 @@
                 </a:tc>
                 <a:tc>
                   <a:txBody>
-                    <a:bodyPr lIns="25560" rIns="11160" tIns="3600" bIns="0" anchor="t">
+                    <a:bodyPr lIns="25560" rIns="11160" anchor="t">
                       <a:noAutofit/>
                     </a:bodyPr>
                     <a:p>
@@ -12125,7 +11708,7 @@
                 </a:tc>
                 <a:tc>
                   <a:txBody>
-                    <a:bodyPr lIns="25560" rIns="11160" tIns="3600" bIns="0" anchor="t">
+                    <a:bodyPr lIns="25560" rIns="11160" anchor="t">
                       <a:noAutofit/>
                     </a:bodyPr>
                     <a:p>
@@ -12179,7 +11762,7 @@
                 </a:tc>
                 <a:tc>
                   <a:txBody>
-                    <a:bodyPr lIns="25560" rIns="11160" tIns="3600" bIns="0" anchor="t">
+                    <a:bodyPr lIns="25560" rIns="11160" anchor="t">
                       <a:noAutofit/>
                     </a:bodyPr>
                     <a:p>
@@ -12233,7 +11816,7 @@
                 </a:tc>
                 <a:tc>
                   <a:txBody>
-                    <a:bodyPr lIns="25560" rIns="11160" tIns="3600" bIns="0" anchor="t">
+                    <a:bodyPr lIns="25560" rIns="11160" anchor="t">
                       <a:noAutofit/>
                     </a:bodyPr>
                     <a:p>
@@ -12287,7 +11870,7 @@
                 </a:tc>
                 <a:tc>
                   <a:txBody>
-                    <a:bodyPr lIns="25560" rIns="11160" tIns="3600" bIns="0" anchor="t">
+                    <a:bodyPr lIns="25560" rIns="11160" anchor="t">
                       <a:noAutofit/>
                     </a:bodyPr>
                     <a:p>
@@ -12341,7 +11924,7 @@
                 </a:tc>
                 <a:tc>
                   <a:txBody>
-                    <a:bodyPr lIns="25560" rIns="11160" tIns="3600" bIns="0" anchor="t">
+                    <a:bodyPr lIns="25560" rIns="11160" anchor="t">
                       <a:noAutofit/>
                     </a:bodyPr>
                     <a:p>
@@ -12395,7 +11978,7 @@
                 </a:tc>
                 <a:tc>
                   <a:txBody>
-                    <a:bodyPr lIns="25560" rIns="11160" tIns="3600" bIns="0" anchor="t">
+                    <a:bodyPr lIns="25560" rIns="11160" anchor="t">
                       <a:noAutofit/>
                     </a:bodyPr>
                     <a:p>
@@ -12449,7 +12032,7 @@
                 </a:tc>
                 <a:tc>
                   <a:txBody>
-                    <a:bodyPr lIns="25560" rIns="11160" tIns="3600" bIns="0" anchor="t">
+                    <a:bodyPr lIns="25560" rIns="11160" anchor="t">
                       <a:noAutofit/>
                     </a:bodyPr>
                     <a:p>
@@ -12503,7 +12086,7 @@
                 </a:tc>
                 <a:tc>
                   <a:txBody>
-                    <a:bodyPr lIns="25560" rIns="11160" tIns="3600" bIns="0" anchor="t">
+                    <a:bodyPr lIns="25560" rIns="11160" anchor="t">
                       <a:noAutofit/>
                     </a:bodyPr>
                     <a:p>
@@ -12557,7 +12140,7 @@
                 </a:tc>
                 <a:tc>
                   <a:txBody>
-                    <a:bodyPr lIns="25560" rIns="11160" tIns="3600" bIns="0" anchor="t">
+                    <a:bodyPr lIns="25560" rIns="11160" anchor="t">
                       <a:noAutofit/>
                     </a:bodyPr>
                     <a:p>
@@ -12610,10 +12193,10 @@
                   </a:tcPr>
                 </a:tc>
               </a:tr>
-              <a:tr h="384840">
+              <a:tr h="407880">
                 <a:tc>
                   <a:txBody>
-                    <a:bodyPr lIns="25560" rIns="11160" tIns="3600" bIns="0" anchor="t">
+                    <a:bodyPr lIns="25560" rIns="11160" anchor="t">
                       <a:noAutofit/>
                     </a:bodyPr>
                     <a:p>
@@ -12667,7 +12250,7 @@
                 </a:tc>
                 <a:tc>
                   <a:txBody>
-                    <a:bodyPr lIns="25560" rIns="11160" tIns="3600" bIns="0" anchor="t">
+                    <a:bodyPr lIns="25560" rIns="11160" anchor="t">
                       <a:noAutofit/>
                     </a:bodyPr>
                     <a:p>
@@ -12721,7 +12304,7 @@
                 </a:tc>
                 <a:tc>
                   <a:txBody>
-                    <a:bodyPr lIns="25560" rIns="11160" tIns="3600" bIns="0" anchor="t">
+                    <a:bodyPr lIns="25560" rIns="11160" anchor="t">
                       <a:noAutofit/>
                     </a:bodyPr>
                     <a:p>
@@ -12775,7 +12358,7 @@
                 </a:tc>
                 <a:tc>
                   <a:txBody>
-                    <a:bodyPr lIns="25560" rIns="11160" tIns="3600" bIns="0" anchor="t">
+                    <a:bodyPr lIns="25560" rIns="11160" anchor="t">
                       <a:noAutofit/>
                     </a:bodyPr>
                     <a:p>
@@ -12829,7 +12412,7 @@
                 </a:tc>
                 <a:tc>
                   <a:txBody>
-                    <a:bodyPr lIns="25560" rIns="11160" tIns="3600" bIns="0" anchor="t">
+                    <a:bodyPr lIns="25560" rIns="11160" anchor="t">
                       <a:noAutofit/>
                     </a:bodyPr>
                     <a:p>
@@ -12885,7 +12468,7 @@
                 </a:tc>
                 <a:tc>
                   <a:txBody>
-                    <a:bodyPr lIns="25560" rIns="11160" tIns="3600" bIns="0" anchor="t">
+                    <a:bodyPr lIns="25560" rIns="11160" anchor="t">
                       <a:noAutofit/>
                     </a:bodyPr>
                     <a:p>
@@ -12939,7 +12522,7 @@
                 </a:tc>
                 <a:tc>
                   <a:txBody>
-                    <a:bodyPr lIns="25560" rIns="11160" tIns="3600" bIns="0" anchor="t">
+                    <a:bodyPr lIns="25560" rIns="11160" anchor="t">
                       <a:noAutofit/>
                     </a:bodyPr>
                     <a:p>
@@ -12993,7 +12576,7 @@
                 </a:tc>
                 <a:tc>
                   <a:txBody>
-                    <a:bodyPr lIns="25560" rIns="11160" tIns="3600" bIns="0" anchor="t">
+                    <a:bodyPr lIns="25560" rIns="11160" anchor="t">
                       <a:noAutofit/>
                     </a:bodyPr>
                     <a:p>
@@ -13047,7 +12630,7 @@
                 </a:tc>
                 <a:tc>
                   <a:txBody>
-                    <a:bodyPr lIns="25560" rIns="11160" tIns="3600" bIns="0" anchor="t">
+                    <a:bodyPr lIns="25560" rIns="11160" anchor="t">
                       <a:noAutofit/>
                     </a:bodyPr>
                     <a:p>
@@ -13101,7 +12684,7 @@
                 </a:tc>
                 <a:tc>
                   <a:txBody>
-                    <a:bodyPr lIns="25560" rIns="11160" tIns="3600" bIns="0" anchor="t">
+                    <a:bodyPr lIns="25560" rIns="11160" anchor="t">
                       <a:noAutofit/>
                     </a:bodyPr>
                     <a:p>
@@ -13155,7 +12738,7 @@
                 </a:tc>
                 <a:tc>
                   <a:txBody>
-                    <a:bodyPr lIns="25560" rIns="11160" tIns="3600" bIns="0" anchor="t">
+                    <a:bodyPr lIns="25560" rIns="11160" anchor="t">
                       <a:noAutofit/>
                     </a:bodyPr>
                     <a:p>
@@ -13209,7 +12792,7 @@
                 </a:tc>
                 <a:tc>
                   <a:txBody>
-                    <a:bodyPr lIns="25560" rIns="11160" tIns="3600" bIns="0" anchor="t">
+                    <a:bodyPr lIns="25560" rIns="11160" anchor="t">
                       <a:noAutofit/>
                     </a:bodyPr>
                     <a:p>
@@ -13263,7 +12846,7 @@
                 </a:tc>
                 <a:tc>
                   <a:txBody>
-                    <a:bodyPr lIns="25560" rIns="11160" tIns="3600" bIns="0" anchor="t">
+                    <a:bodyPr lIns="25560" rIns="11160" anchor="t">
                       <a:noAutofit/>
                     </a:bodyPr>
                     <a:p>
@@ -13316,10 +12899,10 @@
                   </a:tcPr>
                 </a:tc>
               </a:tr>
-              <a:tr h="390240">
+              <a:tr h="407880">
                 <a:tc>
                   <a:txBody>
-                    <a:bodyPr lIns="25560" rIns="11160" tIns="3600" bIns="0" anchor="t">
+                    <a:bodyPr lIns="25560" rIns="11160" anchor="t">
                       <a:noAutofit/>
                     </a:bodyPr>
                     <a:p>
@@ -13373,7 +12956,7 @@
                 </a:tc>
                 <a:tc>
                   <a:txBody>
-                    <a:bodyPr lIns="25560" rIns="11160" tIns="3600" bIns="0" anchor="t">
+                    <a:bodyPr lIns="25560" rIns="11160" anchor="t">
                       <a:noAutofit/>
                     </a:bodyPr>
                     <a:p>
@@ -13427,7 +13010,7 @@
                 </a:tc>
                 <a:tc>
                   <a:txBody>
-                    <a:bodyPr lIns="25560" rIns="11160" tIns="3600" bIns="0" anchor="t">
+                    <a:bodyPr lIns="25560" rIns="11160" anchor="t">
                       <a:noAutofit/>
                     </a:bodyPr>
                     <a:p>
@@ -13481,7 +13064,7 @@
                 </a:tc>
                 <a:tc>
                   <a:txBody>
-                    <a:bodyPr lIns="25560" rIns="11160" tIns="3600" bIns="0" anchor="t">
+                    <a:bodyPr lIns="25560" rIns="11160" anchor="t">
                       <a:noAutofit/>
                     </a:bodyPr>
                     <a:p>
@@ -13535,7 +13118,7 @@
                 </a:tc>
                 <a:tc>
                   <a:txBody>
-                    <a:bodyPr lIns="25560" rIns="11160" tIns="3600" bIns="0" anchor="t">
+                    <a:bodyPr lIns="25560" rIns="11160" anchor="t">
                       <a:noAutofit/>
                     </a:bodyPr>
                     <a:p>
@@ -13589,7 +13172,7 @@
                 </a:tc>
                 <a:tc>
                   <a:txBody>
-                    <a:bodyPr lIns="25560" rIns="11160" tIns="3600" bIns="0" anchor="t">
+                    <a:bodyPr lIns="25560" rIns="11160" anchor="t">
                       <a:noAutofit/>
                     </a:bodyPr>
                     <a:p>
@@ -13645,7 +13228,7 @@
                 </a:tc>
                 <a:tc>
                   <a:txBody>
-                    <a:bodyPr lIns="25560" rIns="11160" tIns="3600" bIns="0" anchor="t">
+                    <a:bodyPr lIns="25560" rIns="11160" anchor="t">
                       <a:noAutofit/>
                     </a:bodyPr>
                     <a:p>
@@ -13699,7 +13282,7 @@
                 </a:tc>
                 <a:tc>
                   <a:txBody>
-                    <a:bodyPr lIns="25560" rIns="11160" tIns="3600" bIns="0" anchor="t">
+                    <a:bodyPr lIns="25560" rIns="11160" anchor="t">
                       <a:noAutofit/>
                     </a:bodyPr>
                     <a:p>
@@ -13753,7 +13336,7 @@
                 </a:tc>
                 <a:tc>
                   <a:txBody>
-                    <a:bodyPr lIns="25560" rIns="11160" tIns="3600" bIns="0" anchor="t">
+                    <a:bodyPr lIns="25560" rIns="11160" anchor="t">
                       <a:noAutofit/>
                     </a:bodyPr>
                     <a:p>
@@ -13807,7 +13390,7 @@
                 </a:tc>
                 <a:tc>
                   <a:txBody>
-                    <a:bodyPr lIns="25560" rIns="11160" tIns="3600" bIns="0" anchor="t">
+                    <a:bodyPr lIns="25560" rIns="11160" anchor="t">
                       <a:noAutofit/>
                     </a:bodyPr>
                     <a:p>
@@ -13861,7 +13444,7 @@
                 </a:tc>
                 <a:tc>
                   <a:txBody>
-                    <a:bodyPr lIns="25560" rIns="11160" tIns="3600" bIns="0" anchor="t">
+                    <a:bodyPr lIns="25560" rIns="11160" anchor="t">
                       <a:noAutofit/>
                     </a:bodyPr>
                     <a:p>
@@ -13915,7 +13498,7 @@
                 </a:tc>
                 <a:tc>
                   <a:txBody>
-                    <a:bodyPr lIns="25560" rIns="11160" tIns="3600" bIns="0" anchor="t">
+                    <a:bodyPr lIns="25560" rIns="11160" anchor="t">
                       <a:noAutofit/>
                     </a:bodyPr>
                     <a:p>
@@ -13969,7 +13552,7 @@
                 </a:tc>
                 <a:tc>
                   <a:txBody>
-                    <a:bodyPr lIns="25560" rIns="11160" tIns="3600" bIns="0" anchor="t">
+                    <a:bodyPr lIns="25560" rIns="11160" anchor="t">
                       <a:noAutofit/>
                     </a:bodyPr>
                     <a:p>
@@ -14022,10 +13605,10 @@
                   </a:tcPr>
                 </a:tc>
               </a:tr>
-              <a:tr h="391680">
+              <a:tr h="407880">
                 <a:tc>
                   <a:txBody>
-                    <a:bodyPr lIns="25560" rIns="11160" tIns="3600" bIns="0" anchor="t">
+                    <a:bodyPr lIns="25560" rIns="11160" anchor="t">
                       <a:noAutofit/>
                     </a:bodyPr>
                     <a:p>
@@ -14079,7 +13662,7 @@
                 </a:tc>
                 <a:tc>
                   <a:txBody>
-                    <a:bodyPr lIns="25560" rIns="11160" tIns="3600" bIns="0" anchor="t">
+                    <a:bodyPr lIns="25560" rIns="11160" anchor="t">
                       <a:noAutofit/>
                     </a:bodyPr>
                     <a:p>
@@ -14133,7 +13716,7 @@
                 </a:tc>
                 <a:tc>
                   <a:txBody>
-                    <a:bodyPr lIns="25560" rIns="11160" tIns="3600" bIns="0" anchor="t">
+                    <a:bodyPr lIns="25560" rIns="11160" anchor="t">
                       <a:noAutofit/>
                     </a:bodyPr>
                     <a:p>
@@ -14187,7 +13770,7 @@
                 </a:tc>
                 <a:tc>
                   <a:txBody>
-                    <a:bodyPr lIns="25560" rIns="11160" tIns="3600" bIns="0" anchor="t">
+                    <a:bodyPr lIns="25560" rIns="11160" anchor="t">
                       <a:noAutofit/>
                     </a:bodyPr>
                     <a:p>
@@ -14241,7 +13824,7 @@
                 </a:tc>
                 <a:tc>
                   <a:txBody>
-                    <a:bodyPr lIns="25560" rIns="11160" tIns="3600" bIns="0" anchor="t">
+                    <a:bodyPr lIns="25560" rIns="11160" anchor="t">
                       <a:noAutofit/>
                     </a:bodyPr>
                     <a:p>
@@ -14295,7 +13878,7 @@
                 </a:tc>
                 <a:tc>
                   <a:txBody>
-                    <a:bodyPr lIns="25560" rIns="11160" tIns="3600" bIns="0" anchor="t">
+                    <a:bodyPr lIns="25560" rIns="11160" anchor="t">
                       <a:noAutofit/>
                     </a:bodyPr>
                     <a:p>
@@ -14349,7 +13932,7 @@
                 </a:tc>
                 <a:tc>
                   <a:txBody>
-                    <a:bodyPr lIns="25560" rIns="11160" tIns="3600" bIns="0" anchor="t">
+                    <a:bodyPr lIns="25560" rIns="11160" anchor="t">
                       <a:noAutofit/>
                     </a:bodyPr>
                     <a:p>
@@ -14405,7 +13988,7 @@
                 </a:tc>
                 <a:tc>
                   <a:txBody>
-                    <a:bodyPr lIns="25560" rIns="11160" tIns="3600" bIns="0" anchor="t">
+                    <a:bodyPr lIns="25560" rIns="11160" anchor="t">
                       <a:noAutofit/>
                     </a:bodyPr>
                     <a:p>
@@ -14459,7 +14042,7 @@
                 </a:tc>
                 <a:tc>
                   <a:txBody>
-                    <a:bodyPr lIns="25560" rIns="11160" tIns="3600" bIns="0" anchor="t">
+                    <a:bodyPr lIns="25560" rIns="11160" anchor="t">
                       <a:noAutofit/>
                     </a:bodyPr>
                     <a:p>
@@ -14513,7 +14096,7 @@
                 </a:tc>
                 <a:tc>
                   <a:txBody>
-                    <a:bodyPr lIns="25560" rIns="11160" tIns="3600" bIns="0" anchor="t">
+                    <a:bodyPr lIns="25560" rIns="11160" anchor="t">
                       <a:noAutofit/>
                     </a:bodyPr>
                     <a:p>
@@ -14567,7 +14150,7 @@
                 </a:tc>
                 <a:tc>
                   <a:txBody>
-                    <a:bodyPr lIns="25560" rIns="11160" tIns="3600" bIns="0" anchor="t">
+                    <a:bodyPr lIns="25560" rIns="11160" anchor="t">
                       <a:noAutofit/>
                     </a:bodyPr>
                     <a:p>
@@ -14621,7 +14204,7 @@
                 </a:tc>
                 <a:tc>
                   <a:txBody>
-                    <a:bodyPr lIns="25560" rIns="11160" tIns="3600" bIns="0" anchor="t">
+                    <a:bodyPr lIns="25560" rIns="11160" anchor="t">
                       <a:noAutofit/>
                     </a:bodyPr>
                     <a:p>
@@ -14675,7 +14258,7 @@
                 </a:tc>
                 <a:tc>
                   <a:txBody>
-                    <a:bodyPr lIns="25560" rIns="11160" tIns="3600" bIns="0" anchor="t">
+                    <a:bodyPr lIns="25560" rIns="11160" anchor="t">
                       <a:noAutofit/>
                     </a:bodyPr>
                     <a:p>
@@ -14731,7 +14314,7 @@
               <a:tr h="288720">
                 <a:tc>
                   <a:txBody>
-                    <a:bodyPr lIns="25560" rIns="11160" tIns="3600" bIns="0" anchor="t">
+                    <a:bodyPr lIns="25560" rIns="11160" anchor="t">
                       <a:noAutofit/>
                     </a:bodyPr>
                     <a:p>
@@ -14785,7 +14368,7 @@
                 </a:tc>
                 <a:tc>
                   <a:txBody>
-                    <a:bodyPr lIns="25560" rIns="11160" tIns="3600" bIns="0" anchor="t">
+                    <a:bodyPr lIns="25560" rIns="11160" anchor="t">
                       <a:noAutofit/>
                     </a:bodyPr>
                     <a:p>
@@ -14839,7 +14422,7 @@
                 </a:tc>
                 <a:tc>
                   <a:txBody>
-                    <a:bodyPr lIns="25560" rIns="11160" tIns="3600" bIns="0" anchor="t">
+                    <a:bodyPr lIns="25560" rIns="11160" anchor="t">
                       <a:noAutofit/>
                     </a:bodyPr>
                     <a:p>
@@ -14893,7 +14476,7 @@
                 </a:tc>
                 <a:tc>
                   <a:txBody>
-                    <a:bodyPr lIns="25560" rIns="11160" tIns="3600" bIns="0" anchor="t">
+                    <a:bodyPr lIns="25560" rIns="11160" anchor="t">
                       <a:noAutofit/>
                     </a:bodyPr>
                     <a:p>
@@ -14947,7 +14530,7 @@
                 </a:tc>
                 <a:tc>
                   <a:txBody>
-                    <a:bodyPr lIns="25560" rIns="11160" tIns="3600" bIns="0" anchor="t">
+                    <a:bodyPr lIns="25560" rIns="11160" anchor="t">
                       <a:noAutofit/>
                     </a:bodyPr>
                     <a:p>
@@ -15001,7 +14584,7 @@
                 </a:tc>
                 <a:tc>
                   <a:txBody>
-                    <a:bodyPr lIns="25560" rIns="11160" tIns="3600" bIns="0" anchor="t">
+                    <a:bodyPr lIns="25560" rIns="11160" anchor="t">
                       <a:noAutofit/>
                     </a:bodyPr>
                     <a:p>
@@ -15055,7 +14638,7 @@
                 </a:tc>
                 <a:tc>
                   <a:txBody>
-                    <a:bodyPr lIns="25560" rIns="11160" tIns="3600" bIns="0" anchor="t">
+                    <a:bodyPr lIns="25560" rIns="11160" anchor="t">
                       <a:noAutofit/>
                     </a:bodyPr>
                     <a:p>
@@ -15109,7 +14692,7 @@
                 </a:tc>
                 <a:tc>
                   <a:txBody>
-                    <a:bodyPr lIns="25560" rIns="11160" tIns="3600" bIns="0" anchor="t">
+                    <a:bodyPr lIns="25560" rIns="11160" anchor="t">
                       <a:noAutofit/>
                     </a:bodyPr>
                     <a:p>
@@ -15165,7 +14748,7 @@
                 </a:tc>
                 <a:tc>
                   <a:txBody>
-                    <a:bodyPr lIns="25560" rIns="11160" tIns="3600" bIns="0" anchor="t">
+                    <a:bodyPr lIns="25560" rIns="11160" anchor="t">
                       <a:noAutofit/>
                     </a:bodyPr>
                     <a:p>
@@ -15219,7 +14802,7 @@
                 </a:tc>
                 <a:tc>
                   <a:txBody>
-                    <a:bodyPr lIns="25560" rIns="11160" tIns="3600" bIns="0" anchor="t">
+                    <a:bodyPr lIns="25560" rIns="11160" anchor="t">
                       <a:noAutofit/>
                     </a:bodyPr>
                     <a:p>
@@ -15273,7 +14856,7 @@
                 </a:tc>
                 <a:tc>
                   <a:txBody>
-                    <a:bodyPr lIns="25560" rIns="11160" tIns="3600" bIns="0" anchor="t">
+                    <a:bodyPr lIns="25560" rIns="11160" anchor="t">
                       <a:noAutofit/>
                     </a:bodyPr>
                     <a:p>
@@ -15327,7 +14910,7 @@
                 </a:tc>
                 <a:tc>
                   <a:txBody>
-                    <a:bodyPr lIns="25560" rIns="11160" tIns="3600" bIns="0" anchor="t">
+                    <a:bodyPr lIns="25560" rIns="11160" anchor="t">
                       <a:noAutofit/>
                     </a:bodyPr>
                     <a:p>
@@ -15381,7 +14964,7 @@
                 </a:tc>
                 <a:tc>
                   <a:txBody>
-                    <a:bodyPr lIns="25560" rIns="11160" tIns="3600" bIns="0" anchor="t">
+                    <a:bodyPr lIns="25560" rIns="11160" anchor="t">
                       <a:noAutofit/>
                     </a:bodyPr>
                     <a:p>
@@ -15437,7 +15020,7 @@
               <a:tr h="408240">
                 <a:tc>
                   <a:txBody>
-                    <a:bodyPr lIns="25560" rIns="11160" tIns="3600" bIns="0" anchor="t">
+                    <a:bodyPr lIns="25560" rIns="11160" anchor="t">
                       <a:noAutofit/>
                     </a:bodyPr>
                     <a:p>
@@ -15491,7 +15074,7 @@
                 </a:tc>
                 <a:tc>
                   <a:txBody>
-                    <a:bodyPr lIns="25560" rIns="11160" tIns="3600" bIns="0" anchor="t">
+                    <a:bodyPr lIns="25560" rIns="11160" anchor="t">
                       <a:noAutofit/>
                     </a:bodyPr>
                     <a:p>
@@ -15545,7 +15128,7 @@
                 </a:tc>
                 <a:tc>
                   <a:txBody>
-                    <a:bodyPr lIns="25560" rIns="11160" tIns="3600" bIns="0" anchor="t">
+                    <a:bodyPr lIns="25560" rIns="11160" anchor="t">
                       <a:noAutofit/>
                     </a:bodyPr>
                     <a:p>
@@ -15599,7 +15182,7 @@
                 </a:tc>
                 <a:tc>
                   <a:txBody>
-                    <a:bodyPr lIns="25560" rIns="11160" tIns="3600" bIns="0" anchor="t">
+                    <a:bodyPr lIns="25560" rIns="11160" anchor="t">
                       <a:noAutofit/>
                     </a:bodyPr>
                     <a:p>
@@ -15653,7 +15236,7 @@
                 </a:tc>
                 <a:tc>
                   <a:txBody>
-                    <a:bodyPr lIns="25560" rIns="11160" tIns="3600" bIns="0" anchor="t">
+                    <a:bodyPr lIns="25560" rIns="11160" anchor="t">
                       <a:noAutofit/>
                     </a:bodyPr>
                     <a:p>
@@ -15707,7 +15290,7 @@
                 </a:tc>
                 <a:tc>
                   <a:txBody>
-                    <a:bodyPr lIns="25560" rIns="11160" tIns="3600" bIns="0" anchor="t">
+                    <a:bodyPr lIns="25560" rIns="11160" anchor="t">
                       <a:noAutofit/>
                     </a:bodyPr>
                     <a:p>
@@ -15761,7 +15344,7 @@
                 </a:tc>
                 <a:tc>
                   <a:txBody>
-                    <a:bodyPr lIns="25560" rIns="11160" tIns="3600" bIns="0" anchor="t">
+                    <a:bodyPr lIns="25560" rIns="11160" anchor="t">
                       <a:noAutofit/>
                     </a:bodyPr>
                     <a:p>
@@ -15815,7 +15398,7 @@
                 </a:tc>
                 <a:tc>
                   <a:txBody>
-                    <a:bodyPr lIns="25560" rIns="11160" tIns="3600" bIns="0" anchor="t">
+                    <a:bodyPr lIns="25560" rIns="11160" anchor="t">
                       <a:noAutofit/>
                     </a:bodyPr>
                     <a:p>
@@ -15869,7 +15452,7 @@
                 </a:tc>
                 <a:tc>
                   <a:txBody>
-                    <a:bodyPr lIns="25560" rIns="11160" tIns="3600" bIns="0" anchor="t">
+                    <a:bodyPr lIns="25560" rIns="11160" anchor="t">
                       <a:noAutofit/>
                     </a:bodyPr>
                     <a:p>
@@ -15925,7 +15508,7 @@
                 </a:tc>
                 <a:tc>
                   <a:txBody>
-                    <a:bodyPr lIns="25560" rIns="11160" tIns="3600" bIns="0" anchor="t">
+                    <a:bodyPr lIns="25560" rIns="11160" anchor="t">
                       <a:noAutofit/>
                     </a:bodyPr>
                     <a:p>
@@ -15979,7 +15562,7 @@
                 </a:tc>
                 <a:tc>
                   <a:txBody>
-                    <a:bodyPr lIns="25560" rIns="11160" tIns="3600" bIns="0" anchor="t">
+                    <a:bodyPr lIns="25560" rIns="11160" anchor="t">
                       <a:noAutofit/>
                     </a:bodyPr>
                     <a:p>
@@ -16033,7 +15616,7 @@
                 </a:tc>
                 <a:tc>
                   <a:txBody>
-                    <a:bodyPr lIns="25560" rIns="11160" tIns="3600" bIns="0" anchor="t">
+                    <a:bodyPr lIns="25560" rIns="11160" anchor="t">
                       <a:noAutofit/>
                     </a:bodyPr>
                     <a:p>
@@ -16087,7 +15670,7 @@
                 </a:tc>
                 <a:tc>
                   <a:txBody>
-                    <a:bodyPr lIns="25560" rIns="11160" tIns="3600" bIns="0" anchor="t">
+                    <a:bodyPr lIns="25560" rIns="11160" anchor="t">
                       <a:noAutofit/>
                     </a:bodyPr>
                     <a:p>
@@ -16140,10 +15723,10 @@
                   </a:tcPr>
                 </a:tc>
               </a:tr>
-              <a:tr h="219960">
+              <a:tr h="249840">
                 <a:tc>
                   <a:txBody>
-                    <a:bodyPr lIns="25560" rIns="11160" tIns="3600" bIns="0" anchor="t">
+                    <a:bodyPr lIns="25560" rIns="11160" anchor="t">
                       <a:noAutofit/>
                     </a:bodyPr>
                     <a:p>
@@ -16197,7 +15780,7 @@
                 </a:tc>
                 <a:tc>
                   <a:txBody>
-                    <a:bodyPr lIns="25560" rIns="11160" tIns="3600" bIns="0" anchor="t">
+                    <a:bodyPr lIns="25560" rIns="11160" anchor="t">
                       <a:noAutofit/>
                     </a:bodyPr>
                     <a:p>
@@ -16251,7 +15834,7 @@
                 </a:tc>
                 <a:tc>
                   <a:txBody>
-                    <a:bodyPr lIns="25560" rIns="11160" tIns="3600" bIns="0" anchor="t">
+                    <a:bodyPr lIns="25560" rIns="11160" anchor="t">
                       <a:noAutofit/>
                     </a:bodyPr>
                     <a:p>
@@ -16305,7 +15888,7 @@
                 </a:tc>
                 <a:tc>
                   <a:txBody>
-                    <a:bodyPr lIns="25560" rIns="11160" tIns="3600" bIns="0" anchor="t">
+                    <a:bodyPr lIns="25560" rIns="11160" anchor="t">
                       <a:noAutofit/>
                     </a:bodyPr>
                     <a:p>
@@ -16359,7 +15942,7 @@
                 </a:tc>
                 <a:tc>
                   <a:txBody>
-                    <a:bodyPr lIns="25560" rIns="11160" tIns="3600" bIns="0" anchor="t">
+                    <a:bodyPr lIns="25560" rIns="11160" anchor="t">
                       <a:noAutofit/>
                     </a:bodyPr>
                     <a:p>
@@ -16413,7 +15996,7 @@
                 </a:tc>
                 <a:tc>
                   <a:txBody>
-                    <a:bodyPr lIns="25560" rIns="11160" tIns="3600" bIns="0" anchor="t">
+                    <a:bodyPr lIns="25560" rIns="11160" anchor="t">
                       <a:noAutofit/>
                     </a:bodyPr>
                     <a:p>
@@ -16467,7 +16050,7 @@
                 </a:tc>
                 <a:tc>
                   <a:txBody>
-                    <a:bodyPr lIns="25560" rIns="11160" tIns="3600" bIns="0" anchor="t">
+                    <a:bodyPr lIns="25560" rIns="11160" anchor="t">
                       <a:noAutofit/>
                     </a:bodyPr>
                     <a:p>
@@ -16521,7 +16104,7 @@
                 </a:tc>
                 <a:tc>
                   <a:txBody>
-                    <a:bodyPr lIns="25560" rIns="11160" tIns="3600" bIns="0" anchor="t">
+                    <a:bodyPr lIns="25560" rIns="11160" anchor="t">
                       <a:noAutofit/>
                     </a:bodyPr>
                     <a:p>
@@ -16575,7 +16158,7 @@
                 </a:tc>
                 <a:tc>
                   <a:txBody>
-                    <a:bodyPr lIns="25560" rIns="11160" tIns="3600" bIns="0" anchor="t">
+                    <a:bodyPr lIns="25560" rIns="11160" anchor="t">
                       <a:noAutofit/>
                     </a:bodyPr>
                     <a:p>
@@ -16629,7 +16212,7 @@
                 </a:tc>
                 <a:tc>
                   <a:txBody>
-                    <a:bodyPr lIns="25560" rIns="11160" tIns="3600" bIns="0" anchor="t">
+                    <a:bodyPr lIns="25560" rIns="11160" anchor="t">
                       <a:noAutofit/>
                     </a:bodyPr>
                     <a:p>
@@ -16685,7 +16268,7 @@
                 </a:tc>
                 <a:tc>
                   <a:txBody>
-                    <a:bodyPr lIns="25560" rIns="11160" tIns="3600" bIns="0" anchor="t">
+                    <a:bodyPr lIns="25560" rIns="11160" anchor="t">
                       <a:noAutofit/>
                     </a:bodyPr>
                     <a:p>
@@ -16739,7 +16322,7 @@
                 </a:tc>
                 <a:tc>
                   <a:txBody>
-                    <a:bodyPr lIns="25560" rIns="11160" tIns="3600" bIns="0" anchor="t">
+                    <a:bodyPr lIns="25560" rIns="11160" anchor="t">
                       <a:noAutofit/>
                     </a:bodyPr>
                     <a:p>
@@ -16793,7 +16376,7 @@
                 </a:tc>
                 <a:tc>
                   <a:txBody>
-                    <a:bodyPr lIns="25560" rIns="11160" tIns="3600" bIns="0" anchor="t">
+                    <a:bodyPr lIns="25560" rIns="11160" anchor="t">
                       <a:noAutofit/>
                     </a:bodyPr>
                     <a:p>
@@ -16846,10 +16429,10 @@
                   </a:tcPr>
                 </a:tc>
               </a:tr>
-              <a:tr h="320040">
+              <a:tr h="407880">
                 <a:tc>
                   <a:txBody>
-                    <a:bodyPr lIns="25560" rIns="11160" tIns="3600" bIns="0" anchor="t">
+                    <a:bodyPr lIns="25560" rIns="11160" anchor="t">
                       <a:noAutofit/>
                     </a:bodyPr>
                     <a:p>
@@ -16903,7 +16486,7 @@
                 </a:tc>
                 <a:tc>
                   <a:txBody>
-                    <a:bodyPr lIns="25560" rIns="11160" tIns="3600" bIns="0" anchor="t">
+                    <a:bodyPr lIns="25560" rIns="11160" anchor="t">
                       <a:noAutofit/>
                     </a:bodyPr>
                     <a:p>
@@ -16957,7 +16540,7 @@
                 </a:tc>
                 <a:tc>
                   <a:txBody>
-                    <a:bodyPr lIns="25560" rIns="11160" tIns="3600" bIns="0" anchor="t">
+                    <a:bodyPr lIns="25560" rIns="11160" anchor="t">
                       <a:noAutofit/>
                     </a:bodyPr>
                     <a:p>
@@ -17011,7 +16594,7 @@
                 </a:tc>
                 <a:tc>
                   <a:txBody>
-                    <a:bodyPr lIns="25560" rIns="11160" tIns="3600" bIns="0" anchor="t">
+                    <a:bodyPr lIns="25560" rIns="11160" anchor="t">
                       <a:noAutofit/>
                     </a:bodyPr>
                     <a:p>
@@ -17065,7 +16648,7 @@
                 </a:tc>
                 <a:tc>
                   <a:txBody>
-                    <a:bodyPr lIns="25560" rIns="11160" tIns="3600" bIns="0" anchor="t">
+                    <a:bodyPr lIns="25560" rIns="11160" anchor="t">
                       <a:noAutofit/>
                     </a:bodyPr>
                     <a:p>
@@ -17119,7 +16702,7 @@
                 </a:tc>
                 <a:tc>
                   <a:txBody>
-                    <a:bodyPr lIns="25560" rIns="11160" tIns="3600" bIns="0" anchor="t">
+                    <a:bodyPr lIns="25560" rIns="11160" anchor="t">
                       <a:noAutofit/>
                     </a:bodyPr>
                     <a:p>
@@ -17173,7 +16756,7 @@
                 </a:tc>
                 <a:tc>
                   <a:txBody>
-                    <a:bodyPr lIns="25560" rIns="11160" tIns="3600" bIns="0" anchor="t">
+                    <a:bodyPr lIns="25560" rIns="11160" anchor="t">
                       <a:noAutofit/>
                     </a:bodyPr>
                     <a:p>
@@ -17227,7 +16810,7 @@
                 </a:tc>
                 <a:tc>
                   <a:txBody>
-                    <a:bodyPr lIns="25560" rIns="11160" tIns="3600" bIns="0" anchor="t">
+                    <a:bodyPr lIns="25560" rIns="11160" anchor="t">
                       <a:noAutofit/>
                     </a:bodyPr>
                     <a:p>
@@ -17281,7 +16864,7 @@
                 </a:tc>
                 <a:tc>
                   <a:txBody>
-                    <a:bodyPr lIns="25560" rIns="11160" tIns="3600" bIns="0" anchor="t">
+                    <a:bodyPr lIns="25560" rIns="11160" anchor="t">
                       <a:noAutofit/>
                     </a:bodyPr>
                     <a:p>
@@ -17335,7 +16918,7 @@
                 </a:tc>
                 <a:tc>
                   <a:txBody>
-                    <a:bodyPr lIns="25560" rIns="11160" tIns="3600" bIns="0" anchor="t">
+                    <a:bodyPr lIns="25560" rIns="11160" anchor="t">
                       <a:noAutofit/>
                     </a:bodyPr>
                     <a:p>
@@ -17389,7 +16972,7 @@
                 </a:tc>
                 <a:tc>
                   <a:txBody>
-                    <a:bodyPr lIns="25560" rIns="11160" tIns="3600" bIns="0" anchor="t">
+                    <a:bodyPr lIns="25560" rIns="11160" anchor="t">
                       <a:noAutofit/>
                     </a:bodyPr>
                     <a:p>
@@ -17445,7 +17028,7 @@
                 </a:tc>
                 <a:tc>
                   <a:txBody>
-                    <a:bodyPr lIns="25560" rIns="11160" tIns="3600" bIns="0" anchor="t">
+                    <a:bodyPr lIns="25560" rIns="11160" anchor="t">
                       <a:noAutofit/>
                     </a:bodyPr>
                     <a:p>
@@ -17499,7 +17082,7 @@
                 </a:tc>
                 <a:tc>
                   <a:txBody>
-                    <a:bodyPr lIns="25560" rIns="11160" tIns="3600" bIns="0" anchor="t">
+                    <a:bodyPr lIns="25560" rIns="11160" anchor="t">
                       <a:noAutofit/>
                     </a:bodyPr>
                     <a:p>
@@ -17555,7 +17138,7 @@
               <a:tr h="262080">
                 <a:tc>
                   <a:txBody>
-                    <a:bodyPr lIns="25560" rIns="11160" tIns="3600" bIns="0" anchor="t">
+                    <a:bodyPr lIns="25560" rIns="11160" anchor="t">
                       <a:noAutofit/>
                     </a:bodyPr>
                     <a:p>
@@ -17609,7 +17192,7 @@
                 </a:tc>
                 <a:tc>
                   <a:txBody>
-                    <a:bodyPr lIns="25560" rIns="11160" tIns="3600" bIns="0" anchor="t">
+                    <a:bodyPr lIns="25560" rIns="11160" anchor="t">
                       <a:noAutofit/>
                     </a:bodyPr>
                     <a:p>
@@ -17663,7 +17246,7 @@
                 </a:tc>
                 <a:tc>
                   <a:txBody>
-                    <a:bodyPr lIns="25560" rIns="11160" tIns="3600" bIns="0" anchor="t">
+                    <a:bodyPr lIns="25560" rIns="11160" anchor="t">
                       <a:noAutofit/>
                     </a:bodyPr>
                     <a:p>
@@ -17717,7 +17300,7 @@
                 </a:tc>
                 <a:tc>
                   <a:txBody>
-                    <a:bodyPr lIns="25560" rIns="11160" tIns="3600" bIns="0" anchor="t">
+                    <a:bodyPr lIns="25560" rIns="11160" anchor="t">
                       <a:noAutofit/>
                     </a:bodyPr>
                     <a:p>
@@ -17771,7 +17354,7 @@
                 </a:tc>
                 <a:tc>
                   <a:txBody>
-                    <a:bodyPr lIns="25560" rIns="11160" tIns="3600" bIns="0" anchor="t">
+                    <a:bodyPr lIns="25560" rIns="11160" anchor="t">
                       <a:noAutofit/>
                     </a:bodyPr>
                     <a:p>
@@ -17825,7 +17408,7 @@
                 </a:tc>
                 <a:tc>
                   <a:txBody>
-                    <a:bodyPr lIns="25560" rIns="11160" tIns="3600" bIns="0" anchor="t">
+                    <a:bodyPr lIns="25560" rIns="11160" anchor="t">
                       <a:noAutofit/>
                     </a:bodyPr>
                     <a:p>
@@ -17879,7 +17462,7 @@
                 </a:tc>
                 <a:tc>
                   <a:txBody>
-                    <a:bodyPr lIns="25560" rIns="11160" tIns="3600" bIns="0" anchor="t">
+                    <a:bodyPr lIns="25560" rIns="11160" anchor="t">
                       <a:noAutofit/>
                     </a:bodyPr>
                     <a:p>
@@ -17933,7 +17516,7 @@
                 </a:tc>
                 <a:tc>
                   <a:txBody>
-                    <a:bodyPr lIns="25560" rIns="11160" tIns="3600" bIns="0" anchor="t">
+                    <a:bodyPr lIns="25560" rIns="11160" anchor="t">
                       <a:noAutofit/>
                     </a:bodyPr>
                     <a:p>
@@ -17987,7 +17570,7 @@
                 </a:tc>
                 <a:tc>
                   <a:txBody>
-                    <a:bodyPr lIns="25560" rIns="11160" tIns="3600" bIns="0" anchor="t">
+                    <a:bodyPr lIns="25560" rIns="11160" anchor="t">
                       <a:noAutofit/>
                     </a:bodyPr>
                     <a:p>
@@ -18041,7 +17624,7 @@
                 </a:tc>
                 <a:tc>
                   <a:txBody>
-                    <a:bodyPr lIns="25560" rIns="11160" tIns="3600" bIns="0" anchor="t">
+                    <a:bodyPr lIns="25560" rIns="11160" anchor="t">
                       <a:noAutofit/>
                     </a:bodyPr>
                     <a:p>
@@ -18095,7 +17678,7 @@
                 </a:tc>
                 <a:tc>
                   <a:txBody>
-                    <a:bodyPr lIns="25560" rIns="11160" tIns="3600" bIns="0" anchor="t">
+                    <a:bodyPr lIns="25560" rIns="11160" anchor="t">
                       <a:noAutofit/>
                     </a:bodyPr>
                     <a:p>
@@ -18149,7 +17732,7 @@
                 </a:tc>
                 <a:tc>
                   <a:txBody>
-                    <a:bodyPr lIns="25560" rIns="11160" tIns="3600" bIns="0" anchor="t">
+                    <a:bodyPr lIns="25560" rIns="11160" anchor="t">
                       <a:noAutofit/>
                     </a:bodyPr>
                     <a:p>
@@ -18205,7 +17788,7 @@
                 </a:tc>
                 <a:tc>
                   <a:txBody>
-                    <a:bodyPr lIns="25560" rIns="11160" tIns="3600" bIns="0" anchor="t">
+                    <a:bodyPr lIns="25560" rIns="11160" anchor="t">
                       <a:noAutofit/>
                     </a:bodyPr>
                     <a:p>
@@ -18258,10 +17841,10 @@
                   </a:tcPr>
                 </a:tc>
               </a:tr>
-              <a:tr h="180720">
+              <a:tr h="249840">
                 <a:tc>
                   <a:txBody>
-                    <a:bodyPr lIns="25560" rIns="11160" tIns="3600" bIns="0" anchor="t">
+                    <a:bodyPr lIns="25560" rIns="11160" anchor="t">
                       <a:noAutofit/>
                     </a:bodyPr>
                     <a:p>
@@ -18315,7 +17898,7 @@
                 </a:tc>
                 <a:tc>
                   <a:txBody>
-                    <a:bodyPr lIns="25560" rIns="11160" tIns="3600" bIns="0" anchor="t">
+                    <a:bodyPr lIns="25560" rIns="11160" anchor="t">
                       <a:noAutofit/>
                     </a:bodyPr>
                     <a:p>
@@ -18369,7 +17952,7 @@
                 </a:tc>
                 <a:tc>
                   <a:txBody>
-                    <a:bodyPr lIns="25560" rIns="11160" tIns="3600" bIns="0" anchor="t">
+                    <a:bodyPr lIns="25560" rIns="11160" anchor="t">
                       <a:noAutofit/>
                     </a:bodyPr>
                     <a:p>
@@ -18423,7 +18006,7 @@
                 </a:tc>
                 <a:tc>
                   <a:txBody>
-                    <a:bodyPr lIns="25560" rIns="11160" tIns="3600" bIns="0" anchor="t">
+                    <a:bodyPr lIns="25560" rIns="11160" anchor="t">
                       <a:noAutofit/>
                     </a:bodyPr>
                     <a:p>
@@ -18477,7 +18060,7 @@
                 </a:tc>
                 <a:tc>
                   <a:txBody>
-                    <a:bodyPr lIns="25560" rIns="11160" tIns="3600" bIns="0" anchor="t">
+                    <a:bodyPr lIns="25560" rIns="11160" anchor="t">
                       <a:noAutofit/>
                     </a:bodyPr>
                     <a:p>
@@ -18531,7 +18114,7 @@
                 </a:tc>
                 <a:tc>
                   <a:txBody>
-                    <a:bodyPr lIns="25560" rIns="11160" tIns="3600" bIns="0" anchor="t">
+                    <a:bodyPr lIns="25560" rIns="11160" anchor="t">
                       <a:noAutofit/>
                     </a:bodyPr>
                     <a:p>
@@ -18585,7 +18168,7 @@
                 </a:tc>
                 <a:tc>
                   <a:txBody>
-                    <a:bodyPr lIns="25560" rIns="11160" tIns="3600" bIns="0" anchor="t">
+                    <a:bodyPr lIns="25560" rIns="11160" anchor="t">
                       <a:noAutofit/>
                     </a:bodyPr>
                     <a:p>
@@ -18639,7 +18222,7 @@
                 </a:tc>
                 <a:tc>
                   <a:txBody>
-                    <a:bodyPr lIns="25560" rIns="11160" tIns="3600" bIns="0" anchor="t">
+                    <a:bodyPr lIns="25560" rIns="11160" anchor="t">
                       <a:noAutofit/>
                     </a:bodyPr>
                     <a:p>
@@ -18693,7 +18276,7 @@
                 </a:tc>
                 <a:tc>
                   <a:txBody>
-                    <a:bodyPr lIns="25560" rIns="11160" tIns="3600" bIns="0" anchor="t">
+                    <a:bodyPr lIns="25560" rIns="11160" anchor="t">
                       <a:noAutofit/>
                     </a:bodyPr>
                     <a:p>
@@ -18747,7 +18330,7 @@
                 </a:tc>
                 <a:tc>
                   <a:txBody>
-                    <a:bodyPr lIns="25560" rIns="11160" tIns="3600" bIns="0" anchor="t">
+                    <a:bodyPr lIns="25560" rIns="11160" anchor="t">
                       <a:noAutofit/>
                     </a:bodyPr>
                     <a:p>
@@ -18801,7 +18384,7 @@
                 </a:tc>
                 <a:tc>
                   <a:txBody>
-                    <a:bodyPr lIns="25560" rIns="11160" tIns="3600" bIns="0" anchor="t">
+                    <a:bodyPr lIns="25560" rIns="11160" anchor="t">
                       <a:noAutofit/>
                     </a:bodyPr>
                     <a:p>
@@ -18855,7 +18438,7 @@
                 </a:tc>
                 <a:tc>
                   <a:txBody>
-                    <a:bodyPr lIns="25560" rIns="11160" tIns="3600" bIns="0" anchor="t">
+                    <a:bodyPr lIns="25560" rIns="11160" anchor="t">
                       <a:noAutofit/>
                     </a:bodyPr>
                     <a:p>
@@ -18909,7 +18492,7 @@
                 </a:tc>
                 <a:tc>
                   <a:txBody>
-                    <a:bodyPr lIns="25560" rIns="11160" tIns="3600" bIns="0" anchor="t">
+                    <a:bodyPr lIns="25560" rIns="11160" anchor="t">
                       <a:noAutofit/>
                     </a:bodyPr>
                     <a:p>
@@ -19011,7 +18594,7 @@
         <p:spPr>
           <a:xfrm>
             <a:off x="1655640" y="1186200"/>
-            <a:ext cx="6054480" cy="3743640"/>
+            <a:ext cx="6054120" cy="3743280"/>
           </a:xfrm>
           <a:prstGeom prst="rect">
             <a:avLst/>
@@ -19064,7 +18647,7 @@
         <p:spPr>
           <a:xfrm>
             <a:off x="704880" y="1051200"/>
-            <a:ext cx="7733880" cy="520200"/>
+            <a:ext cx="7733520" cy="519840"/>
           </a:xfrm>
           <a:prstGeom prst="rect">
             <a:avLst/>
@@ -19096,9 +18679,6 @@
               <a:t>Introduction</a:t>
             </a:r>
             <a:endParaRPr b="0" lang="en-US" sz="3200" spc="-1" strike="noStrike">
-              <a:solidFill>
-                <a:srgbClr val="000000"/>
-              </a:solidFill>
               <a:latin typeface="Arial"/>
             </a:endParaRPr>
           </a:p>
@@ -19117,7 +18697,7 @@
         <p:spPr>
           <a:xfrm>
             <a:off x="0" y="1433520"/>
-            <a:ext cx="9143640" cy="3709800"/>
+            <a:ext cx="9143280" cy="3709440"/>
           </a:xfrm>
           <a:prstGeom prst="rect">
             <a:avLst/>
@@ -19156,9 +18736,6 @@
               <a:t>The banking sector's stability and profitability hinge upon effective credit risk management, a critical process in assessing and mitigating potential lending risks. Innovative strategies are imperative to sustain secure lending practices inTanzania banking sector. Despite this, non-performing loan ratios persistently exceed the desired threshold set by regulatory authorities. Machine learning, a subset of artificial intelligence, offers a transformative approach to credit risk assessment. By harnessing predictive modeling techniques, it enables data-driven, accurate risk evaluations.</a:t>
             </a:r>
             <a:endParaRPr b="0" lang="en-US" sz="2400" spc="-1" strike="noStrike">
-              <a:solidFill>
-                <a:srgbClr val="000000"/>
-              </a:solidFill>
               <a:latin typeface="Arial"/>
             </a:endParaRPr>
           </a:p>
@@ -19207,7 +18784,7 @@
         <p:spPr>
           <a:xfrm>
             <a:off x="704880" y="1051200"/>
-            <a:ext cx="7733880" cy="520200"/>
+            <a:ext cx="7733520" cy="519840"/>
           </a:xfrm>
           <a:prstGeom prst="rect">
             <a:avLst/>
@@ -19239,9 +18816,6 @@
               <a:t>Statement of the problem</a:t>
             </a:r>
             <a:endParaRPr b="0" lang="en-US" sz="3100" spc="-1" strike="noStrike">
-              <a:solidFill>
-                <a:srgbClr val="000000"/>
-              </a:solidFill>
               <a:latin typeface="Arial"/>
             </a:endParaRPr>
           </a:p>
@@ -19260,7 +18834,7 @@
         <p:spPr>
           <a:xfrm>
             <a:off x="0" y="1458000"/>
-            <a:ext cx="9143640" cy="3684960"/>
+            <a:ext cx="9143280" cy="3684600"/>
           </a:xfrm>
           <a:prstGeom prst="rect">
             <a:avLst/>
@@ -19299,9 +18873,6 @@
               <a:t>Recently the use of traditional credit risk management techniques often rely on manual processes and limited statistical models, which may not fully capture the complexity and dynamics of credit portfolios, hence many of Tanzanian banks experiencing a high Non-Performing Loan (NPL) ratio above the desired one, 5% by the Bank of Tanzania.</a:t>
             </a:r>
             <a:endParaRPr b="0" lang="en-US" sz="2200" spc="-1" strike="noStrike">
-              <a:solidFill>
-                <a:srgbClr val="000000"/>
-              </a:solidFill>
               <a:latin typeface="Arial"/>
             </a:endParaRPr>
           </a:p>
@@ -19350,7 +18921,7 @@
         <p:spPr>
           <a:xfrm>
             <a:off x="1319760" y="1000800"/>
-            <a:ext cx="6503760" cy="4142160"/>
+            <a:ext cx="6503400" cy="4141800"/>
           </a:xfrm>
           <a:prstGeom prst="rect">
             <a:avLst/>
@@ -19403,7 +18974,7 @@
         <p:spPr>
           <a:xfrm>
             <a:off x="0" y="976320"/>
-            <a:ext cx="9143640" cy="4167000"/>
+            <a:ext cx="9143280" cy="4166640"/>
           </a:xfrm>
           <a:prstGeom prst="rect">
             <a:avLst/>
@@ -19442,9 +19013,6 @@
               <a:t>Therefore this research aims to address the limitations of credit scoring modeling by leveraging machine learning techniques. Identifying the key determinants of credit risk, including both traditional factors (e.g., credit history, income, and collateral) and non-traditional factors (e.g., social media data, transactional patterns, and macroeconomic indicators), integration of economic effects, and improvement of model explainability to develop more accurate, robust, and transparent credit risk assessment models.</a:t>
             </a:r>
             <a:endParaRPr b="0" lang="en-US" sz="2400" spc="-1" strike="noStrike">
-              <a:solidFill>
-                <a:srgbClr val="000000"/>
-              </a:solidFill>
               <a:latin typeface="Arial"/>
             </a:endParaRPr>
           </a:p>
@@ -19493,7 +19061,7 @@
         <p:spPr>
           <a:xfrm>
             <a:off x="388080" y="1430640"/>
-            <a:ext cx="8367840" cy="685800"/>
+            <a:ext cx="8367480" cy="685440"/>
           </a:xfrm>
           <a:prstGeom prst="rect">
             <a:avLst/>
@@ -19528,9 +19096,6 @@
               <a:t>Objectives</a:t>
             </a:r>
             <a:endParaRPr b="0" lang="en-US" sz="3200" spc="-1" strike="noStrike">
-              <a:solidFill>
-                <a:srgbClr val="000000"/>
-              </a:solidFill>
               <a:latin typeface="Arial"/>
             </a:endParaRPr>
           </a:p>
@@ -19549,7 +19114,7 @@
         <p:spPr>
           <a:xfrm>
             <a:off x="388080" y="2116800"/>
-            <a:ext cx="8367840" cy="2790720"/>
+            <a:ext cx="8367480" cy="2790360"/>
           </a:xfrm>
           <a:prstGeom prst="rect">
             <a:avLst/>
@@ -19607,9 +19172,6 @@
               <a:t>Leveraging predictive modeling to develop robust models that can accurately assess credit risk, predict credit default probabilities, and improve the overall credit risk management practices within Tanzanian banks. </a:t>
             </a:r>
             <a:endParaRPr b="0" lang="en-US" sz="2400" spc="-1" strike="noStrike">
-              <a:solidFill>
-                <a:srgbClr val="000000"/>
-              </a:solidFill>
               <a:latin typeface="Arial"/>
             </a:endParaRPr>
           </a:p>
@@ -19627,9 +19189,6 @@
               </a:tabLst>
             </a:pPr>
             <a:endParaRPr b="0" lang="en-US" sz="2400" spc="-1" strike="noStrike">
-              <a:solidFill>
-                <a:srgbClr val="000000"/>
-              </a:solidFill>
               <a:latin typeface="Arial"/>
             </a:endParaRPr>
           </a:p>
@@ -19678,7 +19237,7 @@
         <p:spPr>
           <a:xfrm>
             <a:off x="704880" y="1051200"/>
-            <a:ext cx="7733880" cy="520200"/>
+            <a:ext cx="7733520" cy="519840"/>
           </a:xfrm>
           <a:prstGeom prst="rect">
             <a:avLst/>
@@ -19710,9 +19269,6 @@
               <a:t>Specific Objectives</a:t>
             </a:r>
             <a:endParaRPr b="0" lang="en-US" sz="3200" spc="-1" strike="noStrike">
-              <a:solidFill>
-                <a:srgbClr val="000000"/>
-              </a:solidFill>
               <a:latin typeface="Arial"/>
             </a:endParaRPr>
           </a:p>
@@ -19731,7 +19287,7 @@
         <p:spPr>
           <a:xfrm>
             <a:off x="0" y="1571760"/>
-            <a:ext cx="9143640" cy="3571560"/>
+            <a:ext cx="9143280" cy="3571200"/>
           </a:xfrm>
           <a:prstGeom prst="rect">
             <a:avLst/>
@@ -19770,9 +19326,6 @@
               <a:t>To build a comprehensive dataset for model development by collecting historical credit data from Tanzanian banks, including loan performance, borrower information, and relevant financial indicators.</a:t>
             </a:r>
             <a:endParaRPr b="0" lang="en-US" sz="2200" spc="-1" strike="noStrike">
-              <a:solidFill>
-                <a:srgbClr val="000000"/>
-              </a:solidFill>
               <a:latin typeface="Arial"/>
             </a:endParaRPr>
           </a:p>
@@ -19801,9 +19354,6 @@
               <a:t>To develop predictive models for credit risk management using machine learning techniques.</a:t>
             </a:r>
             <a:endParaRPr b="0" lang="en-US" sz="2200" spc="-1" strike="noStrike">
-              <a:solidFill>
-                <a:srgbClr val="000000"/>
-              </a:solidFill>
               <a:latin typeface="Arial"/>
             </a:endParaRPr>
           </a:p>
@@ -19832,9 +19382,6 @@
               <a:t>To evaluate the performance of the predictive models in terms of accuracy.</a:t>
             </a:r>
             <a:endParaRPr b="0" lang="en-US" sz="2200" spc="-1" strike="noStrike">
-              <a:solidFill>
-                <a:srgbClr val="000000"/>
-              </a:solidFill>
               <a:latin typeface="Arial"/>
             </a:endParaRPr>
           </a:p>
@@ -19883,7 +19430,7 @@
         <p:spPr>
           <a:xfrm>
             <a:off x="704880" y="1051200"/>
-            <a:ext cx="7733880" cy="520200"/>
+            <a:ext cx="7733520" cy="519840"/>
           </a:xfrm>
           <a:prstGeom prst="rect">
             <a:avLst/>
@@ -19915,9 +19462,6 @@
               <a:t>Significance of the Study</a:t>
             </a:r>
             <a:endParaRPr b="0" lang="en-US" sz="3200" spc="-1" strike="noStrike">
-              <a:solidFill>
-                <a:srgbClr val="000000"/>
-              </a:solidFill>
               <a:latin typeface="Arial"/>
             </a:endParaRPr>
           </a:p>
@@ -19936,7 +19480,7 @@
         <p:spPr>
           <a:xfrm>
             <a:off x="123480" y="1571760"/>
-            <a:ext cx="8921160" cy="3444840"/>
+            <a:ext cx="8920800" cy="3444480"/>
           </a:xfrm>
           <a:prstGeom prst="rect">
             <a:avLst/>
@@ -19975,9 +19519,6 @@
               <a:t>Enabling Tanzanian banks to make more accurate and data-driven decisions regarding credit approvals, loan pricing, and credit risk mitigation.</a:t>
             </a:r>
             <a:endParaRPr b="0" lang="en-US" sz="2200" spc="-1" strike="noStrike">
-              <a:solidFill>
-                <a:srgbClr val="000000"/>
-              </a:solidFill>
               <a:latin typeface="Arial"/>
             </a:endParaRPr>
           </a:p>
@@ -20006,9 +19547,6 @@
               <a:t>The study will contribute to improving the overall financial stability of Tanzanian banks by reducing non-performing loans, enhancing the quality of loan portfolios.</a:t>
             </a:r>
             <a:endParaRPr b="0" lang="en-US" sz="2200" spc="-1" strike="noStrike">
-              <a:solidFill>
-                <a:srgbClr val="000000"/>
-              </a:solidFill>
               <a:latin typeface="Arial"/>
             </a:endParaRPr>
           </a:p>
@@ -20037,9 +19575,6 @@
               <a:t>The research will contribute to the development of accurate and reliable predictive models for credit risk assessment.</a:t>
             </a:r>
             <a:endParaRPr b="0" lang="en-US" sz="2200" spc="-1" strike="noStrike">
-              <a:solidFill>
-                <a:srgbClr val="000000"/>
-              </a:solidFill>
               <a:latin typeface="Arial"/>
             </a:endParaRPr>
           </a:p>
@@ -20088,7 +19623,7 @@
         <p:spPr>
           <a:xfrm>
             <a:off x="704880" y="1051200"/>
-            <a:ext cx="7733880" cy="520200"/>
+            <a:ext cx="7733520" cy="519840"/>
           </a:xfrm>
           <a:prstGeom prst="rect">
             <a:avLst/>
@@ -20130,9 +19665,6 @@
               <a:t>Research Gap</a:t>
             </a:r>
             <a:endParaRPr b="0" lang="en-US" sz="3200" spc="-1" strike="noStrike">
-              <a:solidFill>
-                <a:srgbClr val="000000"/>
-              </a:solidFill>
               <a:latin typeface="Arial"/>
             </a:endParaRPr>
           </a:p>
@@ -20151,7 +19683,7 @@
         <p:spPr>
           <a:xfrm>
             <a:off x="99000" y="1433520"/>
-            <a:ext cx="8859600" cy="3595320"/>
+            <a:ext cx="8859240" cy="3594960"/>
           </a:xfrm>
           <a:prstGeom prst="rect">
             <a:avLst/>
@@ -20190,9 +19722,6 @@
               <a:t>One significant research gap is the exploration of alternative data sources and the integration of economic effects to improve the accuracy and interpretability of credit scoring models (Teng &amp; Lee, 2019)</a:t>
             </a:r>
             <a:endParaRPr b="0" lang="en-US" sz="2400" spc="-1" strike="noStrike">
-              <a:solidFill>
-                <a:srgbClr val="000000"/>
-              </a:solidFill>
               <a:latin typeface="Arial"/>
             </a:endParaRPr>
           </a:p>
@@ -20221,9 +19750,6 @@
               <a:t>Currently, the availability of sensitive and confidential data from financial institutions poses a challenge, leading to limited access for researchers (Simão, n.d.). Therefore, this research focus on identifying and utilizing new data sources, such as the vast amount of digital information recorded on social networks and mobile applications. </a:t>
             </a:r>
             <a:endParaRPr b="0" lang="en-US" sz="2400" spc="-1" strike="noStrike">
-              <a:solidFill>
-                <a:srgbClr val="000000"/>
-              </a:solidFill>
               <a:latin typeface="Arial"/>
             </a:endParaRPr>
           </a:p>
